--- a/5thSem/Project/Bulk Email Aggregtor.pptx
+++ b/5thSem/Project/Bulk Email Aggregtor.pptx
@@ -7,10 +7,14 @@
   <p:sldIdLst>
     <p:sldId id="256" r:id="rId2"/>
     <p:sldId id="257" r:id="rId3"/>
-    <p:sldId id="258" r:id="rId4"/>
-    <p:sldId id="259" r:id="rId5"/>
-    <p:sldId id="261" r:id="rId6"/>
-    <p:sldId id="260" r:id="rId7"/>
+    <p:sldId id="262" r:id="rId4"/>
+    <p:sldId id="258" r:id="rId5"/>
+    <p:sldId id="259" r:id="rId6"/>
+    <p:sldId id="263" r:id="rId7"/>
+    <p:sldId id="261" r:id="rId8"/>
+    <p:sldId id="264" r:id="rId9"/>
+    <p:sldId id="265" r:id="rId10"/>
+    <p:sldId id="260" r:id="rId11"/>
   </p:sldIdLst>
   <p:sldSz cx="12192000" cy="6858000"/>
   <p:notesSz cx="6858000" cy="9144000"/>
@@ -109,6 +113,11 @@
       </a:defRPr>
     </a:lvl9pPr>
   </p:defaultTextStyle>
+  <p:extLst>
+    <p:ext uri="{EFAFB233-063F-42B5-8137-9DF3F51BA10A}">
+      <p15:sldGuideLst xmlns:p15="http://schemas.microsoft.com/office/powerpoint/2012/main"/>
+    </p:ext>
+  </p:extLst>
 </p:presentation>
 </file>
 
@@ -301,7 +310,7 @@
             <a:fld id="{B61BEF0D-F0BB-DE4B-95CE-6DB70DBA9567}" type="datetimeFigureOut">
               <a:rPr lang="en-US" dirty="0"/>
               <a:pPr/>
-              <a:t>9/6/2019</a:t>
+              <a:t>9/8/2019</a:t>
             </a:fld>
             <a:endParaRPr lang="en-US" dirty="0"/>
           </a:p>
@@ -636,7 +645,7 @@
             <a:fld id="{B61BEF0D-F0BB-DE4B-95CE-6DB70DBA9567}" type="datetimeFigureOut">
               <a:rPr lang="en-US" dirty="0"/>
               <a:pPr/>
-              <a:t>9/6/2019</a:t>
+              <a:t>9/8/2019</a:t>
             </a:fld>
             <a:endParaRPr lang="en-US" dirty="0"/>
           </a:p>
@@ -1034,7 +1043,7 @@
             <a:fld id="{B61BEF0D-F0BB-DE4B-95CE-6DB70DBA9567}" type="datetimeFigureOut">
               <a:rPr lang="en-US" dirty="0"/>
               <a:pPr/>
-              <a:t>9/6/2019</a:t>
+              <a:t>9/8/2019</a:t>
             </a:fld>
             <a:endParaRPr lang="en-US" dirty="0"/>
           </a:p>
@@ -1367,7 +1376,7 @@
             <a:fld id="{B61BEF0D-F0BB-DE4B-95CE-6DB70DBA9567}" type="datetimeFigureOut">
               <a:rPr lang="en-US" dirty="0"/>
               <a:pPr/>
-              <a:t>9/6/2019</a:t>
+              <a:t>9/8/2019</a:t>
             </a:fld>
             <a:endParaRPr lang="en-US" dirty="0"/>
           </a:p>
@@ -1684,7 +1693,7 @@
             <a:fld id="{B61BEF0D-F0BB-DE4B-95CE-6DB70DBA9567}" type="datetimeFigureOut">
               <a:rPr lang="en-US" dirty="0"/>
               <a:pPr/>
-              <a:t>9/6/2019</a:t>
+              <a:t>9/8/2019</a:t>
             </a:fld>
             <a:endParaRPr lang="en-US" dirty="0"/>
           </a:p>
@@ -2077,7 +2086,7 @@
             <a:fld id="{B61BEF0D-F0BB-DE4B-95CE-6DB70DBA9567}" type="datetimeFigureOut">
               <a:rPr lang="en-US" dirty="0"/>
               <a:pPr/>
-              <a:t>9/6/2019</a:t>
+              <a:t>9/8/2019</a:t>
             </a:fld>
             <a:endParaRPr lang="en-US" dirty="0"/>
           </a:p>
@@ -2331,7 +2340,7 @@
             <a:fld id="{B61BEF0D-F0BB-DE4B-95CE-6DB70DBA9567}" type="datetimeFigureOut">
               <a:rPr lang="en-US" dirty="0"/>
               <a:pPr/>
-              <a:t>9/6/2019</a:t>
+              <a:t>9/8/2019</a:t>
             </a:fld>
             <a:endParaRPr lang="en-US" dirty="0"/>
           </a:p>
@@ -2590,7 +2599,7 @@
             <a:fld id="{B61BEF0D-F0BB-DE4B-95CE-6DB70DBA9567}" type="datetimeFigureOut">
               <a:rPr lang="en-US" dirty="0"/>
               <a:pPr/>
-              <a:t>9/6/2019</a:t>
+              <a:t>9/8/2019</a:t>
             </a:fld>
             <a:endParaRPr lang="en-US" dirty="0"/>
           </a:p>
@@ -2849,7 +2858,7 @@
             <a:fld id="{B61BEF0D-F0BB-DE4B-95CE-6DB70DBA9567}" type="datetimeFigureOut">
               <a:rPr lang="en-US" dirty="0"/>
               <a:pPr/>
-              <a:t>9/6/2019</a:t>
+              <a:t>9/8/2019</a:t>
             </a:fld>
             <a:endParaRPr lang="en-US" dirty="0"/>
           </a:p>
@@ -3175,7 +3184,7 @@
             <a:fld id="{B61BEF0D-F0BB-DE4B-95CE-6DB70DBA9567}" type="datetimeFigureOut">
               <a:rPr lang="en-US" dirty="0"/>
               <a:pPr/>
-              <a:t>9/6/2019</a:t>
+              <a:t>9/8/2019</a:t>
             </a:fld>
             <a:endParaRPr lang="en-US" dirty="0"/>
           </a:p>
@@ -3495,7 +3504,7 @@
             <a:fld id="{B61BEF0D-F0BB-DE4B-95CE-6DB70DBA9567}" type="datetimeFigureOut">
               <a:rPr lang="en-US" dirty="0"/>
               <a:pPr/>
-              <a:t>9/6/2019</a:t>
+              <a:t>9/8/2019</a:t>
             </a:fld>
             <a:endParaRPr lang="en-US" dirty="0"/>
           </a:p>
@@ -3949,7 +3958,7 @@
             <a:fld id="{B61BEF0D-F0BB-DE4B-95CE-6DB70DBA9567}" type="datetimeFigureOut">
               <a:rPr lang="en-US" dirty="0"/>
               <a:pPr/>
-              <a:t>9/6/2019</a:t>
+              <a:t>9/8/2019</a:t>
             </a:fld>
             <a:endParaRPr lang="en-US" dirty="0"/>
           </a:p>
@@ -4151,7 +4160,7 @@
             <a:fld id="{B61BEF0D-F0BB-DE4B-95CE-6DB70DBA9567}" type="datetimeFigureOut">
               <a:rPr lang="en-US" dirty="0"/>
               <a:pPr/>
-              <a:t>9/6/2019</a:t>
+              <a:t>9/8/2019</a:t>
             </a:fld>
             <a:endParaRPr lang="en-US" dirty="0"/>
           </a:p>
@@ -4325,7 +4334,7 @@
             <a:fld id="{B61BEF0D-F0BB-DE4B-95CE-6DB70DBA9567}" type="datetimeFigureOut">
               <a:rPr lang="en-US" dirty="0"/>
               <a:pPr/>
-              <a:t>9/6/2019</a:t>
+              <a:t>9/8/2019</a:t>
             </a:fld>
             <a:endParaRPr lang="en-US" dirty="0"/>
           </a:p>
@@ -4655,7 +4664,7 @@
             <a:fld id="{B61BEF0D-F0BB-DE4B-95CE-6DB70DBA9567}" type="datetimeFigureOut">
               <a:rPr lang="en-US" dirty="0"/>
               <a:pPr/>
-              <a:t>9/6/2019</a:t>
+              <a:t>9/8/2019</a:t>
             </a:fld>
             <a:endParaRPr lang="en-US" dirty="0"/>
           </a:p>
@@ -4997,7 +5006,7 @@
             <a:fld id="{B61BEF0D-F0BB-DE4B-95CE-6DB70DBA9567}" type="datetimeFigureOut">
               <a:rPr lang="en-US" dirty="0"/>
               <a:pPr/>
-              <a:t>9/6/2019</a:t>
+              <a:t>9/8/2019</a:t>
             </a:fld>
             <a:endParaRPr lang="en-US" dirty="0"/>
           </a:p>
@@ -7111,7 +7120,7 @@
             <a:fld id="{B61BEF0D-F0BB-DE4B-95CE-6DB70DBA9567}" type="datetimeFigureOut">
               <a:rPr lang="en-US" dirty="0"/>
               <a:pPr/>
-              <a:t>9/6/2019</a:t>
+              <a:t>9/8/2019</a:t>
             </a:fld>
             <a:endParaRPr lang="en-US" dirty="0"/>
           </a:p>
@@ -7844,6 +7853,87 @@
 </p:sld>
 </file>
 
+<file path=ppt/slides/slide10.xml><?xml version="1.0" encoding="utf-8"?>
+<p:sld xmlns:a="http://schemas.openxmlformats.org/drawingml/2006/main" xmlns:r="http://schemas.openxmlformats.org/officeDocument/2006/relationships" xmlns:p="http://schemas.openxmlformats.org/presentationml/2006/main">
+  <p:cSld>
+    <p:spTree>
+      <p:nvGrpSpPr>
+        <p:cNvPr id="1" name=""/>
+        <p:cNvGrpSpPr/>
+        <p:nvPr/>
+      </p:nvGrpSpPr>
+      <p:grpSpPr>
+        <a:xfrm>
+          <a:off x="0" y="0"/>
+          <a:ext cx="0" cy="0"/>
+          <a:chOff x="0" y="0"/>
+          <a:chExt cx="0" cy="0"/>
+        </a:xfrm>
+      </p:grpSpPr>
+      <p:sp>
+        <p:nvSpPr>
+          <p:cNvPr id="4" name="Rectangle 3"/>
+          <p:cNvSpPr/>
+          <p:nvPr/>
+        </p:nvSpPr>
+        <p:spPr>
+          <a:xfrm rot="20617724">
+            <a:off x="3998519" y="2949918"/>
+            <a:ext cx="4316887" cy="923330"/>
+          </a:xfrm>
+          <a:prstGeom prst="rect">
+            <a:avLst/>
+          </a:prstGeom>
+          <a:noFill/>
+        </p:spPr>
+        <p:txBody>
+          <a:bodyPr wrap="none" lIns="91440" tIns="45720" rIns="91440" bIns="45720">
+            <a:spAutoFit/>
+          </a:bodyPr>
+          <a:lstStyle/>
+          <a:p>
+            <a:pPr algn="ctr"/>
+            <a:r>
+              <a:rPr lang="en-US" sz="5400" dirty="0" smtClean="0">
+                <a:ln w="0"/>
+                <a:solidFill>
+                  <a:srgbClr val="C00000"/>
+                </a:solidFill>
+                <a:effectLst>
+                  <a:reflection blurRad="6350" stA="53000" endA="300" endPos="35500" dir="5400000" sy="-90000" algn="bl" rotWithShape="0"/>
+                </a:effectLst>
+                <a:latin typeface="Verdana" panose="020B0604030504040204" pitchFamily="34" charset="0"/>
+                <a:ea typeface="Verdana" panose="020B0604030504040204" pitchFamily="34" charset="0"/>
+              </a:rPr>
+              <a:t>THANK YOU</a:t>
+            </a:r>
+            <a:endParaRPr lang="en-US" sz="5400" b="0" cap="none" spc="0" dirty="0">
+              <a:ln w="0"/>
+              <a:solidFill>
+                <a:srgbClr val="C00000"/>
+              </a:solidFill>
+              <a:effectLst>
+                <a:reflection blurRad="6350" stA="53000" endA="300" endPos="35500" dir="5400000" sy="-90000" algn="bl" rotWithShape="0"/>
+              </a:effectLst>
+              <a:latin typeface="Verdana" panose="020B0604030504040204" pitchFamily="34" charset="0"/>
+              <a:ea typeface="Verdana" panose="020B0604030504040204" pitchFamily="34" charset="0"/>
+            </a:endParaRPr>
+          </a:p>
+        </p:txBody>
+      </p:sp>
+    </p:spTree>
+    <p:extLst>
+      <p:ext uri="{BB962C8B-B14F-4D97-AF65-F5344CB8AC3E}">
+        <p14:creationId xmlns:p14="http://schemas.microsoft.com/office/powerpoint/2010/main" val="708829462"/>
+      </p:ext>
+    </p:extLst>
+  </p:cSld>
+  <p:clrMapOvr>
+    <a:masterClrMapping/>
+  </p:clrMapOvr>
+</p:sld>
+</file>
+
 <file path=ppt/slides/slide2.xml><?xml version="1.0" encoding="utf-8"?>
 <p:sld xmlns:a="http://schemas.openxmlformats.org/drawingml/2006/main" xmlns:r="http://schemas.openxmlformats.org/officeDocument/2006/relationships" xmlns:p="http://schemas.openxmlformats.org/presentationml/2006/main">
   <p:cSld>
@@ -7942,10 +8032,6 @@
               </a:rPr>
               <a:t>web application that can be used to send mass emails to a big list of users for collecting feedback. The objective of the project is to provide a paid service to the end user, which will enable them to send bulk emails for feedback of their own product. Our service will be provided on usage of assigned credit points to user. With the use of Google OAuth authentication, we will enhance the authentication flow in the app. </a:t>
             </a:r>
-            <a:endParaRPr lang="en-IN" sz="2800" dirty="0">
-              <a:latin typeface="Times New Roman" panose="02020603050405020304" pitchFamily="18" charset="0"/>
-              <a:cs typeface="Times New Roman" panose="02020603050405020304" pitchFamily="18" charset="0"/>
-            </a:endParaRPr>
           </a:p>
         </p:txBody>
       </p:sp>
@@ -7991,8 +8077,8 @@
         </p:nvSpPr>
         <p:spPr>
           <a:xfrm>
-            <a:off x="3352800" y="249643"/>
-            <a:ext cx="5870166" cy="812804"/>
+            <a:off x="4242456" y="275767"/>
+            <a:ext cx="3919446" cy="769261"/>
           </a:xfrm>
         </p:spPr>
         <p:txBody>
@@ -8005,7 +8091,7 @@
                 <a:latin typeface="Times New Roman" panose="02020603050405020304" pitchFamily="18" charset="0"/>
                 <a:cs typeface="Times New Roman" panose="02020603050405020304" pitchFamily="18" charset="0"/>
               </a:rPr>
-              <a:t>LITERATURE SURVEY</a:t>
+              <a:t>INTRODUCTION</a:t>
             </a:r>
             <a:endParaRPr lang="en-IN" b="1" dirty="0">
               <a:latin typeface="Times New Roman" panose="02020603050405020304" pitchFamily="18" charset="0"/>
@@ -8026,22 +8112,119 @@
         </p:nvSpPr>
         <p:spPr>
           <a:xfrm>
-            <a:off x="1830183" y="1558835"/>
-            <a:ext cx="8915400" cy="3777622"/>
+            <a:off x="1525381" y="1402081"/>
+            <a:ext cx="9876109" cy="4937759"/>
           </a:xfrm>
         </p:spPr>
         <p:txBody>
-          <a:bodyPr/>
+          <a:bodyPr>
+            <a:normAutofit/>
+          </a:bodyPr>
           <a:lstStyle/>
           <a:p>
-            <a:endParaRPr lang="en-IN" dirty="0"/>
+            <a:r>
+              <a:rPr lang="en-IN" sz="2800" dirty="0" smtClean="0">
+                <a:latin typeface="Times New Roman" panose="02020603050405020304" pitchFamily="18" charset="0"/>
+                <a:cs typeface="Times New Roman" panose="02020603050405020304" pitchFamily="18" charset="0"/>
+              </a:rPr>
+              <a:t>The objective of the project is to build an application that can be used to send mass emails to a big list of users for the purpose of collecting feedback.</a:t>
+            </a:r>
+          </a:p>
+          <a:p>
+            <a:r>
+              <a:rPr lang="en-IN" sz="2800" dirty="0" smtClean="0">
+                <a:latin typeface="Times New Roman" panose="02020603050405020304" pitchFamily="18" charset="0"/>
+                <a:cs typeface="Times New Roman" panose="02020603050405020304" pitchFamily="18" charset="0"/>
+              </a:rPr>
+              <a:t>The application of ours will include the full </a:t>
+            </a:r>
+            <a:r>
+              <a:rPr lang="en-IN" sz="2800" b="1" dirty="0" smtClean="0">
+                <a:latin typeface="Times New Roman" panose="02020603050405020304" pitchFamily="18" charset="0"/>
+                <a:cs typeface="Times New Roman" panose="02020603050405020304" pitchFamily="18" charset="0"/>
+              </a:rPr>
+              <a:t>gamut</a:t>
+            </a:r>
+            <a:r>
+              <a:rPr lang="en-IN" sz="2800" dirty="0" smtClean="0">
+                <a:latin typeface="Times New Roman" panose="02020603050405020304" pitchFamily="18" charset="0"/>
+                <a:cs typeface="Times New Roman" panose="02020603050405020304" pitchFamily="18" charset="0"/>
+              </a:rPr>
+              <a:t> of features including everything from authentication to email handling.</a:t>
+            </a:r>
+          </a:p>
+          <a:p>
+            <a:r>
+              <a:rPr lang="en-IN" sz="2800" dirty="0" smtClean="0">
+                <a:latin typeface="Times New Roman" panose="02020603050405020304" pitchFamily="18" charset="0"/>
+                <a:cs typeface="Times New Roman" panose="02020603050405020304" pitchFamily="18" charset="0"/>
+              </a:rPr>
+              <a:t>Along with the ability to send bulk emails, our app will also be able to handle credit cards and receive payments from the users with </a:t>
+            </a:r>
+            <a:r>
+              <a:rPr lang="en-IN" sz="2800" b="1" dirty="0" smtClean="0">
+                <a:latin typeface="Times New Roman" panose="02020603050405020304" pitchFamily="18" charset="0"/>
+                <a:cs typeface="Times New Roman" panose="02020603050405020304" pitchFamily="18" charset="0"/>
+              </a:rPr>
+              <a:t>Stripe</a:t>
+            </a:r>
+            <a:r>
+              <a:rPr lang="en-IN" sz="2800" dirty="0" smtClean="0">
+                <a:latin typeface="Times New Roman" panose="02020603050405020304" pitchFamily="18" charset="0"/>
+                <a:cs typeface="Times New Roman" panose="02020603050405020304" pitchFamily="18" charset="0"/>
+              </a:rPr>
+              <a:t>. It can also engage the users with automated </a:t>
+            </a:r>
+            <a:r>
+              <a:rPr lang="en-IN" sz="2800" b="1" dirty="0" smtClean="0">
+                <a:latin typeface="Times New Roman" panose="02020603050405020304" pitchFamily="18" charset="0"/>
+                <a:cs typeface="Times New Roman" panose="02020603050405020304" pitchFamily="18" charset="0"/>
+              </a:rPr>
+              <a:t>emails</a:t>
+            </a:r>
+            <a:r>
+              <a:rPr lang="en-IN" sz="2800" dirty="0" smtClean="0">
+                <a:latin typeface="Times New Roman" panose="02020603050405020304" pitchFamily="18" charset="0"/>
+                <a:cs typeface="Times New Roman" panose="02020603050405020304" pitchFamily="18" charset="0"/>
+              </a:rPr>
+              <a:t>.</a:t>
+            </a:r>
+          </a:p>
+          <a:p>
+            <a:r>
+              <a:rPr lang="en-IN" sz="2800" dirty="0" smtClean="0">
+                <a:latin typeface="Times New Roman" panose="02020603050405020304" pitchFamily="18" charset="0"/>
+                <a:cs typeface="Times New Roman" panose="02020603050405020304" pitchFamily="18" charset="0"/>
+              </a:rPr>
+              <a:t>We will also be enhancing the authentication flows in our app with the use of </a:t>
+            </a:r>
+            <a:r>
+              <a:rPr lang="en-IN" sz="2800" b="1" dirty="0" smtClean="0">
+                <a:latin typeface="Times New Roman" panose="02020603050405020304" pitchFamily="18" charset="0"/>
+                <a:cs typeface="Times New Roman" panose="02020603050405020304" pitchFamily="18" charset="0"/>
+              </a:rPr>
+              <a:t>Google Oauth authentication</a:t>
+            </a:r>
+            <a:r>
+              <a:rPr lang="en-IN" sz="2800" dirty="0" smtClean="0">
+                <a:latin typeface="Times New Roman" panose="02020603050405020304" pitchFamily="18" charset="0"/>
+                <a:cs typeface="Times New Roman" panose="02020603050405020304" pitchFamily="18" charset="0"/>
+              </a:rPr>
+              <a:t>.</a:t>
+            </a:r>
+          </a:p>
+          <a:p>
+            <a:endParaRPr lang="en-IN" sz="2800" dirty="0" smtClean="0">
+              <a:latin typeface="Times New Roman" panose="02020603050405020304" pitchFamily="18" charset="0"/>
+              <a:cs typeface="Times New Roman" panose="02020603050405020304" pitchFamily="18" charset="0"/>
+            </a:endParaRPr>
           </a:p>
         </p:txBody>
       </p:sp>
     </p:spTree>
     <p:extLst>
       <p:ext uri="{BB962C8B-B14F-4D97-AF65-F5344CB8AC3E}">
-        <p14:creationId xmlns:p14="http://schemas.microsoft.com/office/powerpoint/2010/main" val="3174763459"/>
+        <p14:creationId xmlns:p14="http://schemas.microsoft.com/office/powerpoint/2010/main" val="3236860221"/>
       </p:ext>
     </p:extLst>
   </p:cSld>
@@ -8080,8 +8263,8 @@
         </p:nvSpPr>
         <p:spPr>
           <a:xfrm>
-            <a:off x="2917371" y="328016"/>
-            <a:ext cx="6845526" cy="725719"/>
+            <a:off x="3352800" y="249643"/>
+            <a:ext cx="5870166" cy="812804"/>
           </a:xfrm>
         </p:spPr>
         <p:txBody>
@@ -8094,7 +8277,7 @@
                 <a:latin typeface="Times New Roman" panose="02020603050405020304" pitchFamily="18" charset="0"/>
                 <a:cs typeface="Times New Roman" panose="02020603050405020304" pitchFamily="18" charset="0"/>
               </a:rPr>
-              <a:t>TOOLS AND TECHNOLOGIES</a:t>
+              <a:t>LITERATURE SURVEY</a:t>
             </a:r>
             <a:endParaRPr lang="en-IN" b="1" dirty="0">
               <a:latin typeface="Times New Roman" panose="02020603050405020304" pitchFamily="18" charset="0"/>
@@ -8115,190 +8298,22 @@
         </p:nvSpPr>
         <p:spPr>
           <a:xfrm>
-            <a:off x="1882434" y="1384664"/>
-            <a:ext cx="8915400" cy="5007427"/>
+            <a:off x="1830183" y="1558835"/>
+            <a:ext cx="8915400" cy="3777622"/>
           </a:xfrm>
         </p:spPr>
         <p:txBody>
-          <a:bodyPr>
-            <a:normAutofit/>
-          </a:bodyPr>
+          <a:bodyPr/>
           <a:lstStyle/>
           <a:p>
-            <a:pPr lvl="0"/>
-            <a:r>
-              <a:rPr lang="en-US" sz="2000" b="1" dirty="0">
-                <a:latin typeface="Times New Roman" panose="02020603050405020304" pitchFamily="18" charset="0"/>
-                <a:ea typeface="Verdana" panose="020B0604030504040204" pitchFamily="34" charset="0"/>
-                <a:cs typeface="Times New Roman" panose="02020603050405020304" pitchFamily="18" charset="0"/>
-              </a:rPr>
-              <a:t>Frontend</a:t>
-            </a:r>
-            <a:r>
-              <a:rPr lang="en-US" b="1" dirty="0">
-                <a:latin typeface="Times New Roman" panose="02020603050405020304" pitchFamily="18" charset="0"/>
-                <a:ea typeface="Verdana" panose="020B0604030504040204" pitchFamily="34" charset="0"/>
-                <a:cs typeface="Times New Roman" panose="02020603050405020304" pitchFamily="18" charset="0"/>
-              </a:rPr>
-              <a:t> </a:t>
-            </a:r>
-          </a:p>
-          <a:p>
-            <a:pPr lvl="1"/>
-            <a:r>
-              <a:rPr lang="en-US" sz="1800" dirty="0">
-                <a:latin typeface="Times New Roman" panose="02020603050405020304" pitchFamily="18" charset="0"/>
-                <a:ea typeface="Verdana" panose="020B0604030504040204" pitchFamily="34" charset="0"/>
-                <a:cs typeface="Times New Roman" panose="02020603050405020304" pitchFamily="18" charset="0"/>
-              </a:rPr>
-              <a:t>HTML5</a:t>
-            </a:r>
-          </a:p>
-          <a:p>
-            <a:pPr lvl="1"/>
-            <a:r>
-              <a:rPr lang="en-US" sz="1800" dirty="0">
-                <a:latin typeface="Times New Roman" panose="02020603050405020304" pitchFamily="18" charset="0"/>
-                <a:ea typeface="Verdana" panose="020B0604030504040204" pitchFamily="34" charset="0"/>
-                <a:cs typeface="Times New Roman" panose="02020603050405020304" pitchFamily="18" charset="0"/>
-              </a:rPr>
-              <a:t>CSS3</a:t>
-            </a:r>
-          </a:p>
-          <a:p>
-            <a:pPr lvl="1"/>
-            <a:r>
-              <a:rPr lang="en-US" sz="1800" dirty="0">
-                <a:latin typeface="Times New Roman" panose="02020603050405020304" pitchFamily="18" charset="0"/>
-                <a:ea typeface="Verdana" panose="020B0604030504040204" pitchFamily="34" charset="0"/>
-                <a:cs typeface="Times New Roman" panose="02020603050405020304" pitchFamily="18" charset="0"/>
-              </a:rPr>
-              <a:t>Bootstrap  </a:t>
-            </a:r>
-            <a:r>
-              <a:rPr lang="en-IN" sz="1800" b="1" dirty="0">
-                <a:latin typeface="Times New Roman" panose="02020603050405020304" pitchFamily="18" charset="0"/>
-                <a:ea typeface="Verdana" panose="020B0604030504040204" pitchFamily="34" charset="0"/>
-                <a:cs typeface="Times New Roman" panose="02020603050405020304" pitchFamily="18" charset="0"/>
-              </a:rPr>
-              <a:t>v4.2.1</a:t>
-            </a:r>
-          </a:p>
-          <a:p>
-            <a:pPr lvl="1"/>
-            <a:r>
-              <a:rPr lang="en-US" sz="1800" dirty="0">
-                <a:latin typeface="Times New Roman" panose="02020603050405020304" pitchFamily="18" charset="0"/>
-                <a:ea typeface="Verdana" panose="020B0604030504040204" pitchFamily="34" charset="0"/>
-                <a:cs typeface="Times New Roman" panose="02020603050405020304" pitchFamily="18" charset="0"/>
-              </a:rPr>
-              <a:t>React.js v16.x</a:t>
-            </a:r>
-          </a:p>
-          <a:p>
-            <a:pPr lvl="0"/>
-            <a:r>
-              <a:rPr lang="en-US" sz="2000" b="1" dirty="0">
-                <a:latin typeface="Times New Roman" panose="02020603050405020304" pitchFamily="18" charset="0"/>
-                <a:ea typeface="Verdana" panose="020B0604030504040204" pitchFamily="34" charset="0"/>
-                <a:cs typeface="Times New Roman" panose="02020603050405020304" pitchFamily="18" charset="0"/>
-              </a:rPr>
-              <a:t>Backend</a:t>
-            </a:r>
-          </a:p>
-          <a:p>
-            <a:pPr lvl="1"/>
-            <a:r>
-              <a:rPr lang="en-US" sz="1800" dirty="0">
-                <a:latin typeface="Times New Roman" panose="02020603050405020304" pitchFamily="18" charset="0"/>
-                <a:ea typeface="Verdana" panose="020B0604030504040204" pitchFamily="34" charset="0"/>
-                <a:cs typeface="Times New Roman" panose="02020603050405020304" pitchFamily="18" charset="0"/>
-              </a:rPr>
-              <a:t>Node.js 11.8.0</a:t>
-            </a:r>
-          </a:p>
-          <a:p>
-            <a:pPr lvl="0"/>
-            <a:r>
-              <a:rPr lang="en-US" sz="2000" b="1" dirty="0">
-                <a:latin typeface="Times New Roman" panose="02020603050405020304" pitchFamily="18" charset="0"/>
-                <a:ea typeface="Verdana" panose="020B0604030504040204" pitchFamily="34" charset="0"/>
-                <a:cs typeface="Times New Roman" panose="02020603050405020304" pitchFamily="18" charset="0"/>
-              </a:rPr>
-              <a:t>Database (NoSQL)</a:t>
-            </a:r>
-          </a:p>
-          <a:p>
-            <a:pPr lvl="1"/>
-            <a:r>
-              <a:rPr lang="en-US" sz="1800" dirty="0">
-                <a:latin typeface="Times New Roman" panose="02020603050405020304" pitchFamily="18" charset="0"/>
-                <a:ea typeface="Verdana" panose="020B0604030504040204" pitchFamily="34" charset="0"/>
-                <a:cs typeface="Times New Roman" panose="02020603050405020304" pitchFamily="18" charset="0"/>
-              </a:rPr>
-              <a:t>MongoDB  v4.0.1</a:t>
-            </a:r>
-          </a:p>
-          <a:p>
-            <a:r>
-              <a:rPr lang="en-US" sz="2000" b="1" dirty="0">
-                <a:latin typeface="Times New Roman" panose="02020603050405020304" pitchFamily="18" charset="0"/>
-                <a:ea typeface="Verdana" panose="020B0604030504040204" pitchFamily="34" charset="0"/>
-                <a:cs typeface="Times New Roman" panose="02020603050405020304" pitchFamily="18" charset="0"/>
-              </a:rPr>
-              <a:t>Cloud Deployment</a:t>
-            </a:r>
-          </a:p>
-          <a:p>
-            <a:pPr lvl="1"/>
-            <a:r>
-              <a:rPr lang="en-US" sz="1800" dirty="0" err="1">
-                <a:latin typeface="Times New Roman" panose="02020603050405020304" pitchFamily="18" charset="0"/>
-                <a:ea typeface="Verdana" panose="020B0604030504040204" pitchFamily="34" charset="0"/>
-                <a:cs typeface="Times New Roman" panose="02020603050405020304" pitchFamily="18" charset="0"/>
-              </a:rPr>
-              <a:t>Heroku</a:t>
-            </a:r>
-            <a:r>
-              <a:rPr lang="en-US" sz="1800" dirty="0">
-                <a:latin typeface="Times New Roman" panose="02020603050405020304" pitchFamily="18" charset="0"/>
-                <a:ea typeface="Verdana" panose="020B0604030504040204" pitchFamily="34" charset="0"/>
-                <a:cs typeface="Times New Roman" panose="02020603050405020304" pitchFamily="18" charset="0"/>
-              </a:rPr>
-              <a:t> Deployment</a:t>
-            </a:r>
-          </a:p>
-          <a:p>
-            <a:pPr lvl="1"/>
-            <a:r>
-              <a:rPr lang="en-US" sz="1800" dirty="0" err="1">
-                <a:latin typeface="Times New Roman" panose="02020603050405020304" pitchFamily="18" charset="0"/>
-                <a:ea typeface="Verdana" panose="020B0604030504040204" pitchFamily="34" charset="0"/>
-                <a:cs typeface="Times New Roman" panose="02020603050405020304" pitchFamily="18" charset="0"/>
-              </a:rPr>
-              <a:t>mLab</a:t>
-            </a:r>
-            <a:r>
-              <a:rPr lang="en-US" sz="1800" dirty="0">
-                <a:latin typeface="Times New Roman" panose="02020603050405020304" pitchFamily="18" charset="0"/>
-                <a:ea typeface="Verdana" panose="020B0604030504040204" pitchFamily="34" charset="0"/>
-                <a:cs typeface="Times New Roman" panose="02020603050405020304" pitchFamily="18" charset="0"/>
-              </a:rPr>
-              <a:t> MongoDB Deployment </a:t>
-            </a:r>
-          </a:p>
-          <a:p>
-            <a:endParaRPr lang="en-IN" sz="2000" b="1" dirty="0" smtClean="0">
-              <a:latin typeface="Times New Roman" panose="02020603050405020304" pitchFamily="18" charset="0"/>
-              <a:cs typeface="Times New Roman" panose="02020603050405020304" pitchFamily="18" charset="0"/>
-            </a:endParaRPr>
+            <a:endParaRPr lang="en-IN" dirty="0"/>
           </a:p>
         </p:txBody>
       </p:sp>
     </p:spTree>
     <p:extLst>
       <p:ext uri="{BB962C8B-B14F-4D97-AF65-F5344CB8AC3E}">
-        <p14:creationId xmlns:p14="http://schemas.microsoft.com/office/powerpoint/2010/main" val="912491330"/>
+        <p14:creationId xmlns:p14="http://schemas.microsoft.com/office/powerpoint/2010/main" val="3174763459"/>
       </p:ext>
     </p:extLst>
   </p:cSld>
@@ -8337,20 +8352,21 @@
         </p:nvSpPr>
         <p:spPr>
           <a:xfrm>
-            <a:off x="2726345" y="554442"/>
-            <a:ext cx="8641131" cy="804096"/>
+            <a:off x="2917371" y="328016"/>
+            <a:ext cx="6845526" cy="725719"/>
           </a:xfrm>
         </p:spPr>
         <p:txBody>
           <a:bodyPr/>
           <a:lstStyle/>
           <a:p>
+            <a:pPr algn="ctr"/>
             <a:r>
               <a:rPr lang="en-IN" b="1" dirty="0" smtClean="0">
                 <a:latin typeface="Times New Roman" panose="02020603050405020304" pitchFamily="18" charset="0"/>
                 <a:cs typeface="Times New Roman" panose="02020603050405020304" pitchFamily="18" charset="0"/>
               </a:rPr>
-              <a:t>NON – FUNCTIONAL REQUIREMENTS</a:t>
+              <a:t>TOOLS AND TECHNOLOGIES</a:t>
             </a:r>
             <a:endParaRPr lang="en-IN" b="1" dirty="0">
               <a:latin typeface="Times New Roman" panose="02020603050405020304" pitchFamily="18" charset="0"/>
@@ -8371,51 +8387,180 @@
         </p:nvSpPr>
         <p:spPr>
           <a:xfrm>
-            <a:off x="2589210" y="2272937"/>
-            <a:ext cx="8915400" cy="1889761"/>
+            <a:off x="1882434" y="1384664"/>
+            <a:ext cx="8915400" cy="5007427"/>
           </a:xfrm>
         </p:spPr>
         <p:txBody>
-          <a:bodyPr/>
+          <a:bodyPr>
+            <a:normAutofit/>
+          </a:bodyPr>
           <a:lstStyle/>
           <a:p>
-            <a:r>
-              <a:rPr lang="en-IN" dirty="0" smtClean="0">
+            <a:pPr lvl="0"/>
+            <a:r>
+              <a:rPr lang="en-US" sz="2000" b="1" dirty="0">
                 <a:latin typeface="Times New Roman" panose="02020603050405020304" pitchFamily="18" charset="0"/>
+                <a:ea typeface="Verdana" panose="020B0604030504040204" pitchFamily="34" charset="0"/>
                 <a:cs typeface="Times New Roman" panose="02020603050405020304" pitchFamily="18" charset="0"/>
               </a:rPr>
-              <a:t>Availability</a:t>
-            </a:r>
-          </a:p>
-          <a:p>
-            <a:r>
-              <a:rPr lang="en-IN" dirty="0" smtClean="0">
+              <a:t>Frontend</a:t>
+            </a:r>
+            <a:r>
+              <a:rPr lang="en-US" b="1" dirty="0">
                 <a:latin typeface="Times New Roman" panose="02020603050405020304" pitchFamily="18" charset="0"/>
+                <a:ea typeface="Verdana" panose="020B0604030504040204" pitchFamily="34" charset="0"/>
                 <a:cs typeface="Times New Roman" panose="02020603050405020304" pitchFamily="18" charset="0"/>
               </a:rPr>
-              <a:t>Maintainability</a:t>
-            </a:r>
-          </a:p>
-          <a:p>
-            <a:r>
-              <a:rPr lang="en-IN" dirty="0" smtClean="0">
+              <a:t> </a:t>
+            </a:r>
+          </a:p>
+          <a:p>
+            <a:pPr lvl="1"/>
+            <a:r>
+              <a:rPr lang="en-US" sz="1800" dirty="0">
                 <a:latin typeface="Times New Roman" panose="02020603050405020304" pitchFamily="18" charset="0"/>
+                <a:ea typeface="Verdana" panose="020B0604030504040204" pitchFamily="34" charset="0"/>
                 <a:cs typeface="Times New Roman" panose="02020603050405020304" pitchFamily="18" charset="0"/>
               </a:rPr>
-              <a:t>Performance</a:t>
-            </a:r>
-          </a:p>
-          <a:p>
-            <a:r>
-              <a:rPr lang="en-IN" dirty="0" smtClean="0">
+              <a:t>HTML5</a:t>
+            </a:r>
+          </a:p>
+          <a:p>
+            <a:pPr lvl="1"/>
+            <a:r>
+              <a:rPr lang="en-US" sz="1800" dirty="0">
                 <a:latin typeface="Times New Roman" panose="02020603050405020304" pitchFamily="18" charset="0"/>
+                <a:ea typeface="Verdana" panose="020B0604030504040204" pitchFamily="34" charset="0"/>
                 <a:cs typeface="Times New Roman" panose="02020603050405020304" pitchFamily="18" charset="0"/>
               </a:rPr>
-              <a:t>Simplicity</a:t>
-            </a:r>
-          </a:p>
-          <a:p>
-            <a:endParaRPr lang="en-IN" dirty="0">
+              <a:t>CSS3</a:t>
+            </a:r>
+          </a:p>
+          <a:p>
+            <a:pPr lvl="1"/>
+            <a:r>
+              <a:rPr lang="en-US" sz="1800" dirty="0">
+                <a:latin typeface="Times New Roman" panose="02020603050405020304" pitchFamily="18" charset="0"/>
+                <a:ea typeface="Verdana" panose="020B0604030504040204" pitchFamily="34" charset="0"/>
+                <a:cs typeface="Times New Roman" panose="02020603050405020304" pitchFamily="18" charset="0"/>
+              </a:rPr>
+              <a:t>Bootstrap  </a:t>
+            </a:r>
+            <a:r>
+              <a:rPr lang="en-IN" sz="1800" b="1" dirty="0">
+                <a:latin typeface="Times New Roman" panose="02020603050405020304" pitchFamily="18" charset="0"/>
+                <a:ea typeface="Verdana" panose="020B0604030504040204" pitchFamily="34" charset="0"/>
+                <a:cs typeface="Times New Roman" panose="02020603050405020304" pitchFamily="18" charset="0"/>
+              </a:rPr>
+              <a:t>v4.2.1</a:t>
+            </a:r>
+          </a:p>
+          <a:p>
+            <a:pPr lvl="1"/>
+            <a:r>
+              <a:rPr lang="en-US" sz="1800" dirty="0">
+                <a:latin typeface="Times New Roman" panose="02020603050405020304" pitchFamily="18" charset="0"/>
+                <a:ea typeface="Verdana" panose="020B0604030504040204" pitchFamily="34" charset="0"/>
+                <a:cs typeface="Times New Roman" panose="02020603050405020304" pitchFamily="18" charset="0"/>
+              </a:rPr>
+              <a:t>React.js v16.x</a:t>
+            </a:r>
+          </a:p>
+          <a:p>
+            <a:pPr lvl="0"/>
+            <a:r>
+              <a:rPr lang="en-US" sz="2000" b="1" dirty="0">
+                <a:latin typeface="Times New Roman" panose="02020603050405020304" pitchFamily="18" charset="0"/>
+                <a:ea typeface="Verdana" panose="020B0604030504040204" pitchFamily="34" charset="0"/>
+                <a:cs typeface="Times New Roman" panose="02020603050405020304" pitchFamily="18" charset="0"/>
+              </a:rPr>
+              <a:t>Backend</a:t>
+            </a:r>
+          </a:p>
+          <a:p>
+            <a:pPr lvl="1"/>
+            <a:r>
+              <a:rPr lang="en-US" sz="1800" dirty="0">
+                <a:latin typeface="Times New Roman" panose="02020603050405020304" pitchFamily="18" charset="0"/>
+                <a:ea typeface="Verdana" panose="020B0604030504040204" pitchFamily="34" charset="0"/>
+                <a:cs typeface="Times New Roman" panose="02020603050405020304" pitchFamily="18" charset="0"/>
+              </a:rPr>
+              <a:t>Node.js 11.8.0</a:t>
+            </a:r>
+          </a:p>
+          <a:p>
+            <a:pPr lvl="0"/>
+            <a:r>
+              <a:rPr lang="en-US" sz="2000" b="1" dirty="0">
+                <a:latin typeface="Times New Roman" panose="02020603050405020304" pitchFamily="18" charset="0"/>
+                <a:ea typeface="Verdana" panose="020B0604030504040204" pitchFamily="34" charset="0"/>
+                <a:cs typeface="Times New Roman" panose="02020603050405020304" pitchFamily="18" charset="0"/>
+              </a:rPr>
+              <a:t>Database (NoSQL)</a:t>
+            </a:r>
+          </a:p>
+          <a:p>
+            <a:pPr lvl="1"/>
+            <a:r>
+              <a:rPr lang="en-US" sz="1800" dirty="0">
+                <a:latin typeface="Times New Roman" panose="02020603050405020304" pitchFamily="18" charset="0"/>
+                <a:ea typeface="Verdana" panose="020B0604030504040204" pitchFamily="34" charset="0"/>
+                <a:cs typeface="Times New Roman" panose="02020603050405020304" pitchFamily="18" charset="0"/>
+              </a:rPr>
+              <a:t>MongoDB  v4.0.1</a:t>
+            </a:r>
+          </a:p>
+          <a:p>
+            <a:r>
+              <a:rPr lang="en-US" sz="2000" b="1" dirty="0">
+                <a:latin typeface="Times New Roman" panose="02020603050405020304" pitchFamily="18" charset="0"/>
+                <a:ea typeface="Verdana" panose="020B0604030504040204" pitchFamily="34" charset="0"/>
+                <a:cs typeface="Times New Roman" panose="02020603050405020304" pitchFamily="18" charset="0"/>
+              </a:rPr>
+              <a:t>Cloud Deployment</a:t>
+            </a:r>
+          </a:p>
+          <a:p>
+            <a:pPr lvl="1"/>
+            <a:r>
+              <a:rPr lang="en-US" sz="1800" dirty="0" err="1">
+                <a:latin typeface="Times New Roman" panose="02020603050405020304" pitchFamily="18" charset="0"/>
+                <a:ea typeface="Verdana" panose="020B0604030504040204" pitchFamily="34" charset="0"/>
+                <a:cs typeface="Times New Roman" panose="02020603050405020304" pitchFamily="18" charset="0"/>
+              </a:rPr>
+              <a:t>Heroku</a:t>
+            </a:r>
+            <a:r>
+              <a:rPr lang="en-US" sz="1800" dirty="0">
+                <a:latin typeface="Times New Roman" panose="02020603050405020304" pitchFamily="18" charset="0"/>
+                <a:ea typeface="Verdana" panose="020B0604030504040204" pitchFamily="34" charset="0"/>
+                <a:cs typeface="Times New Roman" panose="02020603050405020304" pitchFamily="18" charset="0"/>
+              </a:rPr>
+              <a:t> Deployment</a:t>
+            </a:r>
+          </a:p>
+          <a:p>
+            <a:pPr lvl="1"/>
+            <a:r>
+              <a:rPr lang="en-US" sz="1800" dirty="0" err="1">
+                <a:latin typeface="Times New Roman" panose="02020603050405020304" pitchFamily="18" charset="0"/>
+                <a:ea typeface="Verdana" panose="020B0604030504040204" pitchFamily="34" charset="0"/>
+                <a:cs typeface="Times New Roman" panose="02020603050405020304" pitchFamily="18" charset="0"/>
+              </a:rPr>
+              <a:t>mLab</a:t>
+            </a:r>
+            <a:r>
+              <a:rPr lang="en-US" sz="1800" dirty="0">
+                <a:latin typeface="Times New Roman" panose="02020603050405020304" pitchFamily="18" charset="0"/>
+                <a:ea typeface="Verdana" panose="020B0604030504040204" pitchFamily="34" charset="0"/>
+                <a:cs typeface="Times New Roman" panose="02020603050405020304" pitchFamily="18" charset="0"/>
+              </a:rPr>
+              <a:t> MongoDB Deployment </a:t>
+            </a:r>
+          </a:p>
+          <a:p>
+            <a:endParaRPr lang="en-IN" sz="2000" b="1" dirty="0" smtClean="0">
               <a:latin typeface="Times New Roman" panose="02020603050405020304" pitchFamily="18" charset="0"/>
               <a:cs typeface="Times New Roman" panose="02020603050405020304" pitchFamily="18" charset="0"/>
             </a:endParaRPr>
@@ -8425,7 +8570,7 @@
     </p:spTree>
     <p:extLst>
       <p:ext uri="{BB962C8B-B14F-4D97-AF65-F5344CB8AC3E}">
-        <p14:creationId xmlns:p14="http://schemas.microsoft.com/office/powerpoint/2010/main" val="129223238"/>
+        <p14:creationId xmlns:p14="http://schemas.microsoft.com/office/powerpoint/2010/main" val="912491330"/>
       </p:ext>
     </p:extLst>
   </p:cSld>
@@ -8454,51 +8599,165 @@
       </p:grpSpPr>
       <p:sp>
         <p:nvSpPr>
-          <p:cNvPr id="4" name="Rectangle 3"/>
-          <p:cNvSpPr/>
-          <p:nvPr/>
+          <p:cNvPr id="2" name="Title 1"/>
+          <p:cNvSpPr>
+            <a:spLocks noGrp="1"/>
+          </p:cNvSpPr>
+          <p:nvPr>
+            <p:ph type="title"/>
+          </p:nvPr>
         </p:nvSpPr>
         <p:spPr>
-          <a:xfrm rot="20617724">
-            <a:off x="3937558" y="2967335"/>
-            <a:ext cx="4316887" cy="923330"/>
+          <a:xfrm>
+            <a:off x="2769326" y="328018"/>
+            <a:ext cx="7350623" cy="708302"/>
           </a:xfrm>
-          <a:prstGeom prst="rect">
-            <a:avLst/>
-          </a:prstGeom>
-          <a:noFill/>
         </p:spPr>
         <p:txBody>
-          <a:bodyPr wrap="none" lIns="91440" tIns="45720" rIns="91440" bIns="45720">
-            <a:spAutoFit/>
+          <a:bodyPr/>
+          <a:lstStyle/>
+          <a:p>
+            <a:pPr algn="ctr"/>
+            <a:r>
+              <a:rPr lang="en-IN" b="1" dirty="0" smtClean="0">
+                <a:latin typeface="Times New Roman" panose="02020603050405020304" pitchFamily="18" charset="0"/>
+                <a:cs typeface="Times New Roman" panose="02020603050405020304" pitchFamily="18" charset="0"/>
+              </a:rPr>
+              <a:t>FUNCTIONAL </a:t>
+            </a:r>
+            <a:r>
+              <a:rPr lang="en-IN" b="1" dirty="0">
+                <a:latin typeface="Times New Roman" panose="02020603050405020304" pitchFamily="18" charset="0"/>
+                <a:cs typeface="Times New Roman" panose="02020603050405020304" pitchFamily="18" charset="0"/>
+              </a:rPr>
+              <a:t>REQUIREMENTS</a:t>
+            </a:r>
+            <a:endParaRPr lang="en-IN" dirty="0"/>
+          </a:p>
+        </p:txBody>
+      </p:sp>
+      <p:sp>
+        <p:nvSpPr>
+          <p:cNvPr id="3" name="Content Placeholder 2"/>
+          <p:cNvSpPr>
+            <a:spLocks noGrp="1"/>
+          </p:cNvSpPr>
+          <p:nvPr>
+            <p:ph idx="1"/>
+          </p:nvPr>
+        </p:nvSpPr>
+        <p:spPr>
+          <a:xfrm>
+            <a:off x="1986937" y="1898470"/>
+            <a:ext cx="8915400" cy="3544388"/>
+          </a:xfrm>
+        </p:spPr>
+        <p:txBody>
+          <a:bodyPr>
+            <a:normAutofit/>
           </a:bodyPr>
           <a:lstStyle/>
           <a:p>
-            <a:pPr algn="ctr"/>
-            <a:r>
-              <a:rPr lang="en-US" sz="5400" dirty="0" smtClean="0">
-                <a:ln w="0"/>
-                <a:solidFill>
-                  <a:srgbClr val="C00000"/>
-                </a:solidFill>
-                <a:effectLst>
-                  <a:reflection blurRad="6350" stA="53000" endA="300" endPos="35500" dir="5400000" sy="-90000" algn="bl" rotWithShape="0"/>
-                </a:effectLst>
-                <a:latin typeface="Verdana" panose="020B0604030504040204" pitchFamily="34" charset="0"/>
-                <a:ea typeface="Verdana" panose="020B0604030504040204" pitchFamily="34" charset="0"/>
+            <a:r>
+              <a:rPr lang="en-IN" sz="2800" b="1" dirty="0" smtClean="0">
+                <a:latin typeface="Times New Roman" panose="02020603050405020304" pitchFamily="18" charset="0"/>
+                <a:cs typeface="Times New Roman" panose="02020603050405020304" pitchFamily="18" charset="0"/>
               </a:rPr>
-              <a:t>THANK YOU</a:t>
-            </a:r>
-            <a:endParaRPr lang="en-US" sz="5400" b="0" cap="none" spc="0" dirty="0">
-              <a:ln w="0"/>
-              <a:solidFill>
-                <a:srgbClr val="C00000"/>
-              </a:solidFill>
-              <a:effectLst>
-                <a:reflection blurRad="6350" stA="53000" endA="300" endPos="35500" dir="5400000" sy="-90000" algn="bl" rotWithShape="0"/>
-              </a:effectLst>
-              <a:latin typeface="Verdana" panose="020B0604030504040204" pitchFamily="34" charset="0"/>
-              <a:ea typeface="Verdana" panose="020B0604030504040204" pitchFamily="34" charset="0"/>
+              <a:t>Large feedback-collection app </a:t>
+            </a:r>
+            <a:r>
+              <a:rPr lang="en-IN" sz="2800" dirty="0" smtClean="0">
+                <a:latin typeface="Times New Roman" panose="02020603050405020304" pitchFamily="18" charset="0"/>
+                <a:cs typeface="Times New Roman" panose="02020603050405020304" pitchFamily="18" charset="0"/>
+              </a:rPr>
+              <a:t>with the ability to send </a:t>
+            </a:r>
+            <a:r>
+              <a:rPr lang="en-IN" sz="2800" b="1" dirty="0" smtClean="0">
+                <a:latin typeface="Times New Roman" panose="02020603050405020304" pitchFamily="18" charset="0"/>
+                <a:cs typeface="Times New Roman" panose="02020603050405020304" pitchFamily="18" charset="0"/>
+              </a:rPr>
+              <a:t>bulk emails</a:t>
+            </a:r>
+            <a:r>
+              <a:rPr lang="en-IN" sz="2800" dirty="0" smtClean="0">
+                <a:latin typeface="Times New Roman" panose="02020603050405020304" pitchFamily="18" charset="0"/>
+                <a:cs typeface="Times New Roman" panose="02020603050405020304" pitchFamily="18" charset="0"/>
+              </a:rPr>
+              <a:t>.</a:t>
+            </a:r>
+          </a:p>
+          <a:p>
+            <a:r>
+              <a:rPr lang="en-IN" sz="2800" dirty="0" smtClean="0">
+                <a:latin typeface="Times New Roman" panose="02020603050405020304" pitchFamily="18" charset="0"/>
+                <a:cs typeface="Times New Roman" panose="02020603050405020304" pitchFamily="18" charset="0"/>
+              </a:rPr>
+              <a:t>Handle credit cards and receive payments from the users with </a:t>
+            </a:r>
+            <a:r>
+              <a:rPr lang="en-IN" sz="2800" b="1" dirty="0" smtClean="0">
+                <a:latin typeface="Times New Roman" panose="02020603050405020304" pitchFamily="18" charset="0"/>
+                <a:cs typeface="Times New Roman" panose="02020603050405020304" pitchFamily="18" charset="0"/>
+              </a:rPr>
+              <a:t>Stripe</a:t>
+            </a:r>
+            <a:r>
+              <a:rPr lang="en-IN" sz="2800" dirty="0" smtClean="0">
+                <a:latin typeface="Times New Roman" panose="02020603050405020304" pitchFamily="18" charset="0"/>
+                <a:cs typeface="Times New Roman" panose="02020603050405020304" pitchFamily="18" charset="0"/>
+              </a:rPr>
+              <a:t>.</a:t>
+            </a:r>
+          </a:p>
+          <a:p>
+            <a:r>
+              <a:rPr lang="en-IN" sz="2800" dirty="0" smtClean="0">
+                <a:latin typeface="Times New Roman" panose="02020603050405020304" pitchFamily="18" charset="0"/>
+                <a:cs typeface="Times New Roman" panose="02020603050405020304" pitchFamily="18" charset="0"/>
+              </a:rPr>
+              <a:t>Engage users with automated </a:t>
+            </a:r>
+            <a:r>
+              <a:rPr lang="en-IN" sz="2800" b="1" dirty="0" smtClean="0">
+                <a:latin typeface="Times New Roman" panose="02020603050405020304" pitchFamily="18" charset="0"/>
+                <a:cs typeface="Times New Roman" panose="02020603050405020304" pitchFamily="18" charset="0"/>
+              </a:rPr>
+              <a:t>emails</a:t>
+            </a:r>
+            <a:r>
+              <a:rPr lang="en-IN" sz="2800" dirty="0" smtClean="0">
+                <a:latin typeface="Times New Roman" panose="02020603050405020304" pitchFamily="18" charset="0"/>
+                <a:cs typeface="Times New Roman" panose="02020603050405020304" pitchFamily="18" charset="0"/>
+              </a:rPr>
+              <a:t>.</a:t>
+            </a:r>
+          </a:p>
+          <a:p>
+            <a:r>
+              <a:rPr lang="en-IN" sz="2800" dirty="0" smtClean="0">
+                <a:latin typeface="Times New Roman" panose="02020603050405020304" pitchFamily="18" charset="0"/>
+                <a:cs typeface="Times New Roman" panose="02020603050405020304" pitchFamily="18" charset="0"/>
+              </a:rPr>
+              <a:t>Enhance authentication flows in our app with </a:t>
+            </a:r>
+            <a:r>
+              <a:rPr lang="en-IN" sz="2800" b="1" dirty="0" smtClean="0">
+                <a:latin typeface="Times New Roman" panose="02020603050405020304" pitchFamily="18" charset="0"/>
+                <a:cs typeface="Times New Roman" panose="02020603050405020304" pitchFamily="18" charset="0"/>
+              </a:rPr>
+              <a:t>Google OAuth authentication</a:t>
+            </a:r>
+            <a:r>
+              <a:rPr lang="en-IN" sz="2800" dirty="0" smtClean="0">
+                <a:latin typeface="Times New Roman" panose="02020603050405020304" pitchFamily="18" charset="0"/>
+                <a:cs typeface="Times New Roman" panose="02020603050405020304" pitchFamily="18" charset="0"/>
+              </a:rPr>
+              <a:t>. </a:t>
+            </a:r>
+            <a:endParaRPr lang="en-IN" sz="2800" dirty="0">
+              <a:latin typeface="Times New Roman" panose="02020603050405020304" pitchFamily="18" charset="0"/>
+              <a:cs typeface="Times New Roman" panose="02020603050405020304" pitchFamily="18" charset="0"/>
             </a:endParaRPr>
           </a:p>
         </p:txBody>
@@ -8506,7 +8765,587 @@
     </p:spTree>
     <p:extLst>
       <p:ext uri="{BB962C8B-B14F-4D97-AF65-F5344CB8AC3E}">
-        <p14:creationId xmlns:p14="http://schemas.microsoft.com/office/powerpoint/2010/main" val="708829462"/>
+        <p14:creationId xmlns:p14="http://schemas.microsoft.com/office/powerpoint/2010/main" val="2330775043"/>
+      </p:ext>
+    </p:extLst>
+  </p:cSld>
+  <p:clrMapOvr>
+    <a:masterClrMapping/>
+  </p:clrMapOvr>
+</p:sld>
+</file>
+
+<file path=ppt/slides/slide7.xml><?xml version="1.0" encoding="utf-8"?>
+<p:sld xmlns:a="http://schemas.openxmlformats.org/drawingml/2006/main" xmlns:r="http://schemas.openxmlformats.org/officeDocument/2006/relationships" xmlns:p="http://schemas.openxmlformats.org/presentationml/2006/main">
+  <p:cSld>
+    <p:spTree>
+      <p:nvGrpSpPr>
+        <p:cNvPr id="1" name=""/>
+        <p:cNvGrpSpPr/>
+        <p:nvPr/>
+      </p:nvGrpSpPr>
+      <p:grpSpPr>
+        <a:xfrm>
+          <a:off x="0" y="0"/>
+          <a:ext cx="0" cy="0"/>
+          <a:chOff x="0" y="0"/>
+          <a:chExt cx="0" cy="0"/>
+        </a:xfrm>
+      </p:grpSpPr>
+      <p:sp>
+        <p:nvSpPr>
+          <p:cNvPr id="2" name="Title 1"/>
+          <p:cNvSpPr>
+            <a:spLocks noGrp="1"/>
+          </p:cNvSpPr>
+          <p:nvPr>
+            <p:ph type="title"/>
+          </p:nvPr>
+        </p:nvSpPr>
+        <p:spPr>
+          <a:xfrm>
+            <a:off x="2299623" y="354143"/>
+            <a:ext cx="8641131" cy="804096"/>
+          </a:xfrm>
+        </p:spPr>
+        <p:txBody>
+          <a:bodyPr/>
+          <a:lstStyle/>
+          <a:p>
+            <a:r>
+              <a:rPr lang="en-IN" b="1" dirty="0" smtClean="0">
+                <a:latin typeface="Times New Roman" panose="02020603050405020304" pitchFamily="18" charset="0"/>
+                <a:cs typeface="Times New Roman" panose="02020603050405020304" pitchFamily="18" charset="0"/>
+              </a:rPr>
+              <a:t>NON – FUNCTIONAL REQUIREMENTS</a:t>
+            </a:r>
+            <a:endParaRPr lang="en-IN" b="1" dirty="0">
+              <a:latin typeface="Times New Roman" panose="02020603050405020304" pitchFamily="18" charset="0"/>
+              <a:cs typeface="Times New Roman" panose="02020603050405020304" pitchFamily="18" charset="0"/>
+            </a:endParaRPr>
+          </a:p>
+        </p:txBody>
+      </p:sp>
+      <p:sp>
+        <p:nvSpPr>
+          <p:cNvPr id="3" name="Content Placeholder 2"/>
+          <p:cNvSpPr>
+            <a:spLocks noGrp="1"/>
+          </p:cNvSpPr>
+          <p:nvPr>
+            <p:ph idx="1"/>
+          </p:nvPr>
+        </p:nvSpPr>
+        <p:spPr>
+          <a:xfrm>
+            <a:off x="2415038" y="1907177"/>
+            <a:ext cx="8915400" cy="2307772"/>
+          </a:xfrm>
+        </p:spPr>
+        <p:txBody>
+          <a:bodyPr>
+            <a:noAutofit/>
+          </a:bodyPr>
+          <a:lstStyle/>
+          <a:p>
+            <a:r>
+              <a:rPr lang="en-IN" sz="2800" dirty="0" smtClean="0">
+                <a:latin typeface="Times New Roman" panose="02020603050405020304" pitchFamily="18" charset="0"/>
+                <a:cs typeface="Times New Roman" panose="02020603050405020304" pitchFamily="18" charset="0"/>
+              </a:rPr>
+              <a:t>Availability</a:t>
+            </a:r>
+          </a:p>
+          <a:p>
+            <a:r>
+              <a:rPr lang="en-IN" sz="2800" dirty="0" smtClean="0">
+                <a:latin typeface="Times New Roman" panose="02020603050405020304" pitchFamily="18" charset="0"/>
+                <a:cs typeface="Times New Roman" panose="02020603050405020304" pitchFamily="18" charset="0"/>
+              </a:rPr>
+              <a:t>Maintainability</a:t>
+            </a:r>
+          </a:p>
+          <a:p>
+            <a:r>
+              <a:rPr lang="en-IN" sz="2800" dirty="0" smtClean="0">
+                <a:latin typeface="Times New Roman" panose="02020603050405020304" pitchFamily="18" charset="0"/>
+                <a:cs typeface="Times New Roman" panose="02020603050405020304" pitchFamily="18" charset="0"/>
+              </a:rPr>
+              <a:t>Performance</a:t>
+            </a:r>
+          </a:p>
+          <a:p>
+            <a:r>
+              <a:rPr lang="en-IN" sz="2800" dirty="0" smtClean="0">
+                <a:latin typeface="Times New Roman" panose="02020603050405020304" pitchFamily="18" charset="0"/>
+                <a:cs typeface="Times New Roman" panose="02020603050405020304" pitchFamily="18" charset="0"/>
+              </a:rPr>
+              <a:t>Simplicity</a:t>
+            </a:r>
+          </a:p>
+          <a:p>
+            <a:endParaRPr lang="en-IN" sz="2800" dirty="0">
+              <a:latin typeface="Times New Roman" panose="02020603050405020304" pitchFamily="18" charset="0"/>
+              <a:cs typeface="Times New Roman" panose="02020603050405020304" pitchFamily="18" charset="0"/>
+            </a:endParaRPr>
+          </a:p>
+        </p:txBody>
+      </p:sp>
+    </p:spTree>
+    <p:extLst>
+      <p:ext uri="{BB962C8B-B14F-4D97-AF65-F5344CB8AC3E}">
+        <p14:creationId xmlns:p14="http://schemas.microsoft.com/office/powerpoint/2010/main" val="129223238"/>
+      </p:ext>
+    </p:extLst>
+  </p:cSld>
+  <p:clrMapOvr>
+    <a:masterClrMapping/>
+  </p:clrMapOvr>
+</p:sld>
+</file>
+
+<file path=ppt/slides/slide8.xml><?xml version="1.0" encoding="utf-8"?>
+<p:sld xmlns:a="http://schemas.openxmlformats.org/drawingml/2006/main" xmlns:r="http://schemas.openxmlformats.org/officeDocument/2006/relationships" xmlns:p="http://schemas.openxmlformats.org/presentationml/2006/main">
+  <p:cSld>
+    <p:spTree>
+      <p:nvGrpSpPr>
+        <p:cNvPr id="1" name=""/>
+        <p:cNvGrpSpPr/>
+        <p:nvPr/>
+      </p:nvGrpSpPr>
+      <p:grpSpPr>
+        <a:xfrm>
+          <a:off x="0" y="0"/>
+          <a:ext cx="0" cy="0"/>
+          <a:chOff x="0" y="0"/>
+          <a:chExt cx="0" cy="0"/>
+        </a:xfrm>
+      </p:grpSpPr>
+      <p:sp>
+        <p:nvSpPr>
+          <p:cNvPr id="2" name="Title 1"/>
+          <p:cNvSpPr>
+            <a:spLocks noGrp="1"/>
+          </p:cNvSpPr>
+          <p:nvPr>
+            <p:ph type="title"/>
+          </p:nvPr>
+        </p:nvSpPr>
+        <p:spPr>
+          <a:xfrm>
+            <a:off x="5104605" y="267058"/>
+            <a:ext cx="2264818" cy="708301"/>
+          </a:xfrm>
+        </p:spPr>
+        <p:txBody>
+          <a:bodyPr>
+            <a:normAutofit/>
+          </a:bodyPr>
+          <a:lstStyle/>
+          <a:p>
+            <a:pPr algn="ctr"/>
+            <a:r>
+              <a:rPr lang="en-IN" b="1" dirty="0" smtClean="0">
+                <a:latin typeface="Times New Roman" panose="02020603050405020304" pitchFamily="18" charset="0"/>
+                <a:cs typeface="Times New Roman" panose="02020603050405020304" pitchFamily="18" charset="0"/>
+              </a:rPr>
+              <a:t>USERS</a:t>
+            </a:r>
+            <a:endParaRPr lang="en-IN" b="1" dirty="0">
+              <a:latin typeface="Times New Roman" panose="02020603050405020304" pitchFamily="18" charset="0"/>
+              <a:cs typeface="Times New Roman" panose="02020603050405020304" pitchFamily="18" charset="0"/>
+            </a:endParaRPr>
+          </a:p>
+        </p:txBody>
+      </p:sp>
+      <p:sp>
+        <p:nvSpPr>
+          <p:cNvPr id="3" name="Content Placeholder 2"/>
+          <p:cNvSpPr>
+            <a:spLocks noGrp="1"/>
+          </p:cNvSpPr>
+          <p:nvPr>
+            <p:ph idx="1"/>
+          </p:nvPr>
+        </p:nvSpPr>
+        <p:spPr>
+          <a:xfrm>
+            <a:off x="1779314" y="2473234"/>
+            <a:ext cx="8915400" cy="1314994"/>
+          </a:xfrm>
+        </p:spPr>
+        <p:txBody>
+          <a:bodyPr>
+            <a:normAutofit/>
+          </a:bodyPr>
+          <a:lstStyle/>
+          <a:p>
+            <a:r>
+              <a:rPr lang="en-IN" sz="2800" dirty="0" smtClean="0">
+                <a:latin typeface="Times New Roman" panose="02020603050405020304" pitchFamily="18" charset="0"/>
+                <a:cs typeface="Times New Roman" panose="02020603050405020304" pitchFamily="18" charset="0"/>
+              </a:rPr>
+              <a:t>Customer relationship managers</a:t>
+            </a:r>
+          </a:p>
+          <a:p>
+            <a:r>
+              <a:rPr lang="en-IN" sz="2800" dirty="0" smtClean="0">
+                <a:latin typeface="Times New Roman" panose="02020603050405020304" pitchFamily="18" charset="0"/>
+                <a:cs typeface="Times New Roman" panose="02020603050405020304" pitchFamily="18" charset="0"/>
+              </a:rPr>
+              <a:t>Customers who buys products from different companies.</a:t>
+            </a:r>
+            <a:endParaRPr lang="en-IN" sz="2800" dirty="0">
+              <a:latin typeface="Times New Roman" panose="02020603050405020304" pitchFamily="18" charset="0"/>
+              <a:cs typeface="Times New Roman" panose="02020603050405020304" pitchFamily="18" charset="0"/>
+            </a:endParaRPr>
+          </a:p>
+        </p:txBody>
+      </p:sp>
+    </p:spTree>
+    <p:extLst>
+      <p:ext uri="{BB962C8B-B14F-4D97-AF65-F5344CB8AC3E}">
+        <p14:creationId xmlns:p14="http://schemas.microsoft.com/office/powerpoint/2010/main" val="3401210128"/>
+      </p:ext>
+    </p:extLst>
+  </p:cSld>
+  <p:clrMapOvr>
+    <a:masterClrMapping/>
+  </p:clrMapOvr>
+</p:sld>
+</file>
+
+<file path=ppt/slides/slide9.xml><?xml version="1.0" encoding="utf-8"?>
+<p:sld xmlns:a="http://schemas.openxmlformats.org/drawingml/2006/main" xmlns:r="http://schemas.openxmlformats.org/officeDocument/2006/relationships" xmlns:p="http://schemas.openxmlformats.org/presentationml/2006/main">
+  <p:cSld>
+    <p:spTree>
+      <p:nvGrpSpPr>
+        <p:cNvPr id="1" name=""/>
+        <p:cNvGrpSpPr/>
+        <p:nvPr/>
+      </p:nvGrpSpPr>
+      <p:grpSpPr>
+        <a:xfrm>
+          <a:off x="0" y="0"/>
+          <a:ext cx="0" cy="0"/>
+          <a:chOff x="0" y="0"/>
+          <a:chExt cx="0" cy="0"/>
+        </a:xfrm>
+      </p:grpSpPr>
+      <p:sp>
+        <p:nvSpPr>
+          <p:cNvPr id="2" name="Title 1"/>
+          <p:cNvSpPr>
+            <a:spLocks noGrp="1"/>
+          </p:cNvSpPr>
+          <p:nvPr>
+            <p:ph type="title"/>
+          </p:nvPr>
+        </p:nvSpPr>
+        <p:spPr>
+          <a:xfrm>
+            <a:off x="4712720" y="293183"/>
+            <a:ext cx="2891835" cy="777970"/>
+          </a:xfrm>
+        </p:spPr>
+        <p:txBody>
+          <a:bodyPr/>
+          <a:lstStyle/>
+          <a:p>
+            <a:pPr algn="ctr"/>
+            <a:r>
+              <a:rPr lang="en-IN" b="1" dirty="0" smtClean="0">
+                <a:latin typeface="Times New Roman" panose="02020603050405020304" pitchFamily="18" charset="0"/>
+                <a:cs typeface="Times New Roman" panose="02020603050405020304" pitchFamily="18" charset="0"/>
+              </a:rPr>
+              <a:t>MODULES</a:t>
+            </a:r>
+            <a:endParaRPr lang="en-IN" b="1" dirty="0">
+              <a:latin typeface="Times New Roman" panose="02020603050405020304" pitchFamily="18" charset="0"/>
+              <a:cs typeface="Times New Roman" panose="02020603050405020304" pitchFamily="18" charset="0"/>
+            </a:endParaRPr>
+          </a:p>
+        </p:txBody>
+      </p:sp>
+      <p:grpSp>
+        <p:nvGrpSpPr>
+          <p:cNvPr id="9" name="Group 8"/>
+          <p:cNvGrpSpPr/>
+          <p:nvPr/>
+        </p:nvGrpSpPr>
+        <p:grpSpPr>
+          <a:xfrm>
+            <a:off x="2744877" y="2061831"/>
+            <a:ext cx="6827520" cy="1476000"/>
+            <a:chOff x="1276385" y="376069"/>
+            <a:chExt cx="6827520" cy="1476000"/>
+          </a:xfrm>
+        </p:grpSpPr>
+        <p:sp>
+          <p:nvSpPr>
+            <p:cNvPr id="10" name="Rounded Rectangle 9"/>
+            <p:cNvSpPr/>
+            <p:nvPr/>
+          </p:nvSpPr>
+          <p:spPr>
+            <a:xfrm>
+              <a:off x="1276385" y="376069"/>
+              <a:ext cx="6827520" cy="1476000"/>
+            </a:xfrm>
+            <a:prstGeom prst="roundRect">
+              <a:avLst/>
+            </a:prstGeom>
+            <a:solidFill>
+              <a:srgbClr val="ED7D31">
+                <a:hueOff val="0"/>
+                <a:satOff val="0"/>
+                <a:lumOff val="0"/>
+                <a:alphaOff val="0"/>
+              </a:srgbClr>
+            </a:solidFill>
+            <a:ln w="10795" cap="flat" cmpd="sng" algn="ctr">
+              <a:solidFill>
+                <a:sysClr val="window" lastClr="FFFFFF">
+                  <a:hueOff val="0"/>
+                  <a:satOff val="0"/>
+                  <a:lumOff val="0"/>
+                  <a:alphaOff val="0"/>
+                </a:sysClr>
+              </a:solidFill>
+              <a:prstDash val="solid"/>
+            </a:ln>
+            <a:effectLst/>
+          </p:spPr>
+        </p:sp>
+        <p:sp>
+          <p:nvSpPr>
+            <p:cNvPr id="11" name="Rounded Rectangle 4"/>
+            <p:cNvSpPr txBox="1"/>
+            <p:nvPr/>
+          </p:nvSpPr>
+          <p:spPr>
+            <a:xfrm>
+              <a:off x="1348437" y="448121"/>
+              <a:ext cx="6683416" cy="1331896"/>
+            </a:xfrm>
+            <a:prstGeom prst="rect">
+              <a:avLst/>
+            </a:prstGeom>
+            <a:noFill/>
+            <a:ln>
+              <a:noFill/>
+            </a:ln>
+            <a:effectLst/>
+          </p:spPr>
+          <p:txBody>
+            <a:bodyPr spcFirstLastPara="0" vert="horz" wrap="square" lIns="258064" tIns="0" rIns="258064" bIns="0" numCol="1" spcCol="1270" anchor="ctr" anchorCtr="0">
+              <a:noAutofit/>
+            </a:bodyPr>
+            <a:lstStyle/>
+            <a:p>
+              <a:pPr marL="0" marR="0" lvl="0" indent="0" algn="ctr" defTabSz="1511300" eaLnBrk="1" fontAlgn="auto" latinLnBrk="0" hangingPunct="1">
+                <a:lnSpc>
+                  <a:spcPct val="90000"/>
+                </a:lnSpc>
+                <a:spcBef>
+                  <a:spcPct val="0"/>
+                </a:spcBef>
+                <a:spcAft>
+                  <a:spcPct val="35000"/>
+                </a:spcAft>
+                <a:buClrTx/>
+                <a:buSzTx/>
+                <a:buFontTx/>
+                <a:buNone/>
+                <a:tabLst/>
+                <a:defRPr/>
+              </a:pPr>
+              <a:r>
+                <a:rPr lang="en-US" sz="3400" dirty="0" smtClean="0">
+                  <a:solidFill>
+                    <a:sysClr val="window" lastClr="FFFFFF"/>
+                  </a:solidFill>
+                  <a:latin typeface="Calibri" panose="020F0502020204030204"/>
+                </a:rPr>
+                <a:t>USER</a:t>
+              </a:r>
+              <a:r>
+                <a:rPr kumimoji="0" lang="en-US" sz="3400" b="0" i="0" u="none" strike="noStrike" kern="1200" cap="none" spc="0" normalizeH="0" baseline="0" noProof="0" dirty="0" smtClean="0">
+                  <a:ln>
+                    <a:noFill/>
+                  </a:ln>
+                  <a:solidFill>
+                    <a:sysClr val="window" lastClr="FFFFFF"/>
+                  </a:solidFill>
+                  <a:effectLst/>
+                  <a:uLnTx/>
+                  <a:uFillTx/>
+                  <a:latin typeface="Calibri" panose="020F0502020204030204"/>
+                  <a:ea typeface="+mn-ea"/>
+                  <a:cs typeface="+mn-cs"/>
+                </a:rPr>
+                <a:t> PANEL</a:t>
+              </a:r>
+              <a:endParaRPr kumimoji="0" lang="en-US" sz="3400" b="0" i="0" u="none" strike="noStrike" kern="1200" cap="none" spc="0" normalizeH="0" baseline="0" noProof="0" dirty="0">
+                <a:ln>
+                  <a:noFill/>
+                </a:ln>
+                <a:solidFill>
+                  <a:sysClr val="window" lastClr="FFFFFF"/>
+                </a:solidFill>
+                <a:effectLst/>
+                <a:uLnTx/>
+                <a:uFillTx/>
+                <a:latin typeface="Calibri" panose="020F0502020204030204"/>
+                <a:ea typeface="+mn-ea"/>
+                <a:cs typeface="+mn-cs"/>
+              </a:endParaRPr>
+            </a:p>
+          </p:txBody>
+        </p:sp>
+      </p:grpSp>
+      <p:grpSp>
+        <p:nvGrpSpPr>
+          <p:cNvPr id="15" name="Group 14"/>
+          <p:cNvGrpSpPr/>
+          <p:nvPr/>
+        </p:nvGrpSpPr>
+        <p:grpSpPr>
+          <a:xfrm>
+            <a:off x="2744877" y="4328211"/>
+            <a:ext cx="6827520" cy="1476000"/>
+            <a:chOff x="1348415" y="2680319"/>
+            <a:chExt cx="6827520" cy="1476000"/>
+          </a:xfrm>
+        </p:grpSpPr>
+        <p:sp>
+          <p:nvSpPr>
+            <p:cNvPr id="16" name="Rounded Rectangle 15"/>
+            <p:cNvSpPr/>
+            <p:nvPr/>
+          </p:nvSpPr>
+          <p:spPr>
+            <a:xfrm>
+              <a:off x="1348415" y="2680319"/>
+              <a:ext cx="6827520" cy="1476000"/>
+            </a:xfrm>
+            <a:prstGeom prst="roundRect">
+              <a:avLst/>
+            </a:prstGeom>
+            <a:solidFill>
+              <a:srgbClr val="ED7D31">
+                <a:hueOff val="-1455363"/>
+                <a:satOff val="-83928"/>
+                <a:lumOff val="8628"/>
+                <a:alphaOff val="0"/>
+              </a:srgbClr>
+            </a:solidFill>
+            <a:ln w="10795" cap="flat" cmpd="sng" algn="ctr">
+              <a:solidFill>
+                <a:sysClr val="window" lastClr="FFFFFF">
+                  <a:hueOff val="0"/>
+                  <a:satOff val="0"/>
+                  <a:lumOff val="0"/>
+                  <a:alphaOff val="0"/>
+                </a:sysClr>
+              </a:solidFill>
+              <a:prstDash val="solid"/>
+            </a:ln>
+            <a:effectLst/>
+          </p:spPr>
+        </p:sp>
+        <p:sp>
+          <p:nvSpPr>
+            <p:cNvPr id="17" name="Rounded Rectangle 4"/>
+            <p:cNvSpPr txBox="1"/>
+            <p:nvPr/>
+          </p:nvSpPr>
+          <p:spPr>
+            <a:xfrm>
+              <a:off x="1420467" y="2752371"/>
+              <a:ext cx="6683416" cy="1331896"/>
+            </a:xfrm>
+            <a:prstGeom prst="rect">
+              <a:avLst/>
+            </a:prstGeom>
+            <a:noFill/>
+            <a:ln>
+              <a:noFill/>
+            </a:ln>
+            <a:effectLst/>
+          </p:spPr>
+          <p:txBody>
+            <a:bodyPr spcFirstLastPara="0" vert="horz" wrap="square" lIns="258064" tIns="0" rIns="258064" bIns="0" numCol="1" spcCol="1270" anchor="ctr" anchorCtr="0">
+              <a:noAutofit/>
+            </a:bodyPr>
+            <a:lstStyle/>
+            <a:p>
+              <a:pPr marL="0" marR="0" lvl="0" indent="0" algn="ctr" defTabSz="1511300" eaLnBrk="1" fontAlgn="auto" latinLnBrk="0" hangingPunct="1">
+                <a:lnSpc>
+                  <a:spcPct val="90000"/>
+                </a:lnSpc>
+                <a:spcBef>
+                  <a:spcPct val="0"/>
+                </a:spcBef>
+                <a:spcAft>
+                  <a:spcPct val="35000"/>
+                </a:spcAft>
+                <a:buClrTx/>
+                <a:buSzTx/>
+                <a:buFontTx/>
+                <a:buNone/>
+                <a:tabLst/>
+                <a:defRPr/>
+              </a:pPr>
+              <a:r>
+                <a:rPr lang="en-US" sz="3400" dirty="0" smtClean="0">
+                  <a:solidFill>
+                    <a:sysClr val="window" lastClr="FFFFFF"/>
+                  </a:solidFill>
+                  <a:latin typeface="Calibri" panose="020F0502020204030204"/>
+                </a:rPr>
+                <a:t>CUSTOMER RELATIONSHIP MANAGER’S</a:t>
+              </a:r>
+              <a:r>
+                <a:rPr kumimoji="0" lang="en-US" sz="3400" b="0" i="0" u="none" strike="noStrike" kern="1200" cap="none" spc="0" normalizeH="0" baseline="0" noProof="0" dirty="0" smtClean="0">
+                  <a:ln>
+                    <a:noFill/>
+                  </a:ln>
+                  <a:solidFill>
+                    <a:sysClr val="window" lastClr="FFFFFF"/>
+                  </a:solidFill>
+                  <a:effectLst/>
+                  <a:uLnTx/>
+                  <a:uFillTx/>
+                  <a:latin typeface="Calibri" panose="020F0502020204030204"/>
+                  <a:ea typeface="+mn-ea"/>
+                  <a:cs typeface="+mn-cs"/>
+                </a:rPr>
+                <a:t> PANEL </a:t>
+              </a:r>
+              <a:endParaRPr kumimoji="0" lang="en-US" sz="3400" b="0" i="0" u="none" strike="noStrike" kern="1200" cap="none" spc="0" normalizeH="0" baseline="0" noProof="0" dirty="0">
+                <a:ln>
+                  <a:noFill/>
+                </a:ln>
+                <a:solidFill>
+                  <a:sysClr val="window" lastClr="FFFFFF"/>
+                </a:solidFill>
+                <a:effectLst/>
+                <a:uLnTx/>
+                <a:uFillTx/>
+                <a:latin typeface="Calibri" panose="020F0502020204030204"/>
+                <a:ea typeface="+mn-ea"/>
+                <a:cs typeface="+mn-cs"/>
+              </a:endParaRPr>
+            </a:p>
+          </p:txBody>
+        </p:sp>
+      </p:grpSp>
+    </p:spTree>
+    <p:extLst>
+      <p:ext uri="{BB962C8B-B14F-4D97-AF65-F5344CB8AC3E}">
+        <p14:creationId xmlns:p14="http://schemas.microsoft.com/office/powerpoint/2010/main" val="2216055911"/>
       </p:ext>
     </p:extLst>
   </p:cSld>

--- a/5thSem/Project/Bulk Email Aggregtor.pptx
+++ b/5thSem/Project/Bulk Email Aggregtor.pptx
@@ -310,7 +310,7 @@
             <a:fld id="{B61BEF0D-F0BB-DE4B-95CE-6DB70DBA9567}" type="datetimeFigureOut">
               <a:rPr lang="en-US" dirty="0"/>
               <a:pPr/>
-              <a:t>9/8/2019</a:t>
+              <a:t>9/10/2019</a:t>
             </a:fld>
             <a:endParaRPr lang="en-US" dirty="0"/>
           </a:p>
@@ -645,7 +645,7 @@
             <a:fld id="{B61BEF0D-F0BB-DE4B-95CE-6DB70DBA9567}" type="datetimeFigureOut">
               <a:rPr lang="en-US" dirty="0"/>
               <a:pPr/>
-              <a:t>9/8/2019</a:t>
+              <a:t>9/10/2019</a:t>
             </a:fld>
             <a:endParaRPr lang="en-US" dirty="0"/>
           </a:p>
@@ -1043,7 +1043,7 @@
             <a:fld id="{B61BEF0D-F0BB-DE4B-95CE-6DB70DBA9567}" type="datetimeFigureOut">
               <a:rPr lang="en-US" dirty="0"/>
               <a:pPr/>
-              <a:t>9/8/2019</a:t>
+              <a:t>9/10/2019</a:t>
             </a:fld>
             <a:endParaRPr lang="en-US" dirty="0"/>
           </a:p>
@@ -1376,7 +1376,7 @@
             <a:fld id="{B61BEF0D-F0BB-DE4B-95CE-6DB70DBA9567}" type="datetimeFigureOut">
               <a:rPr lang="en-US" dirty="0"/>
               <a:pPr/>
-              <a:t>9/8/2019</a:t>
+              <a:t>9/10/2019</a:t>
             </a:fld>
             <a:endParaRPr lang="en-US" dirty="0"/>
           </a:p>
@@ -1693,7 +1693,7 @@
             <a:fld id="{B61BEF0D-F0BB-DE4B-95CE-6DB70DBA9567}" type="datetimeFigureOut">
               <a:rPr lang="en-US" dirty="0"/>
               <a:pPr/>
-              <a:t>9/8/2019</a:t>
+              <a:t>9/10/2019</a:t>
             </a:fld>
             <a:endParaRPr lang="en-US" dirty="0"/>
           </a:p>
@@ -2086,7 +2086,7 @@
             <a:fld id="{B61BEF0D-F0BB-DE4B-95CE-6DB70DBA9567}" type="datetimeFigureOut">
               <a:rPr lang="en-US" dirty="0"/>
               <a:pPr/>
-              <a:t>9/8/2019</a:t>
+              <a:t>9/10/2019</a:t>
             </a:fld>
             <a:endParaRPr lang="en-US" dirty="0"/>
           </a:p>
@@ -2340,7 +2340,7 @@
             <a:fld id="{B61BEF0D-F0BB-DE4B-95CE-6DB70DBA9567}" type="datetimeFigureOut">
               <a:rPr lang="en-US" dirty="0"/>
               <a:pPr/>
-              <a:t>9/8/2019</a:t>
+              <a:t>9/10/2019</a:t>
             </a:fld>
             <a:endParaRPr lang="en-US" dirty="0"/>
           </a:p>
@@ -2599,7 +2599,7 @@
             <a:fld id="{B61BEF0D-F0BB-DE4B-95CE-6DB70DBA9567}" type="datetimeFigureOut">
               <a:rPr lang="en-US" dirty="0"/>
               <a:pPr/>
-              <a:t>9/8/2019</a:t>
+              <a:t>9/10/2019</a:t>
             </a:fld>
             <a:endParaRPr lang="en-US" dirty="0"/>
           </a:p>
@@ -2858,7 +2858,7 @@
             <a:fld id="{B61BEF0D-F0BB-DE4B-95CE-6DB70DBA9567}" type="datetimeFigureOut">
               <a:rPr lang="en-US" dirty="0"/>
               <a:pPr/>
-              <a:t>9/8/2019</a:t>
+              <a:t>9/10/2019</a:t>
             </a:fld>
             <a:endParaRPr lang="en-US" dirty="0"/>
           </a:p>
@@ -3184,7 +3184,7 @@
             <a:fld id="{B61BEF0D-F0BB-DE4B-95CE-6DB70DBA9567}" type="datetimeFigureOut">
               <a:rPr lang="en-US" dirty="0"/>
               <a:pPr/>
-              <a:t>9/8/2019</a:t>
+              <a:t>9/10/2019</a:t>
             </a:fld>
             <a:endParaRPr lang="en-US" dirty="0"/>
           </a:p>
@@ -3504,7 +3504,7 @@
             <a:fld id="{B61BEF0D-F0BB-DE4B-95CE-6DB70DBA9567}" type="datetimeFigureOut">
               <a:rPr lang="en-US" dirty="0"/>
               <a:pPr/>
-              <a:t>9/8/2019</a:t>
+              <a:t>9/10/2019</a:t>
             </a:fld>
             <a:endParaRPr lang="en-US" dirty="0"/>
           </a:p>
@@ -3958,7 +3958,7 @@
             <a:fld id="{B61BEF0D-F0BB-DE4B-95CE-6DB70DBA9567}" type="datetimeFigureOut">
               <a:rPr lang="en-US" dirty="0"/>
               <a:pPr/>
-              <a:t>9/8/2019</a:t>
+              <a:t>9/10/2019</a:t>
             </a:fld>
             <a:endParaRPr lang="en-US" dirty="0"/>
           </a:p>
@@ -4160,7 +4160,7 @@
             <a:fld id="{B61BEF0D-F0BB-DE4B-95CE-6DB70DBA9567}" type="datetimeFigureOut">
               <a:rPr lang="en-US" dirty="0"/>
               <a:pPr/>
-              <a:t>9/8/2019</a:t>
+              <a:t>9/10/2019</a:t>
             </a:fld>
             <a:endParaRPr lang="en-US" dirty="0"/>
           </a:p>
@@ -4334,7 +4334,7 @@
             <a:fld id="{B61BEF0D-F0BB-DE4B-95CE-6DB70DBA9567}" type="datetimeFigureOut">
               <a:rPr lang="en-US" dirty="0"/>
               <a:pPr/>
-              <a:t>9/8/2019</a:t>
+              <a:t>9/10/2019</a:t>
             </a:fld>
             <a:endParaRPr lang="en-US" dirty="0"/>
           </a:p>
@@ -4664,7 +4664,7 @@
             <a:fld id="{B61BEF0D-F0BB-DE4B-95CE-6DB70DBA9567}" type="datetimeFigureOut">
               <a:rPr lang="en-US" dirty="0"/>
               <a:pPr/>
-              <a:t>9/8/2019</a:t>
+              <a:t>9/10/2019</a:t>
             </a:fld>
             <a:endParaRPr lang="en-US" dirty="0"/>
           </a:p>
@@ -5006,7 +5006,7 @@
             <a:fld id="{B61BEF0D-F0BB-DE4B-95CE-6DB70DBA9567}" type="datetimeFigureOut">
               <a:rPr lang="en-US" dirty="0"/>
               <a:pPr/>
-              <a:t>9/8/2019</a:t>
+              <a:t>9/10/2019</a:t>
             </a:fld>
             <a:endParaRPr lang="en-US" dirty="0"/>
           </a:p>
@@ -7120,7 +7120,7 @@
             <a:fld id="{B61BEF0D-F0BB-DE4B-95CE-6DB70DBA9567}" type="datetimeFigureOut">
               <a:rPr lang="en-US" dirty="0"/>
               <a:pPr/>
-              <a:t>9/8/2019</a:t>
+              <a:t>9/10/2019</a:t>
             </a:fld>
             <a:endParaRPr lang="en-US" dirty="0"/>
           </a:p>
@@ -7656,12 +7656,13 @@
           </a:bodyPr>
           <a:lstStyle/>
           <a:p>
+            <a:pPr algn="ctr"/>
             <a:r>
               <a:rPr lang="en-IN" sz="4400" dirty="0" smtClean="0">
                 <a:latin typeface="Times New Roman" panose="02020603050405020304" pitchFamily="18" charset="0"/>
                 <a:cs typeface="Times New Roman" panose="02020603050405020304" pitchFamily="18" charset="0"/>
               </a:rPr>
-              <a:t>BULK EMAIL AGGREGATOR</a:t>
+              <a:t>FEEDYBACK</a:t>
             </a:r>
             <a:endParaRPr lang="en-IN" sz="4400" dirty="0">
               <a:latin typeface="Times New Roman" panose="02020603050405020304" pitchFamily="18" charset="0"/>
@@ -7764,7 +7765,39 @@
                   <a:schemeClr val="tx1"/>
                 </a:solidFill>
               </a:rPr>
-              <a:t>		   Chairperson, Dept. of CA					</a:t>
+              <a:t>		   </a:t>
+            </a:r>
+            <a:r>
+              <a:rPr lang="en-IN" sz="2000" dirty="0">
+                <a:solidFill>
+                  <a:schemeClr val="tx1"/>
+                </a:solidFill>
+              </a:rPr>
+              <a:t> </a:t>
+            </a:r>
+            <a:r>
+              <a:rPr lang="en-IN" sz="2000" dirty="0" smtClean="0">
+                <a:solidFill>
+                  <a:schemeClr val="tx1"/>
+                </a:solidFill>
+              </a:rPr>
+              <a:t> </a:t>
+            </a:r>
+            <a:r>
+              <a:rPr lang="en-IN" sz="2000" dirty="0" smtClean="0">
+                <a:solidFill>
+                  <a:schemeClr val="tx1"/>
+                </a:solidFill>
+              </a:rPr>
+              <a:t>Chairperson</a:t>
+            </a:r>
+            <a:r>
+              <a:rPr lang="en-IN" sz="2000" dirty="0" smtClean="0">
+                <a:solidFill>
+                  <a:schemeClr val="tx1"/>
+                </a:solidFill>
+              </a:rPr>
+              <a:t>, Dept. of CA					</a:t>
             </a:r>
             <a:r>
               <a:rPr lang="en-IN" sz="2000" dirty="0" err="1" smtClean="0">
@@ -7814,7 +7847,23 @@
                   <a:schemeClr val="tx1"/>
                 </a:solidFill>
               </a:rPr>
-              <a:t>		   PES University									</a:t>
+              <a:t>		   </a:t>
+            </a:r>
+            <a:r>
+              <a:rPr lang="en-IN" sz="2000" dirty="0" smtClean="0">
+                <a:solidFill>
+                  <a:schemeClr val="tx1"/>
+                </a:solidFill>
+              </a:rPr>
+              <a:t>  PES </a:t>
+            </a:r>
+            <a:r>
+              <a:rPr lang="en-IN" sz="2000" dirty="0" smtClean="0">
+                <a:solidFill>
+                  <a:schemeClr val="tx1"/>
+                </a:solidFill>
+              </a:rPr>
+              <a:t>University								</a:t>
             </a:r>
             <a:r>
               <a:rPr lang="en-IN" sz="2000" dirty="0" err="1" smtClean="0">
@@ -7830,7 +7879,15 @@
                   <a:schemeClr val="tx1"/>
                 </a:solidFill>
               </a:rPr>
-              <a:t> Singh – PES1201801830</a:t>
+              <a:t> </a:t>
+            </a:r>
+            <a:r>
+              <a:rPr lang="en-IN" sz="2000" dirty="0" smtClean="0">
+                <a:solidFill>
+                  <a:schemeClr val="tx1"/>
+                </a:solidFill>
+              </a:rPr>
+              <a:t>Singh – PES1201801830</a:t>
             </a:r>
             <a:endParaRPr lang="en-IN" sz="2000" dirty="0">
               <a:solidFill>
@@ -7998,8 +8055,8 @@
         </p:nvSpPr>
         <p:spPr>
           <a:xfrm>
-            <a:off x="1628796" y="1881051"/>
-            <a:ext cx="9474926" cy="3727270"/>
+            <a:off x="1628795" y="2246811"/>
+            <a:ext cx="9474926" cy="2960916"/>
           </a:xfrm>
         </p:spPr>
         <p:txBody>
@@ -8030,7 +8087,49 @@
                 <a:latin typeface="Times New Roman" panose="02020603050405020304" pitchFamily="18" charset="0"/>
                 <a:cs typeface="Times New Roman" panose="02020603050405020304" pitchFamily="18" charset="0"/>
               </a:rPr>
-              <a:t>web application that can be used to send mass emails to a big list of users for collecting feedback. The objective of the project is to provide a paid service to the end user, which will enable them to send bulk emails for feedback of their own product. Our service will be provided on usage of assigned credit points to user. With the use of Google OAuth authentication, we will enhance the authentication flow in the app. </a:t>
+              <a:t>web application that </a:t>
+            </a:r>
+            <a:r>
+              <a:rPr lang="en-IN" sz="2800" dirty="0">
+                <a:latin typeface="Times New Roman" panose="02020603050405020304" pitchFamily="18" charset="0"/>
+                <a:cs typeface="Times New Roman" panose="02020603050405020304" pitchFamily="18" charset="0"/>
+              </a:rPr>
+              <a:t>is to provide a paid service to the end user, which will enable them to send bulk emails for </a:t>
+            </a:r>
+            <a:r>
+              <a:rPr lang="en-IN" sz="2800" dirty="0" smtClean="0">
+                <a:latin typeface="Times New Roman" panose="02020603050405020304" pitchFamily="18" charset="0"/>
+                <a:cs typeface="Times New Roman" panose="02020603050405020304" pitchFamily="18" charset="0"/>
+              </a:rPr>
+              <a:t>collecting feedback </a:t>
+            </a:r>
+            <a:r>
+              <a:rPr lang="en-IN" sz="2800" dirty="0">
+                <a:latin typeface="Times New Roman" panose="02020603050405020304" pitchFamily="18" charset="0"/>
+                <a:cs typeface="Times New Roman" panose="02020603050405020304" pitchFamily="18" charset="0"/>
+              </a:rPr>
+              <a:t>of their own </a:t>
+            </a:r>
+            <a:r>
+              <a:rPr lang="en-IN" sz="2800" dirty="0" smtClean="0">
+                <a:latin typeface="Times New Roman" panose="02020603050405020304" pitchFamily="18" charset="0"/>
+                <a:cs typeface="Times New Roman" panose="02020603050405020304" pitchFamily="18" charset="0"/>
+              </a:rPr>
+              <a:t>product. </a:t>
+            </a:r>
+            <a:r>
+              <a:rPr lang="en-IN" sz="2800" dirty="0" smtClean="0">
+                <a:latin typeface="Times New Roman" panose="02020603050405020304" pitchFamily="18" charset="0"/>
+                <a:cs typeface="Times New Roman" panose="02020603050405020304" pitchFamily="18" charset="0"/>
+              </a:rPr>
+              <a:t>Our </a:t>
+            </a:r>
+            <a:r>
+              <a:rPr lang="en-IN" sz="2800" dirty="0">
+                <a:latin typeface="Times New Roman" panose="02020603050405020304" pitchFamily="18" charset="0"/>
+                <a:cs typeface="Times New Roman" panose="02020603050405020304" pitchFamily="18" charset="0"/>
+              </a:rPr>
+              <a:t>service will be provided on usage of assigned credit points to user. With the use of Google OAuth authentication, we will enhance the authentication flow in the app. </a:t>
             </a:r>
           </a:p>
         </p:txBody>
@@ -8263,7 +8362,7 @@
         </p:nvSpPr>
         <p:spPr>
           <a:xfrm>
-            <a:off x="3352800" y="249643"/>
+            <a:off x="3152503" y="249643"/>
             <a:ext cx="5870166" cy="812804"/>
           </a:xfrm>
         </p:spPr>
@@ -8298,8 +8397,8 @@
         </p:nvSpPr>
         <p:spPr>
           <a:xfrm>
-            <a:off x="1830183" y="1558835"/>
-            <a:ext cx="8915400" cy="3777622"/>
+            <a:off x="1629886" y="1515291"/>
+            <a:ext cx="8915400" cy="4990011"/>
           </a:xfrm>
         </p:spPr>
         <p:txBody>
@@ -8524,31 +8623,31 @@
           <a:p>
             <a:pPr lvl="1"/>
             <a:r>
-              <a:rPr lang="en-US" sz="1800" dirty="0" err="1">
-                <a:latin typeface="Times New Roman" panose="02020603050405020304" pitchFamily="18" charset="0"/>
-                <a:ea typeface="Verdana" panose="020B0604030504040204" pitchFamily="34" charset="0"/>
-                <a:cs typeface="Times New Roman" panose="02020603050405020304" pitchFamily="18" charset="0"/>
-              </a:rPr>
-              <a:t>Heroku</a:t>
-            </a:r>
-            <a:r>
               <a:rPr lang="en-US" sz="1800" dirty="0">
                 <a:latin typeface="Times New Roman" panose="02020603050405020304" pitchFamily="18" charset="0"/>
                 <a:ea typeface="Verdana" panose="020B0604030504040204" pitchFamily="34" charset="0"/>
                 <a:cs typeface="Times New Roman" panose="02020603050405020304" pitchFamily="18" charset="0"/>
               </a:rPr>
-              <a:t> Deployment</a:t>
+              <a:t>Heroku Deployment</a:t>
             </a:r>
           </a:p>
           <a:p>
             <a:pPr lvl="1"/>
             <a:r>
-              <a:rPr lang="en-US" sz="1800" dirty="0" err="1">
+              <a:rPr lang="en-US" sz="1800" smtClean="0">
                 <a:latin typeface="Times New Roman" panose="02020603050405020304" pitchFamily="18" charset="0"/>
                 <a:ea typeface="Verdana" panose="020B0604030504040204" pitchFamily="34" charset="0"/>
                 <a:cs typeface="Times New Roman" panose="02020603050405020304" pitchFamily="18" charset="0"/>
               </a:rPr>
-              <a:t>mLab</a:t>
+              <a:t>MongoDB Altas</a:t>
+            </a:r>
+            <a:r>
+              <a:rPr lang="en-US" sz="1800" dirty="0" smtClean="0">
+                <a:latin typeface="Times New Roman" panose="02020603050405020304" pitchFamily="18" charset="0"/>
+                <a:ea typeface="Verdana" panose="020B0604030504040204" pitchFamily="34" charset="0"/>
+                <a:cs typeface="Times New Roman" panose="02020603050405020304" pitchFamily="18" charset="0"/>
+              </a:rPr>
+              <a:t> </a:t>
             </a:r>
             <a:r>
               <a:rPr lang="en-US" sz="1800" dirty="0">
@@ -8556,7 +8655,7 @@
                 <a:ea typeface="Verdana" panose="020B0604030504040204" pitchFamily="34" charset="0"/>
                 <a:cs typeface="Times New Roman" panose="02020603050405020304" pitchFamily="18" charset="0"/>
               </a:rPr>
-              <a:t> MongoDB Deployment </a:t>
+              <a:t>Deployment </a:t>
             </a:r>
           </a:p>
           <a:p>
@@ -8609,7 +8708,7 @@
         </p:nvSpPr>
         <p:spPr>
           <a:xfrm>
-            <a:off x="2769326" y="328018"/>
+            <a:off x="2490650" y="301892"/>
             <a:ext cx="7350623" cy="708302"/>
           </a:xfrm>
         </p:spPr>
@@ -8648,7 +8747,7 @@
         </p:nvSpPr>
         <p:spPr>
           <a:xfrm>
-            <a:off x="1986937" y="1898470"/>
+            <a:off x="1708262" y="1898470"/>
             <a:ext cx="8915400" cy="3544388"/>
           </a:xfrm>
         </p:spPr>
@@ -8804,7 +8903,7 @@
         </p:nvSpPr>
         <p:spPr>
           <a:xfrm>
-            <a:off x="2299623" y="354143"/>
+            <a:off x="1785818" y="345435"/>
             <a:ext cx="8641131" cy="804096"/>
           </a:xfrm>
         </p:spPr>
@@ -8838,7 +8937,7 @@
         </p:nvSpPr>
         <p:spPr>
           <a:xfrm>
-            <a:off x="2415038" y="1907177"/>
+            <a:off x="1648684" y="1898468"/>
             <a:ext cx="8915400" cy="2307772"/>
           </a:xfrm>
         </p:spPr>

--- a/5thSem/Project/Bulk Email Aggregtor.pptx
+++ b/5thSem/Project/Bulk Email Aggregtor.pptx
@@ -11,10 +11,14 @@
     <p:sldId id="258" r:id="rId5"/>
     <p:sldId id="259" r:id="rId6"/>
     <p:sldId id="263" r:id="rId7"/>
-    <p:sldId id="261" r:id="rId8"/>
-    <p:sldId id="264" r:id="rId9"/>
-    <p:sldId id="265" r:id="rId10"/>
-    <p:sldId id="260" r:id="rId11"/>
+    <p:sldId id="266" r:id="rId8"/>
+    <p:sldId id="269" r:id="rId9"/>
+    <p:sldId id="268" r:id="rId10"/>
+    <p:sldId id="261" r:id="rId11"/>
+    <p:sldId id="270" r:id="rId12"/>
+    <p:sldId id="264" r:id="rId13"/>
+    <p:sldId id="265" r:id="rId14"/>
+    <p:sldId id="260" r:id="rId15"/>
   </p:sldIdLst>
   <p:sldSz cx="12192000" cy="6858000"/>
   <p:notesSz cx="6858000" cy="9144000"/>
@@ -115,10 +119,3291 @@
   </p:defaultTextStyle>
   <p:extLst>
     <p:ext uri="{EFAFB233-063F-42B5-8137-9DF3F51BA10A}">
-      <p15:sldGuideLst xmlns:p15="http://schemas.microsoft.com/office/powerpoint/2012/main"/>
+      <p15:sldGuideLst xmlns:p15="http://schemas.microsoft.com/office/powerpoint/2012/main">
+        <p15:guide id="1" orient="horz" pos="2160">
+          <p15:clr>
+            <a:srgbClr val="A4A3A4"/>
+          </p15:clr>
+        </p15:guide>
+        <p15:guide id="2" pos="3840">
+          <p15:clr>
+            <a:srgbClr val="A4A3A4"/>
+          </p15:clr>
+        </p15:guide>
+      </p15:sldGuideLst>
     </p:ext>
   </p:extLst>
 </p:presentation>
+</file>
+
+<file path=ppt/diagrams/colors1.xml><?xml version="1.0" encoding="utf-8"?>
+<dgm:colorsDef xmlns:dgm="http://schemas.openxmlformats.org/drawingml/2006/diagram" xmlns:a="http://schemas.openxmlformats.org/drawingml/2006/main" uniqueId="urn:microsoft.com/office/officeart/2005/8/colors/accent2_5">
+  <dgm:title val=""/>
+  <dgm:desc val=""/>
+  <dgm:catLst>
+    <dgm:cat type="accent2" pri="11500"/>
+  </dgm:catLst>
+  <dgm:styleLbl name="node0">
+    <dgm:fillClrLst meth="cycle">
+      <a:schemeClr val="accent2">
+        <a:alpha val="80000"/>
+      </a:schemeClr>
+    </dgm:fillClrLst>
+    <dgm:linClrLst meth="repeat">
+      <a:schemeClr val="lt1"/>
+    </dgm:linClrLst>
+    <dgm:effectClrLst/>
+    <dgm:txLinClrLst/>
+    <dgm:txFillClrLst/>
+    <dgm:txEffectClrLst/>
+  </dgm:styleLbl>
+  <dgm:styleLbl name="node1">
+    <dgm:fillClrLst>
+      <a:schemeClr val="accent2">
+        <a:alpha val="90000"/>
+      </a:schemeClr>
+      <a:schemeClr val="accent2">
+        <a:alpha val="50000"/>
+      </a:schemeClr>
+    </dgm:fillClrLst>
+    <dgm:linClrLst meth="repeat">
+      <a:schemeClr val="lt1"/>
+    </dgm:linClrLst>
+    <dgm:effectClrLst/>
+    <dgm:txLinClrLst/>
+    <dgm:txFillClrLst/>
+    <dgm:txEffectClrLst/>
+  </dgm:styleLbl>
+  <dgm:styleLbl name="alignNode1">
+    <dgm:fillClrLst>
+      <a:schemeClr val="accent2">
+        <a:alpha val="90000"/>
+      </a:schemeClr>
+      <a:schemeClr val="accent2">
+        <a:alpha val="50000"/>
+      </a:schemeClr>
+    </dgm:fillClrLst>
+    <dgm:linClrLst>
+      <a:schemeClr val="accent2">
+        <a:alpha val="90000"/>
+      </a:schemeClr>
+      <a:schemeClr val="accent2">
+        <a:alpha val="50000"/>
+      </a:schemeClr>
+    </dgm:linClrLst>
+    <dgm:effectClrLst/>
+    <dgm:txLinClrLst/>
+    <dgm:txFillClrLst/>
+    <dgm:txEffectClrLst/>
+  </dgm:styleLbl>
+  <dgm:styleLbl name="lnNode1">
+    <dgm:fillClrLst>
+      <a:schemeClr val="accent2">
+        <a:shade val="90000"/>
+      </a:schemeClr>
+      <a:schemeClr val="accent2">
+        <a:alpha val="50000"/>
+        <a:tint val="50000"/>
+      </a:schemeClr>
+    </dgm:fillClrLst>
+    <dgm:linClrLst meth="repeat">
+      <a:schemeClr val="lt1"/>
+    </dgm:linClrLst>
+    <dgm:effectClrLst/>
+    <dgm:txLinClrLst/>
+    <dgm:txFillClrLst/>
+    <dgm:txEffectClrLst/>
+  </dgm:styleLbl>
+  <dgm:styleLbl name="vennNode1">
+    <dgm:fillClrLst>
+      <a:schemeClr val="accent2">
+        <a:shade val="80000"/>
+        <a:alpha val="50000"/>
+      </a:schemeClr>
+      <a:schemeClr val="accent2">
+        <a:alpha val="20000"/>
+      </a:schemeClr>
+    </dgm:fillClrLst>
+    <dgm:linClrLst meth="repeat">
+      <a:schemeClr val="lt1"/>
+    </dgm:linClrLst>
+    <dgm:effectClrLst/>
+    <dgm:txLinClrLst/>
+    <dgm:txFillClrLst/>
+    <dgm:txEffectClrLst/>
+  </dgm:styleLbl>
+  <dgm:styleLbl name="node2">
+    <dgm:fillClrLst>
+      <a:schemeClr val="accent2">
+        <a:alpha val="70000"/>
+      </a:schemeClr>
+    </dgm:fillClrLst>
+    <dgm:linClrLst meth="repeat">
+      <a:schemeClr val="lt1"/>
+    </dgm:linClrLst>
+    <dgm:effectClrLst/>
+    <dgm:txLinClrLst/>
+    <dgm:txFillClrLst/>
+    <dgm:txEffectClrLst/>
+  </dgm:styleLbl>
+  <dgm:styleLbl name="node3">
+    <dgm:fillClrLst>
+      <a:schemeClr val="accent2">
+        <a:alpha val="50000"/>
+      </a:schemeClr>
+    </dgm:fillClrLst>
+    <dgm:linClrLst meth="repeat">
+      <a:schemeClr val="lt1"/>
+    </dgm:linClrLst>
+    <dgm:effectClrLst/>
+    <dgm:txLinClrLst/>
+    <dgm:txFillClrLst/>
+    <dgm:txEffectClrLst/>
+  </dgm:styleLbl>
+  <dgm:styleLbl name="node4">
+    <dgm:fillClrLst>
+      <a:schemeClr val="accent2">
+        <a:alpha val="30000"/>
+      </a:schemeClr>
+    </dgm:fillClrLst>
+    <dgm:linClrLst meth="repeat">
+      <a:schemeClr val="lt1"/>
+    </dgm:linClrLst>
+    <dgm:effectClrLst/>
+    <dgm:txLinClrLst/>
+    <dgm:txFillClrLst/>
+    <dgm:txEffectClrLst/>
+  </dgm:styleLbl>
+  <dgm:styleLbl name="fgImgPlace1">
+    <dgm:fillClrLst>
+      <a:schemeClr val="accent2">
+        <a:tint val="50000"/>
+        <a:alpha val="90000"/>
+      </a:schemeClr>
+      <a:schemeClr val="accent2">
+        <a:tint val="20000"/>
+        <a:alpha val="50000"/>
+      </a:schemeClr>
+    </dgm:fillClrLst>
+    <dgm:linClrLst meth="repeat">
+      <a:schemeClr val="lt1"/>
+    </dgm:linClrLst>
+    <dgm:effectClrLst/>
+    <dgm:txLinClrLst/>
+    <dgm:txFillClrLst meth="repeat">
+      <a:schemeClr val="lt1"/>
+    </dgm:txFillClrLst>
+    <dgm:txEffectClrLst/>
+  </dgm:styleLbl>
+  <dgm:styleLbl name="alignImgPlace1">
+    <dgm:fillClrLst>
+      <a:schemeClr val="accent2">
+        <a:tint val="50000"/>
+      </a:schemeClr>
+      <a:schemeClr val="accent2">
+        <a:tint val="20000"/>
+      </a:schemeClr>
+    </dgm:fillClrLst>
+    <dgm:linClrLst meth="repeat">
+      <a:schemeClr val="lt1"/>
+    </dgm:linClrLst>
+    <dgm:effectClrLst/>
+    <dgm:txLinClrLst/>
+    <dgm:txFillClrLst meth="repeat">
+      <a:schemeClr val="lt1"/>
+    </dgm:txFillClrLst>
+    <dgm:txEffectClrLst/>
+  </dgm:styleLbl>
+  <dgm:styleLbl name="bgImgPlace1">
+    <dgm:fillClrLst>
+      <a:schemeClr val="accent2">
+        <a:tint val="50000"/>
+      </a:schemeClr>
+      <a:schemeClr val="accent2">
+        <a:tint val="20000"/>
+      </a:schemeClr>
+    </dgm:fillClrLst>
+    <dgm:linClrLst meth="repeat">
+      <a:schemeClr val="lt1"/>
+    </dgm:linClrLst>
+    <dgm:effectClrLst/>
+    <dgm:txLinClrLst/>
+    <dgm:txFillClrLst meth="repeat">
+      <a:schemeClr val="lt1"/>
+    </dgm:txFillClrLst>
+    <dgm:txEffectClrLst/>
+  </dgm:styleLbl>
+  <dgm:styleLbl name="sibTrans2D1">
+    <dgm:fillClrLst>
+      <a:schemeClr val="accent2">
+        <a:shade val="90000"/>
+      </a:schemeClr>
+      <a:schemeClr val="accent2">
+        <a:tint val="50000"/>
+      </a:schemeClr>
+    </dgm:fillClrLst>
+    <dgm:linClrLst>
+      <a:schemeClr val="accent2">
+        <a:shade val="90000"/>
+      </a:schemeClr>
+      <a:schemeClr val="accent2">
+        <a:tint val="50000"/>
+      </a:schemeClr>
+    </dgm:linClrLst>
+    <dgm:effectClrLst/>
+    <dgm:txLinClrLst/>
+    <dgm:txFillClrLst/>
+    <dgm:txEffectClrLst/>
+  </dgm:styleLbl>
+  <dgm:styleLbl name="fgSibTrans2D1">
+    <dgm:fillClrLst>
+      <a:schemeClr val="accent2">
+        <a:shade val="90000"/>
+      </a:schemeClr>
+      <a:schemeClr val="accent2">
+        <a:tint val="50000"/>
+      </a:schemeClr>
+    </dgm:fillClrLst>
+    <dgm:linClrLst>
+      <a:schemeClr val="accent2">
+        <a:shade val="90000"/>
+      </a:schemeClr>
+      <a:schemeClr val="accent2">
+        <a:tint val="50000"/>
+      </a:schemeClr>
+    </dgm:linClrLst>
+    <dgm:effectClrLst/>
+    <dgm:txLinClrLst/>
+    <dgm:txFillClrLst/>
+    <dgm:txEffectClrLst/>
+  </dgm:styleLbl>
+  <dgm:styleLbl name="bgSibTrans2D1">
+    <dgm:fillClrLst>
+      <a:schemeClr val="accent2">
+        <a:shade val="90000"/>
+      </a:schemeClr>
+      <a:schemeClr val="accent2">
+        <a:tint val="50000"/>
+      </a:schemeClr>
+    </dgm:fillClrLst>
+    <dgm:linClrLst>
+      <a:schemeClr val="accent2">
+        <a:shade val="90000"/>
+      </a:schemeClr>
+      <a:schemeClr val="accent2">
+        <a:tint val="50000"/>
+      </a:schemeClr>
+    </dgm:linClrLst>
+    <dgm:effectClrLst/>
+    <dgm:txLinClrLst/>
+    <dgm:txFillClrLst/>
+    <dgm:txEffectClrLst/>
+  </dgm:styleLbl>
+  <dgm:styleLbl name="sibTrans1D1">
+    <dgm:fillClrLst>
+      <a:schemeClr val="accent2">
+        <a:shade val="90000"/>
+      </a:schemeClr>
+      <a:schemeClr val="accent2">
+        <a:tint val="50000"/>
+      </a:schemeClr>
+    </dgm:fillClrLst>
+    <dgm:linClrLst>
+      <a:schemeClr val="accent2">
+        <a:shade val="90000"/>
+      </a:schemeClr>
+      <a:schemeClr val="accent2">
+        <a:tint val="50000"/>
+      </a:schemeClr>
+    </dgm:linClrLst>
+    <dgm:effectClrLst/>
+    <dgm:txLinClrLst/>
+    <dgm:txFillClrLst meth="repeat">
+      <a:schemeClr val="tx1"/>
+    </dgm:txFillClrLst>
+    <dgm:txEffectClrLst/>
+  </dgm:styleLbl>
+  <dgm:styleLbl name="callout">
+    <dgm:fillClrLst meth="repeat">
+      <a:schemeClr val="accent2"/>
+    </dgm:fillClrLst>
+    <dgm:linClrLst meth="repeat">
+      <a:schemeClr val="accent2"/>
+    </dgm:linClrLst>
+    <dgm:effectClrLst/>
+    <dgm:txLinClrLst/>
+    <dgm:txFillClrLst meth="repeat">
+      <a:schemeClr val="tx1"/>
+    </dgm:txFillClrLst>
+    <dgm:txEffectClrLst/>
+  </dgm:styleLbl>
+  <dgm:styleLbl name="asst0">
+    <dgm:fillClrLst meth="repeat">
+      <a:schemeClr val="accent2">
+        <a:alpha val="90000"/>
+      </a:schemeClr>
+    </dgm:fillClrLst>
+    <dgm:linClrLst meth="repeat">
+      <a:schemeClr val="lt1"/>
+    </dgm:linClrLst>
+    <dgm:effectClrLst/>
+    <dgm:txLinClrLst/>
+    <dgm:txFillClrLst/>
+    <dgm:txEffectClrLst/>
+  </dgm:styleLbl>
+  <dgm:styleLbl name="asst1">
+    <dgm:fillClrLst meth="repeat">
+      <a:schemeClr val="accent2">
+        <a:alpha val="90000"/>
+      </a:schemeClr>
+    </dgm:fillClrLst>
+    <dgm:linClrLst meth="repeat">
+      <a:schemeClr val="lt1"/>
+    </dgm:linClrLst>
+    <dgm:effectClrLst/>
+    <dgm:txLinClrLst/>
+    <dgm:txFillClrLst/>
+    <dgm:txEffectClrLst/>
+  </dgm:styleLbl>
+  <dgm:styleLbl name="asst2">
+    <dgm:fillClrLst>
+      <a:schemeClr val="accent2">
+        <a:alpha val="90000"/>
+      </a:schemeClr>
+    </dgm:fillClrLst>
+    <dgm:linClrLst meth="repeat">
+      <a:schemeClr val="lt1"/>
+    </dgm:linClrLst>
+    <dgm:effectClrLst/>
+    <dgm:txLinClrLst/>
+    <dgm:txFillClrLst/>
+    <dgm:txEffectClrLst/>
+  </dgm:styleLbl>
+  <dgm:styleLbl name="asst3">
+    <dgm:fillClrLst>
+      <a:schemeClr val="accent2">
+        <a:alpha val="70000"/>
+      </a:schemeClr>
+    </dgm:fillClrLst>
+    <dgm:linClrLst meth="repeat">
+      <a:schemeClr val="lt1"/>
+    </dgm:linClrLst>
+    <dgm:effectClrLst/>
+    <dgm:txLinClrLst/>
+    <dgm:txFillClrLst/>
+    <dgm:txEffectClrLst/>
+  </dgm:styleLbl>
+  <dgm:styleLbl name="asst4">
+    <dgm:fillClrLst>
+      <a:schemeClr val="accent2">
+        <a:alpha val="50000"/>
+      </a:schemeClr>
+    </dgm:fillClrLst>
+    <dgm:linClrLst meth="repeat">
+      <a:schemeClr val="lt1"/>
+    </dgm:linClrLst>
+    <dgm:effectClrLst/>
+    <dgm:txLinClrLst/>
+    <dgm:txFillClrLst/>
+    <dgm:txEffectClrLst/>
+  </dgm:styleLbl>
+  <dgm:styleLbl name="parChTrans2D1">
+    <dgm:fillClrLst meth="repeat">
+      <a:schemeClr val="accent2">
+        <a:shade val="80000"/>
+      </a:schemeClr>
+    </dgm:fillClrLst>
+    <dgm:linClrLst meth="repeat">
+      <a:schemeClr val="accent2">
+        <a:shade val="80000"/>
+      </a:schemeClr>
+    </dgm:linClrLst>
+    <dgm:effectClrLst/>
+    <dgm:txLinClrLst/>
+    <dgm:txFillClrLst/>
+    <dgm:txEffectClrLst/>
+  </dgm:styleLbl>
+  <dgm:styleLbl name="parChTrans2D2">
+    <dgm:fillClrLst meth="repeat">
+      <a:schemeClr val="accent2">
+        <a:tint val="90000"/>
+      </a:schemeClr>
+    </dgm:fillClrLst>
+    <dgm:linClrLst meth="repeat">
+      <a:schemeClr val="accent2">
+        <a:tint val="90000"/>
+      </a:schemeClr>
+    </dgm:linClrLst>
+    <dgm:effectClrLst/>
+    <dgm:txLinClrLst/>
+    <dgm:txFillClrLst/>
+    <dgm:txEffectClrLst/>
+  </dgm:styleLbl>
+  <dgm:styleLbl name="parChTrans2D3">
+    <dgm:fillClrLst meth="repeat">
+      <a:schemeClr val="accent2">
+        <a:tint val="70000"/>
+      </a:schemeClr>
+    </dgm:fillClrLst>
+    <dgm:linClrLst meth="repeat">
+      <a:schemeClr val="accent2">
+        <a:tint val="70000"/>
+      </a:schemeClr>
+    </dgm:linClrLst>
+    <dgm:effectClrLst/>
+    <dgm:txLinClrLst/>
+    <dgm:txFillClrLst/>
+    <dgm:txEffectClrLst/>
+  </dgm:styleLbl>
+  <dgm:styleLbl name="parChTrans2D4">
+    <dgm:fillClrLst meth="repeat">
+      <a:schemeClr val="accent2">
+        <a:tint val="50000"/>
+      </a:schemeClr>
+    </dgm:fillClrLst>
+    <dgm:linClrLst meth="repeat">
+      <a:schemeClr val="accent2">
+        <a:tint val="50000"/>
+      </a:schemeClr>
+    </dgm:linClrLst>
+    <dgm:effectClrLst/>
+    <dgm:txLinClrLst/>
+    <dgm:txFillClrLst meth="repeat">
+      <a:schemeClr val="dk1"/>
+    </dgm:txFillClrLst>
+    <dgm:txEffectClrLst/>
+  </dgm:styleLbl>
+  <dgm:styleLbl name="parChTrans1D1">
+    <dgm:fillClrLst meth="repeat">
+      <a:schemeClr val="accent2">
+        <a:shade val="80000"/>
+      </a:schemeClr>
+    </dgm:fillClrLst>
+    <dgm:linClrLst meth="repeat">
+      <a:schemeClr val="accent2">
+        <a:shade val="80000"/>
+      </a:schemeClr>
+    </dgm:linClrLst>
+    <dgm:effectClrLst/>
+    <dgm:txLinClrLst/>
+    <dgm:txFillClrLst meth="repeat">
+      <a:schemeClr val="tx1"/>
+    </dgm:txFillClrLst>
+    <dgm:txEffectClrLst/>
+  </dgm:styleLbl>
+  <dgm:styleLbl name="parChTrans1D2">
+    <dgm:fillClrLst meth="repeat">
+      <a:schemeClr val="accent2">
+        <a:tint val="90000"/>
+      </a:schemeClr>
+    </dgm:fillClrLst>
+    <dgm:linClrLst meth="repeat">
+      <a:schemeClr val="accent2">
+        <a:tint val="90000"/>
+      </a:schemeClr>
+    </dgm:linClrLst>
+    <dgm:effectClrLst/>
+    <dgm:txLinClrLst/>
+    <dgm:txFillClrLst meth="repeat">
+      <a:schemeClr val="tx1"/>
+    </dgm:txFillClrLst>
+    <dgm:txEffectClrLst/>
+  </dgm:styleLbl>
+  <dgm:styleLbl name="parChTrans1D3">
+    <dgm:fillClrLst meth="repeat">
+      <a:schemeClr val="accent2">
+        <a:tint val="70000"/>
+      </a:schemeClr>
+    </dgm:fillClrLst>
+    <dgm:linClrLst meth="repeat">
+      <a:schemeClr val="accent2">
+        <a:tint val="70000"/>
+      </a:schemeClr>
+    </dgm:linClrLst>
+    <dgm:effectClrLst/>
+    <dgm:txLinClrLst/>
+    <dgm:txFillClrLst meth="repeat">
+      <a:schemeClr val="tx1"/>
+    </dgm:txFillClrLst>
+    <dgm:txEffectClrLst/>
+  </dgm:styleLbl>
+  <dgm:styleLbl name="parChTrans1D4">
+    <dgm:fillClrLst meth="repeat">
+      <a:schemeClr val="accent2">
+        <a:tint val="50000"/>
+      </a:schemeClr>
+    </dgm:fillClrLst>
+    <dgm:linClrLst meth="repeat">
+      <a:schemeClr val="accent2">
+        <a:tint val="50000"/>
+      </a:schemeClr>
+    </dgm:linClrLst>
+    <dgm:effectClrLst/>
+    <dgm:txLinClrLst/>
+    <dgm:txFillClrLst meth="repeat">
+      <a:schemeClr val="tx1"/>
+    </dgm:txFillClrLst>
+    <dgm:txEffectClrLst/>
+  </dgm:styleLbl>
+  <dgm:styleLbl name="fgAcc1">
+    <dgm:fillClrLst meth="repeat">
+      <a:schemeClr val="lt1">
+        <a:alpha val="90000"/>
+      </a:schemeClr>
+    </dgm:fillClrLst>
+    <dgm:linClrLst>
+      <a:schemeClr val="accent2">
+        <a:alpha val="90000"/>
+      </a:schemeClr>
+      <a:schemeClr val="accent2">
+        <a:alpha val="50000"/>
+      </a:schemeClr>
+    </dgm:linClrLst>
+    <dgm:effectClrLst/>
+    <dgm:txLinClrLst/>
+    <dgm:txFillClrLst meth="repeat">
+      <a:schemeClr val="dk1"/>
+    </dgm:txFillClrLst>
+    <dgm:txEffectClrLst/>
+  </dgm:styleLbl>
+  <dgm:styleLbl name="conFgAcc1">
+    <dgm:fillClrLst meth="repeat">
+      <a:schemeClr val="lt1">
+        <a:alpha val="90000"/>
+      </a:schemeClr>
+    </dgm:fillClrLst>
+    <dgm:linClrLst>
+      <a:schemeClr val="accent2">
+        <a:alpha val="90000"/>
+      </a:schemeClr>
+      <a:schemeClr val="accent2">
+        <a:alpha val="50000"/>
+      </a:schemeClr>
+    </dgm:linClrLst>
+    <dgm:effectClrLst/>
+    <dgm:txLinClrLst/>
+    <dgm:txFillClrLst meth="repeat">
+      <a:schemeClr val="dk1"/>
+    </dgm:txFillClrLst>
+    <dgm:txEffectClrLst/>
+  </dgm:styleLbl>
+  <dgm:styleLbl name="alignAcc1">
+    <dgm:fillClrLst meth="repeat">
+      <a:schemeClr val="lt1">
+        <a:alpha val="90000"/>
+      </a:schemeClr>
+    </dgm:fillClrLst>
+    <dgm:linClrLst>
+      <a:schemeClr val="accent2">
+        <a:alpha val="90000"/>
+      </a:schemeClr>
+      <a:schemeClr val="accent2">
+        <a:alpha val="50000"/>
+      </a:schemeClr>
+    </dgm:linClrLst>
+    <dgm:effectClrLst/>
+    <dgm:txLinClrLst/>
+    <dgm:txFillClrLst meth="repeat">
+      <a:schemeClr val="dk1"/>
+    </dgm:txFillClrLst>
+    <dgm:txEffectClrLst/>
+  </dgm:styleLbl>
+  <dgm:styleLbl name="trAlignAcc1">
+    <dgm:fillClrLst meth="repeat">
+      <a:schemeClr val="lt1">
+        <a:alpha val="40000"/>
+      </a:schemeClr>
+    </dgm:fillClrLst>
+    <dgm:linClrLst>
+      <a:schemeClr val="accent2">
+        <a:alpha val="90000"/>
+      </a:schemeClr>
+      <a:schemeClr val="accent2">
+        <a:alpha val="50000"/>
+      </a:schemeClr>
+    </dgm:linClrLst>
+    <dgm:effectClrLst/>
+    <dgm:txLinClrLst/>
+    <dgm:txFillClrLst meth="repeat">
+      <a:schemeClr val="dk1"/>
+    </dgm:txFillClrLst>
+    <dgm:txEffectClrLst/>
+  </dgm:styleLbl>
+  <dgm:styleLbl name="bgAcc1">
+    <dgm:fillClrLst meth="repeat">
+      <a:schemeClr val="lt1">
+        <a:alpha val="90000"/>
+      </a:schemeClr>
+    </dgm:fillClrLst>
+    <dgm:linClrLst>
+      <a:schemeClr val="accent2">
+        <a:alpha val="90000"/>
+      </a:schemeClr>
+      <a:schemeClr val="accent2">
+        <a:alpha val="50000"/>
+      </a:schemeClr>
+    </dgm:linClrLst>
+    <dgm:effectClrLst/>
+    <dgm:txLinClrLst/>
+    <dgm:txFillClrLst meth="repeat">
+      <a:schemeClr val="dk1"/>
+    </dgm:txFillClrLst>
+    <dgm:txEffectClrLst/>
+  </dgm:styleLbl>
+  <dgm:styleLbl name="solidFgAcc1">
+    <dgm:fillClrLst meth="repeat">
+      <a:schemeClr val="lt1"/>
+    </dgm:fillClrLst>
+    <dgm:linClrLst>
+      <a:schemeClr val="accent2">
+        <a:alpha val="90000"/>
+      </a:schemeClr>
+      <a:schemeClr val="accent2">
+        <a:alpha val="50000"/>
+      </a:schemeClr>
+    </dgm:linClrLst>
+    <dgm:effectClrLst/>
+    <dgm:txLinClrLst/>
+    <dgm:txFillClrLst meth="repeat">
+      <a:schemeClr val="dk1"/>
+    </dgm:txFillClrLst>
+    <dgm:txEffectClrLst/>
+  </dgm:styleLbl>
+  <dgm:styleLbl name="solidAlignAcc1">
+    <dgm:fillClrLst meth="repeat">
+      <a:schemeClr val="lt1"/>
+    </dgm:fillClrLst>
+    <dgm:linClrLst meth="repeat">
+      <a:schemeClr val="accent2"/>
+    </dgm:linClrLst>
+    <dgm:effectClrLst/>
+    <dgm:txLinClrLst/>
+    <dgm:txFillClrLst meth="repeat">
+      <a:schemeClr val="dk1"/>
+    </dgm:txFillClrLst>
+    <dgm:txEffectClrLst/>
+  </dgm:styleLbl>
+  <dgm:styleLbl name="solidBgAcc1">
+    <dgm:fillClrLst meth="repeat">
+      <a:schemeClr val="lt1"/>
+    </dgm:fillClrLst>
+    <dgm:linClrLst meth="repeat">
+      <a:schemeClr val="accent2"/>
+    </dgm:linClrLst>
+    <dgm:effectClrLst/>
+    <dgm:txLinClrLst/>
+    <dgm:txFillClrLst meth="repeat">
+      <a:schemeClr val="dk1"/>
+    </dgm:txFillClrLst>
+    <dgm:txEffectClrLst/>
+  </dgm:styleLbl>
+  <dgm:styleLbl name="fgAccFollowNode1">
+    <dgm:fillClrLst>
+      <a:schemeClr val="accent2">
+        <a:alpha val="90000"/>
+        <a:tint val="40000"/>
+      </a:schemeClr>
+      <a:schemeClr val="accent2">
+        <a:alpha val="50000"/>
+        <a:tint val="40000"/>
+      </a:schemeClr>
+    </dgm:fillClrLst>
+    <dgm:linClrLst meth="repeat">
+      <a:schemeClr val="accent2">
+        <a:alpha val="90000"/>
+        <a:tint val="40000"/>
+      </a:schemeClr>
+    </dgm:linClrLst>
+    <dgm:effectClrLst/>
+    <dgm:txLinClrLst/>
+    <dgm:txFillClrLst meth="repeat">
+      <a:schemeClr val="dk1"/>
+    </dgm:txFillClrLst>
+    <dgm:txEffectClrLst/>
+  </dgm:styleLbl>
+  <dgm:styleLbl name="alignAccFollowNode1">
+    <dgm:fillClrLst meth="repeat">
+      <a:schemeClr val="accent2">
+        <a:alpha val="90000"/>
+        <a:tint val="40000"/>
+      </a:schemeClr>
+    </dgm:fillClrLst>
+    <dgm:linClrLst meth="repeat">
+      <a:schemeClr val="accent2">
+        <a:alpha val="90000"/>
+        <a:tint val="40000"/>
+      </a:schemeClr>
+    </dgm:linClrLst>
+    <dgm:effectClrLst/>
+    <dgm:txLinClrLst/>
+    <dgm:txFillClrLst meth="repeat">
+      <a:schemeClr val="dk1"/>
+    </dgm:txFillClrLst>
+    <dgm:txEffectClrLst/>
+  </dgm:styleLbl>
+  <dgm:styleLbl name="bgAccFollowNode1">
+    <dgm:fillClrLst meth="repeat">
+      <a:schemeClr val="accent2">
+        <a:alpha val="90000"/>
+        <a:tint val="40000"/>
+      </a:schemeClr>
+    </dgm:fillClrLst>
+    <dgm:linClrLst meth="repeat">
+      <a:schemeClr val="lt1"/>
+    </dgm:linClrLst>
+    <dgm:effectClrLst/>
+    <dgm:txLinClrLst/>
+    <dgm:txFillClrLst meth="repeat">
+      <a:schemeClr val="dk1"/>
+    </dgm:txFillClrLst>
+    <dgm:txEffectClrLst/>
+  </dgm:styleLbl>
+  <dgm:styleLbl name="fgAcc0">
+    <dgm:fillClrLst meth="repeat">
+      <a:schemeClr val="lt1">
+        <a:alpha val="90000"/>
+      </a:schemeClr>
+    </dgm:fillClrLst>
+    <dgm:linClrLst meth="repeat">
+      <a:schemeClr val="accent2">
+        <a:shade val="80000"/>
+      </a:schemeClr>
+    </dgm:linClrLst>
+    <dgm:effectClrLst/>
+    <dgm:txLinClrLst/>
+    <dgm:txFillClrLst meth="repeat">
+      <a:schemeClr val="dk1"/>
+    </dgm:txFillClrLst>
+    <dgm:txEffectClrLst/>
+  </dgm:styleLbl>
+  <dgm:styleLbl name="fgAcc2">
+    <dgm:fillClrLst meth="repeat">
+      <a:schemeClr val="lt1">
+        <a:alpha val="90000"/>
+      </a:schemeClr>
+    </dgm:fillClrLst>
+    <dgm:linClrLst meth="repeat">
+      <a:schemeClr val="accent2">
+        <a:tint val="90000"/>
+      </a:schemeClr>
+    </dgm:linClrLst>
+    <dgm:effectClrLst/>
+    <dgm:txLinClrLst/>
+    <dgm:txFillClrLst meth="repeat">
+      <a:schemeClr val="dk1"/>
+    </dgm:txFillClrLst>
+    <dgm:txEffectClrLst/>
+  </dgm:styleLbl>
+  <dgm:styleLbl name="fgAcc3">
+    <dgm:fillClrLst meth="repeat">
+      <a:schemeClr val="lt1">
+        <a:alpha val="90000"/>
+      </a:schemeClr>
+    </dgm:fillClrLst>
+    <dgm:linClrLst meth="repeat">
+      <a:schemeClr val="accent2">
+        <a:tint val="70000"/>
+      </a:schemeClr>
+    </dgm:linClrLst>
+    <dgm:effectClrLst/>
+    <dgm:txLinClrLst/>
+    <dgm:txFillClrLst meth="repeat">
+      <a:schemeClr val="dk1"/>
+    </dgm:txFillClrLst>
+    <dgm:txEffectClrLst/>
+  </dgm:styleLbl>
+  <dgm:styleLbl name="fgAcc4">
+    <dgm:fillClrLst meth="repeat">
+      <a:schemeClr val="lt1">
+        <a:alpha val="90000"/>
+      </a:schemeClr>
+    </dgm:fillClrLst>
+    <dgm:linClrLst meth="repeat">
+      <a:schemeClr val="accent2">
+        <a:tint val="50000"/>
+      </a:schemeClr>
+    </dgm:linClrLst>
+    <dgm:effectClrLst/>
+    <dgm:txLinClrLst/>
+    <dgm:txFillClrLst meth="repeat">
+      <a:schemeClr val="dk1"/>
+    </dgm:txFillClrLst>
+    <dgm:txEffectClrLst/>
+  </dgm:styleLbl>
+  <dgm:styleLbl name="bgShp">
+    <dgm:fillClrLst meth="repeat">
+      <a:schemeClr val="accent2">
+        <a:tint val="40000"/>
+      </a:schemeClr>
+    </dgm:fillClrLst>
+    <dgm:linClrLst meth="repeat">
+      <a:schemeClr val="dk1"/>
+    </dgm:linClrLst>
+    <dgm:effectClrLst/>
+    <dgm:txLinClrLst/>
+    <dgm:txFillClrLst meth="repeat">
+      <a:schemeClr val="dk1"/>
+    </dgm:txFillClrLst>
+    <dgm:txEffectClrLst/>
+  </dgm:styleLbl>
+  <dgm:styleLbl name="dkBgShp">
+    <dgm:fillClrLst meth="repeat">
+      <a:schemeClr val="accent2">
+        <a:shade val="90000"/>
+      </a:schemeClr>
+    </dgm:fillClrLst>
+    <dgm:linClrLst meth="repeat">
+      <a:schemeClr val="dk1"/>
+    </dgm:linClrLst>
+    <dgm:effectClrLst/>
+    <dgm:txLinClrLst/>
+    <dgm:txFillClrLst meth="repeat">
+      <a:schemeClr val="lt1"/>
+    </dgm:txFillClrLst>
+    <dgm:txEffectClrLst/>
+  </dgm:styleLbl>
+  <dgm:styleLbl name="trBgShp">
+    <dgm:fillClrLst meth="repeat">
+      <a:schemeClr val="accent2">
+        <a:tint val="50000"/>
+        <a:alpha val="40000"/>
+      </a:schemeClr>
+    </dgm:fillClrLst>
+    <dgm:linClrLst meth="repeat">
+      <a:schemeClr val="accent2"/>
+    </dgm:linClrLst>
+    <dgm:effectClrLst/>
+    <dgm:txLinClrLst/>
+    <dgm:txFillClrLst meth="repeat">
+      <a:schemeClr val="lt1"/>
+    </dgm:txFillClrLst>
+    <dgm:txEffectClrLst/>
+  </dgm:styleLbl>
+  <dgm:styleLbl name="fgShp">
+    <dgm:fillClrLst meth="repeat">
+      <a:schemeClr val="accent2">
+        <a:tint val="40000"/>
+      </a:schemeClr>
+    </dgm:fillClrLst>
+    <dgm:linClrLst meth="repeat">
+      <a:schemeClr val="lt1"/>
+    </dgm:linClrLst>
+    <dgm:effectClrLst/>
+    <dgm:txLinClrLst/>
+    <dgm:txFillClrLst meth="repeat">
+      <a:schemeClr val="dk1"/>
+    </dgm:txFillClrLst>
+    <dgm:txEffectClrLst/>
+  </dgm:styleLbl>
+  <dgm:styleLbl name="revTx">
+    <dgm:fillClrLst meth="repeat">
+      <a:schemeClr val="lt1">
+        <a:alpha val="0"/>
+      </a:schemeClr>
+    </dgm:fillClrLst>
+    <dgm:linClrLst meth="repeat">
+      <a:schemeClr val="dk1">
+        <a:alpha val="0"/>
+      </a:schemeClr>
+    </dgm:linClrLst>
+    <dgm:effectClrLst/>
+    <dgm:txLinClrLst/>
+    <dgm:txFillClrLst meth="repeat">
+      <a:schemeClr val="tx1"/>
+    </dgm:txFillClrLst>
+    <dgm:txEffectClrLst/>
+  </dgm:styleLbl>
+</dgm:colorsDef>
+</file>
+
+<file path=ppt/diagrams/data1.xml><?xml version="1.0" encoding="utf-8"?>
+<dgm:dataModel xmlns:dgm="http://schemas.openxmlformats.org/drawingml/2006/diagram" xmlns:a="http://schemas.openxmlformats.org/drawingml/2006/main">
+  <dgm:ptLst>
+    <dgm:pt modelId="{A4427D19-0351-4103-A741-5E1795472167}" type="doc">
+      <dgm:prSet loTypeId="urn:microsoft.com/office/officeart/2005/8/layout/pList1" loCatId="list" qsTypeId="urn:microsoft.com/office/officeart/2005/8/quickstyle/simple1" qsCatId="simple" csTypeId="urn:microsoft.com/office/officeart/2005/8/colors/accent2_5" csCatId="accent2" phldr="1"/>
+      <dgm:spPr/>
+      <dgm:t>
+        <a:bodyPr/>
+        <a:lstStyle/>
+        <a:p>
+          <a:endParaRPr lang="en-US"/>
+        </a:p>
+      </dgm:t>
+    </dgm:pt>
+    <dgm:pt modelId="{39A002AE-43AC-4A22-A58D-249C99275E59}">
+      <dgm:prSet phldrT="[Text]"/>
+      <dgm:spPr/>
+      <dgm:t>
+        <a:bodyPr/>
+        <a:lstStyle/>
+        <a:p>
+          <a:r>
+            <a:rPr lang="en-US" dirty="0" smtClean="0"/>
+            <a:t>Google Authentication</a:t>
+          </a:r>
+          <a:endParaRPr lang="en-US" dirty="0"/>
+        </a:p>
+      </dgm:t>
+    </dgm:pt>
+    <dgm:pt modelId="{E09A4089-ECAB-4A9A-B391-DEAFF07C099F}" type="parTrans" cxnId="{732AE966-8981-4DBE-BCD5-14C21ED4F82D}">
+      <dgm:prSet/>
+      <dgm:spPr/>
+      <dgm:t>
+        <a:bodyPr/>
+        <a:lstStyle/>
+        <a:p>
+          <a:endParaRPr lang="en-US"/>
+        </a:p>
+      </dgm:t>
+    </dgm:pt>
+    <dgm:pt modelId="{9BD58285-9960-4F12-8D1A-4FEC0575A76B}" type="sibTrans" cxnId="{732AE966-8981-4DBE-BCD5-14C21ED4F82D}">
+      <dgm:prSet/>
+      <dgm:spPr/>
+      <dgm:t>
+        <a:bodyPr/>
+        <a:lstStyle/>
+        <a:p>
+          <a:endParaRPr lang="en-US"/>
+        </a:p>
+      </dgm:t>
+    </dgm:pt>
+    <dgm:pt modelId="{C37B6821-9F26-41F9-A14E-8F02D2B6B8BC}">
+      <dgm:prSet phldrT="[Text]"/>
+      <dgm:spPr/>
+      <dgm:t>
+        <a:bodyPr/>
+        <a:lstStyle/>
+        <a:p>
+          <a:r>
+            <a:rPr lang="en-US" dirty="0" smtClean="0"/>
+            <a:t>Credit Points</a:t>
+          </a:r>
+          <a:endParaRPr lang="en-US" dirty="0"/>
+        </a:p>
+      </dgm:t>
+    </dgm:pt>
+    <dgm:pt modelId="{DDB4E834-3DF9-4401-B603-0913C61A1A85}" type="parTrans" cxnId="{22F60704-3D0B-4229-9FFB-3F9894ACAD40}">
+      <dgm:prSet/>
+      <dgm:spPr/>
+      <dgm:t>
+        <a:bodyPr/>
+        <a:lstStyle/>
+        <a:p>
+          <a:endParaRPr lang="en-US"/>
+        </a:p>
+      </dgm:t>
+    </dgm:pt>
+    <dgm:pt modelId="{7141F728-0956-47F8-BC33-2BDDC4739419}" type="sibTrans" cxnId="{22F60704-3D0B-4229-9FFB-3F9894ACAD40}">
+      <dgm:prSet/>
+      <dgm:spPr/>
+      <dgm:t>
+        <a:bodyPr/>
+        <a:lstStyle/>
+        <a:p>
+          <a:endParaRPr lang="en-US"/>
+        </a:p>
+      </dgm:t>
+    </dgm:pt>
+    <dgm:pt modelId="{5AB450A8-D3B3-4794-8D64-AC8E998BA2AE}">
+      <dgm:prSet phldrT="[Text]"/>
+      <dgm:spPr/>
+      <dgm:t>
+        <a:bodyPr/>
+        <a:lstStyle/>
+        <a:p>
+          <a:r>
+            <a:rPr lang="en-US" dirty="0" smtClean="0"/>
+            <a:t>Payment Request/ Response</a:t>
+          </a:r>
+          <a:endParaRPr lang="en-US" dirty="0"/>
+        </a:p>
+      </dgm:t>
+    </dgm:pt>
+    <dgm:pt modelId="{D7CD086F-E9AB-4C68-88CA-CCC8C1B8B025}" type="parTrans" cxnId="{6C72B5AE-DD12-4BB6-B347-16A20F096834}">
+      <dgm:prSet/>
+      <dgm:spPr/>
+      <dgm:t>
+        <a:bodyPr/>
+        <a:lstStyle/>
+        <a:p>
+          <a:endParaRPr lang="en-US"/>
+        </a:p>
+      </dgm:t>
+    </dgm:pt>
+    <dgm:pt modelId="{114ED664-B360-49B1-A708-BB4F100E50C6}" type="sibTrans" cxnId="{6C72B5AE-DD12-4BB6-B347-16A20F096834}">
+      <dgm:prSet/>
+      <dgm:spPr/>
+      <dgm:t>
+        <a:bodyPr/>
+        <a:lstStyle/>
+        <a:p>
+          <a:endParaRPr lang="en-US"/>
+        </a:p>
+      </dgm:t>
+    </dgm:pt>
+    <dgm:pt modelId="{6A4C5589-C362-4B72-9BF7-485EF1B860E6}">
+      <dgm:prSet phldrT="[Text]"/>
+      <dgm:spPr/>
+      <dgm:t>
+        <a:bodyPr/>
+        <a:lstStyle/>
+        <a:p>
+          <a:r>
+            <a:rPr lang="en-US" dirty="0" smtClean="0"/>
+            <a:t>Creating Survey and Sending</a:t>
+          </a:r>
+          <a:endParaRPr lang="en-US" dirty="0"/>
+        </a:p>
+      </dgm:t>
+    </dgm:pt>
+    <dgm:pt modelId="{BA386485-D751-473A-BC12-5A5FFEFC0C21}" type="parTrans" cxnId="{9B276A27-EB08-44D8-BA84-1D5187C15A2D}">
+      <dgm:prSet/>
+      <dgm:spPr/>
+      <dgm:t>
+        <a:bodyPr/>
+        <a:lstStyle/>
+        <a:p>
+          <a:endParaRPr lang="en-US"/>
+        </a:p>
+      </dgm:t>
+    </dgm:pt>
+    <dgm:pt modelId="{2B758CB9-4987-45CF-8564-6F9311133035}" type="sibTrans" cxnId="{9B276A27-EB08-44D8-BA84-1D5187C15A2D}">
+      <dgm:prSet/>
+      <dgm:spPr/>
+      <dgm:t>
+        <a:bodyPr/>
+        <a:lstStyle/>
+        <a:p>
+          <a:endParaRPr lang="en-US"/>
+        </a:p>
+      </dgm:t>
+    </dgm:pt>
+    <dgm:pt modelId="{BB320F9D-90D8-4FF7-8271-4D384EA69FAC}">
+      <dgm:prSet phldrT="[Text]"/>
+      <dgm:spPr/>
+      <dgm:t>
+        <a:bodyPr/>
+        <a:lstStyle/>
+        <a:p>
+          <a:r>
+            <a:rPr lang="en-US" dirty="0" smtClean="0"/>
+            <a:t>Survey Collection </a:t>
+          </a:r>
+          <a:endParaRPr lang="en-US" dirty="0"/>
+        </a:p>
+      </dgm:t>
+    </dgm:pt>
+    <dgm:pt modelId="{0A93162B-5FF2-4232-8517-5CF8BAD177D7}" type="parTrans" cxnId="{E4D020FF-482D-40D8-914E-C841798167D8}">
+      <dgm:prSet/>
+      <dgm:spPr/>
+      <dgm:t>
+        <a:bodyPr/>
+        <a:lstStyle/>
+        <a:p>
+          <a:endParaRPr lang="en-US"/>
+        </a:p>
+      </dgm:t>
+    </dgm:pt>
+    <dgm:pt modelId="{15990759-E828-444F-984E-A0485A95FC91}" type="sibTrans" cxnId="{E4D020FF-482D-40D8-914E-C841798167D8}">
+      <dgm:prSet/>
+      <dgm:spPr/>
+      <dgm:t>
+        <a:bodyPr/>
+        <a:lstStyle/>
+        <a:p>
+          <a:endParaRPr lang="en-US"/>
+        </a:p>
+      </dgm:t>
+    </dgm:pt>
+    <dgm:pt modelId="{F8DDDF5F-D1CB-4E34-B065-0291043D749A}">
+      <dgm:prSet phldrT="[Text]"/>
+      <dgm:spPr/>
+      <dgm:t>
+        <a:bodyPr/>
+        <a:lstStyle/>
+        <a:p>
+          <a:r>
+            <a:rPr lang="en-US" dirty="0" smtClean="0"/>
+            <a:t>Visualization of Survey</a:t>
+          </a:r>
+          <a:endParaRPr lang="en-US" dirty="0"/>
+        </a:p>
+      </dgm:t>
+    </dgm:pt>
+    <dgm:pt modelId="{16DD753F-9354-4687-A197-331A48B7A5EB}" type="parTrans" cxnId="{A4500BC4-5A81-40B5-B058-DD693F2DDC1F}">
+      <dgm:prSet/>
+      <dgm:spPr/>
+      <dgm:t>
+        <a:bodyPr/>
+        <a:lstStyle/>
+        <a:p>
+          <a:endParaRPr lang="en-US"/>
+        </a:p>
+      </dgm:t>
+    </dgm:pt>
+    <dgm:pt modelId="{421C979D-BCF9-456F-8C9D-2311B3325342}" type="sibTrans" cxnId="{A4500BC4-5A81-40B5-B058-DD693F2DDC1F}">
+      <dgm:prSet/>
+      <dgm:spPr/>
+      <dgm:t>
+        <a:bodyPr/>
+        <a:lstStyle/>
+        <a:p>
+          <a:endParaRPr lang="en-US"/>
+        </a:p>
+      </dgm:t>
+    </dgm:pt>
+    <dgm:pt modelId="{674C8BBF-C822-436B-A0AE-28128444B4EC}" type="pres">
+      <dgm:prSet presAssocID="{A4427D19-0351-4103-A741-5E1795472167}" presName="Name0" presStyleCnt="0">
+        <dgm:presLayoutVars>
+          <dgm:dir/>
+          <dgm:resizeHandles val="exact"/>
+        </dgm:presLayoutVars>
+      </dgm:prSet>
+      <dgm:spPr/>
+      <dgm:t>
+        <a:bodyPr/>
+        <a:lstStyle/>
+        <a:p>
+          <a:endParaRPr lang="en-US"/>
+        </a:p>
+      </dgm:t>
+    </dgm:pt>
+    <dgm:pt modelId="{9D15CD82-9214-488A-8ECA-90532745F384}" type="pres">
+      <dgm:prSet presAssocID="{39A002AE-43AC-4A22-A58D-249C99275E59}" presName="compNode" presStyleCnt="0"/>
+      <dgm:spPr/>
+    </dgm:pt>
+    <dgm:pt modelId="{8D2141B3-1484-482D-A600-98934361663E}" type="pres">
+      <dgm:prSet presAssocID="{39A002AE-43AC-4A22-A58D-249C99275E59}" presName="pictRect" presStyleLbl="node1" presStyleIdx="0" presStyleCnt="6" custScaleX="68294"/>
+      <dgm:spPr>
+        <a:blipFill rotWithShape="0">
+          <a:blip xmlns:r="http://schemas.openxmlformats.org/officeDocument/2006/relationships" r:embed="rId1"/>
+          <a:stretch>
+            <a:fillRect/>
+          </a:stretch>
+        </a:blipFill>
+      </dgm:spPr>
+    </dgm:pt>
+    <dgm:pt modelId="{AAD60625-DF95-4812-BDCA-1D1454074B43}" type="pres">
+      <dgm:prSet presAssocID="{39A002AE-43AC-4A22-A58D-249C99275E59}" presName="textRect" presStyleLbl="revTx" presStyleIdx="0" presStyleCnt="6">
+        <dgm:presLayoutVars>
+          <dgm:bulletEnabled val="1"/>
+        </dgm:presLayoutVars>
+      </dgm:prSet>
+      <dgm:spPr/>
+      <dgm:t>
+        <a:bodyPr/>
+        <a:lstStyle/>
+        <a:p>
+          <a:endParaRPr lang="en-US"/>
+        </a:p>
+      </dgm:t>
+    </dgm:pt>
+    <dgm:pt modelId="{A9823F57-3C05-4D89-96AF-F4468731EED2}" type="pres">
+      <dgm:prSet presAssocID="{9BD58285-9960-4F12-8D1A-4FEC0575A76B}" presName="sibTrans" presStyleLbl="sibTrans2D1" presStyleIdx="0" presStyleCnt="0"/>
+      <dgm:spPr/>
+      <dgm:t>
+        <a:bodyPr/>
+        <a:lstStyle/>
+        <a:p>
+          <a:endParaRPr lang="en-US"/>
+        </a:p>
+      </dgm:t>
+    </dgm:pt>
+    <dgm:pt modelId="{B060A1E4-9B54-49BF-A4A2-6B2EEF5AE53C}" type="pres">
+      <dgm:prSet presAssocID="{C37B6821-9F26-41F9-A14E-8F02D2B6B8BC}" presName="compNode" presStyleCnt="0"/>
+      <dgm:spPr/>
+    </dgm:pt>
+    <dgm:pt modelId="{925AF46F-BF3A-477A-A6A4-B47AE179854C}" type="pres">
+      <dgm:prSet presAssocID="{C37B6821-9F26-41F9-A14E-8F02D2B6B8BC}" presName="pictRect" presStyleLbl="node1" presStyleIdx="1" presStyleCnt="6" custScaleX="75396"/>
+      <dgm:spPr>
+        <a:blipFill rotWithShape="0">
+          <a:blip xmlns:r="http://schemas.openxmlformats.org/officeDocument/2006/relationships" r:embed="rId2"/>
+          <a:stretch>
+            <a:fillRect/>
+          </a:stretch>
+        </a:blipFill>
+      </dgm:spPr>
+    </dgm:pt>
+    <dgm:pt modelId="{C7F88B65-966B-4E8C-A32A-46B4FE48CC97}" type="pres">
+      <dgm:prSet presAssocID="{C37B6821-9F26-41F9-A14E-8F02D2B6B8BC}" presName="textRect" presStyleLbl="revTx" presStyleIdx="1" presStyleCnt="6">
+        <dgm:presLayoutVars>
+          <dgm:bulletEnabled val="1"/>
+        </dgm:presLayoutVars>
+      </dgm:prSet>
+      <dgm:spPr/>
+      <dgm:t>
+        <a:bodyPr/>
+        <a:lstStyle/>
+        <a:p>
+          <a:endParaRPr lang="en-US"/>
+        </a:p>
+      </dgm:t>
+    </dgm:pt>
+    <dgm:pt modelId="{B31CCF77-A941-449E-895F-29628667A553}" type="pres">
+      <dgm:prSet presAssocID="{7141F728-0956-47F8-BC33-2BDDC4739419}" presName="sibTrans" presStyleLbl="sibTrans2D1" presStyleIdx="0" presStyleCnt="0"/>
+      <dgm:spPr/>
+      <dgm:t>
+        <a:bodyPr/>
+        <a:lstStyle/>
+        <a:p>
+          <a:endParaRPr lang="en-US"/>
+        </a:p>
+      </dgm:t>
+    </dgm:pt>
+    <dgm:pt modelId="{F2B2100E-3ED2-4549-BD31-2586EC58FA93}" type="pres">
+      <dgm:prSet presAssocID="{5AB450A8-D3B3-4794-8D64-AC8E998BA2AE}" presName="compNode" presStyleCnt="0"/>
+      <dgm:spPr/>
+    </dgm:pt>
+    <dgm:pt modelId="{0DA907F7-AFF0-46CB-B592-5DAF2CCCAE95}" type="pres">
+      <dgm:prSet presAssocID="{5AB450A8-D3B3-4794-8D64-AC8E998BA2AE}" presName="pictRect" presStyleLbl="node1" presStyleIdx="2" presStyleCnt="6" custScaleX="70361"/>
+      <dgm:spPr>
+        <a:blipFill rotWithShape="0">
+          <a:blip xmlns:r="http://schemas.openxmlformats.org/officeDocument/2006/relationships" r:embed="rId3"/>
+          <a:stretch>
+            <a:fillRect/>
+          </a:stretch>
+        </a:blipFill>
+      </dgm:spPr>
+    </dgm:pt>
+    <dgm:pt modelId="{2ACA4B79-A1D0-4D2A-AF26-5DD772C94C7A}" type="pres">
+      <dgm:prSet presAssocID="{5AB450A8-D3B3-4794-8D64-AC8E998BA2AE}" presName="textRect" presStyleLbl="revTx" presStyleIdx="2" presStyleCnt="6">
+        <dgm:presLayoutVars>
+          <dgm:bulletEnabled val="1"/>
+        </dgm:presLayoutVars>
+      </dgm:prSet>
+      <dgm:spPr/>
+      <dgm:t>
+        <a:bodyPr/>
+        <a:lstStyle/>
+        <a:p>
+          <a:endParaRPr lang="en-US"/>
+        </a:p>
+      </dgm:t>
+    </dgm:pt>
+    <dgm:pt modelId="{FE64801E-2BC0-4804-83A0-5704EFFF7258}" type="pres">
+      <dgm:prSet presAssocID="{114ED664-B360-49B1-A708-BB4F100E50C6}" presName="sibTrans" presStyleLbl="sibTrans2D1" presStyleIdx="0" presStyleCnt="0"/>
+      <dgm:spPr/>
+      <dgm:t>
+        <a:bodyPr/>
+        <a:lstStyle/>
+        <a:p>
+          <a:endParaRPr lang="en-US"/>
+        </a:p>
+      </dgm:t>
+    </dgm:pt>
+    <dgm:pt modelId="{D1B6C1CA-3D96-4591-8A27-CC991A008A52}" type="pres">
+      <dgm:prSet presAssocID="{6A4C5589-C362-4B72-9BF7-485EF1B860E6}" presName="compNode" presStyleCnt="0"/>
+      <dgm:spPr/>
+    </dgm:pt>
+    <dgm:pt modelId="{DFD27D65-BB59-4A3A-98AC-8150C4BC0ABC}" type="pres">
+      <dgm:prSet presAssocID="{6A4C5589-C362-4B72-9BF7-485EF1B860E6}" presName="pictRect" presStyleLbl="node1" presStyleIdx="3" presStyleCnt="6" custScaleX="66965"/>
+      <dgm:spPr>
+        <a:blipFill rotWithShape="0">
+          <a:blip xmlns:r="http://schemas.openxmlformats.org/officeDocument/2006/relationships" r:embed="rId4"/>
+          <a:stretch>
+            <a:fillRect/>
+          </a:stretch>
+        </a:blipFill>
+      </dgm:spPr>
+    </dgm:pt>
+    <dgm:pt modelId="{AC4AF204-8587-4FB2-9DCB-A0967B194FD6}" type="pres">
+      <dgm:prSet presAssocID="{6A4C5589-C362-4B72-9BF7-485EF1B860E6}" presName="textRect" presStyleLbl="revTx" presStyleIdx="3" presStyleCnt="6">
+        <dgm:presLayoutVars>
+          <dgm:bulletEnabled val="1"/>
+        </dgm:presLayoutVars>
+      </dgm:prSet>
+      <dgm:spPr/>
+      <dgm:t>
+        <a:bodyPr/>
+        <a:lstStyle/>
+        <a:p>
+          <a:endParaRPr lang="en-US"/>
+        </a:p>
+      </dgm:t>
+    </dgm:pt>
+    <dgm:pt modelId="{E3BB7490-7059-4D51-AED9-1E5FD3C13638}" type="pres">
+      <dgm:prSet presAssocID="{2B758CB9-4987-45CF-8564-6F9311133035}" presName="sibTrans" presStyleLbl="sibTrans2D1" presStyleIdx="0" presStyleCnt="0"/>
+      <dgm:spPr/>
+      <dgm:t>
+        <a:bodyPr/>
+        <a:lstStyle/>
+        <a:p>
+          <a:endParaRPr lang="en-US"/>
+        </a:p>
+      </dgm:t>
+    </dgm:pt>
+    <dgm:pt modelId="{91FB22D2-2C6C-4A75-A397-E8F7FD1E7599}" type="pres">
+      <dgm:prSet presAssocID="{BB320F9D-90D8-4FF7-8271-4D384EA69FAC}" presName="compNode" presStyleCnt="0"/>
+      <dgm:spPr/>
+    </dgm:pt>
+    <dgm:pt modelId="{35F317AE-4F09-40DF-A7FB-E38F93381865}" type="pres">
+      <dgm:prSet presAssocID="{BB320F9D-90D8-4FF7-8271-4D384EA69FAC}" presName="pictRect" presStyleLbl="node1" presStyleIdx="4" presStyleCnt="6" custScaleX="72738"/>
+      <dgm:spPr>
+        <a:blipFill rotWithShape="0">
+          <a:blip xmlns:r="http://schemas.openxmlformats.org/officeDocument/2006/relationships" r:embed="rId5"/>
+          <a:stretch>
+            <a:fillRect/>
+          </a:stretch>
+        </a:blipFill>
+      </dgm:spPr>
+    </dgm:pt>
+    <dgm:pt modelId="{4B61C367-C592-4116-8F63-8702012DEC65}" type="pres">
+      <dgm:prSet presAssocID="{BB320F9D-90D8-4FF7-8271-4D384EA69FAC}" presName="textRect" presStyleLbl="revTx" presStyleIdx="4" presStyleCnt="6">
+        <dgm:presLayoutVars>
+          <dgm:bulletEnabled val="1"/>
+        </dgm:presLayoutVars>
+      </dgm:prSet>
+      <dgm:spPr/>
+      <dgm:t>
+        <a:bodyPr/>
+        <a:lstStyle/>
+        <a:p>
+          <a:endParaRPr lang="en-US"/>
+        </a:p>
+      </dgm:t>
+    </dgm:pt>
+    <dgm:pt modelId="{98404CA9-9B6F-467F-8BA0-33EEA3E815DB}" type="pres">
+      <dgm:prSet presAssocID="{15990759-E828-444F-984E-A0485A95FC91}" presName="sibTrans" presStyleLbl="sibTrans2D1" presStyleIdx="0" presStyleCnt="0"/>
+      <dgm:spPr/>
+      <dgm:t>
+        <a:bodyPr/>
+        <a:lstStyle/>
+        <a:p>
+          <a:endParaRPr lang="en-US"/>
+        </a:p>
+      </dgm:t>
+    </dgm:pt>
+    <dgm:pt modelId="{E12F05EE-E7FC-4687-BC8C-979B99E26358}" type="pres">
+      <dgm:prSet presAssocID="{F8DDDF5F-D1CB-4E34-B065-0291043D749A}" presName="compNode" presStyleCnt="0"/>
+      <dgm:spPr/>
+    </dgm:pt>
+    <dgm:pt modelId="{0984BAB1-9720-4850-9A45-5D937532FF8E}" type="pres">
+      <dgm:prSet presAssocID="{F8DDDF5F-D1CB-4E34-B065-0291043D749A}" presName="pictRect" presStyleLbl="node1" presStyleIdx="5" presStyleCnt="6" custScaleX="63889"/>
+      <dgm:spPr>
+        <a:blipFill rotWithShape="0">
+          <a:blip xmlns:r="http://schemas.openxmlformats.org/officeDocument/2006/relationships" r:embed="rId6"/>
+          <a:stretch>
+            <a:fillRect/>
+          </a:stretch>
+        </a:blipFill>
+      </dgm:spPr>
+    </dgm:pt>
+    <dgm:pt modelId="{DF4D0825-285F-4F61-B90E-3849784C22A5}" type="pres">
+      <dgm:prSet presAssocID="{F8DDDF5F-D1CB-4E34-B065-0291043D749A}" presName="textRect" presStyleLbl="revTx" presStyleIdx="5" presStyleCnt="6">
+        <dgm:presLayoutVars>
+          <dgm:bulletEnabled val="1"/>
+        </dgm:presLayoutVars>
+      </dgm:prSet>
+      <dgm:spPr/>
+      <dgm:t>
+        <a:bodyPr/>
+        <a:lstStyle/>
+        <a:p>
+          <a:endParaRPr lang="en-US"/>
+        </a:p>
+      </dgm:t>
+    </dgm:pt>
+  </dgm:ptLst>
+  <dgm:cxnLst>
+    <dgm:cxn modelId="{EC2D03D2-3F6C-4356-9D4F-7A6F3B97E13F}" type="presOf" srcId="{C37B6821-9F26-41F9-A14E-8F02D2B6B8BC}" destId="{C7F88B65-966B-4E8C-A32A-46B4FE48CC97}" srcOrd="0" destOrd="0" presId="urn:microsoft.com/office/officeart/2005/8/layout/pList1"/>
+    <dgm:cxn modelId="{732AE966-8981-4DBE-BCD5-14C21ED4F82D}" srcId="{A4427D19-0351-4103-A741-5E1795472167}" destId="{39A002AE-43AC-4A22-A58D-249C99275E59}" srcOrd="0" destOrd="0" parTransId="{E09A4089-ECAB-4A9A-B391-DEAFF07C099F}" sibTransId="{9BD58285-9960-4F12-8D1A-4FEC0575A76B}"/>
+    <dgm:cxn modelId="{2965BD5A-47DE-4C86-8CA5-13097A3353AC}" type="presOf" srcId="{A4427D19-0351-4103-A741-5E1795472167}" destId="{674C8BBF-C822-436B-A0AE-28128444B4EC}" srcOrd="0" destOrd="0" presId="urn:microsoft.com/office/officeart/2005/8/layout/pList1"/>
+    <dgm:cxn modelId="{6C72B5AE-DD12-4BB6-B347-16A20F096834}" srcId="{A4427D19-0351-4103-A741-5E1795472167}" destId="{5AB450A8-D3B3-4794-8D64-AC8E998BA2AE}" srcOrd="2" destOrd="0" parTransId="{D7CD086F-E9AB-4C68-88CA-CCC8C1B8B025}" sibTransId="{114ED664-B360-49B1-A708-BB4F100E50C6}"/>
+    <dgm:cxn modelId="{D746DD7E-FB75-4256-8C50-06E030CC4D33}" type="presOf" srcId="{BB320F9D-90D8-4FF7-8271-4D384EA69FAC}" destId="{4B61C367-C592-4116-8F63-8702012DEC65}" srcOrd="0" destOrd="0" presId="urn:microsoft.com/office/officeart/2005/8/layout/pList1"/>
+    <dgm:cxn modelId="{2B45B9E7-1D02-4974-B8CC-BAA1B0F1B4B8}" type="presOf" srcId="{5AB450A8-D3B3-4794-8D64-AC8E998BA2AE}" destId="{2ACA4B79-A1D0-4D2A-AF26-5DD772C94C7A}" srcOrd="0" destOrd="0" presId="urn:microsoft.com/office/officeart/2005/8/layout/pList1"/>
+    <dgm:cxn modelId="{387AC00B-54BB-4DD5-A26D-C615A0AF9FE7}" type="presOf" srcId="{6A4C5589-C362-4B72-9BF7-485EF1B860E6}" destId="{AC4AF204-8587-4FB2-9DCB-A0967B194FD6}" srcOrd="0" destOrd="0" presId="urn:microsoft.com/office/officeart/2005/8/layout/pList1"/>
+    <dgm:cxn modelId="{22F60704-3D0B-4229-9FFB-3F9894ACAD40}" srcId="{A4427D19-0351-4103-A741-5E1795472167}" destId="{C37B6821-9F26-41F9-A14E-8F02D2B6B8BC}" srcOrd="1" destOrd="0" parTransId="{DDB4E834-3DF9-4401-B603-0913C61A1A85}" sibTransId="{7141F728-0956-47F8-BC33-2BDDC4739419}"/>
+    <dgm:cxn modelId="{50046DFF-787B-48D0-91A8-29FE83C9E5DB}" type="presOf" srcId="{39A002AE-43AC-4A22-A58D-249C99275E59}" destId="{AAD60625-DF95-4812-BDCA-1D1454074B43}" srcOrd="0" destOrd="0" presId="urn:microsoft.com/office/officeart/2005/8/layout/pList1"/>
+    <dgm:cxn modelId="{7A6D30B3-ACA9-4AB4-892D-3DD81FD9795B}" type="presOf" srcId="{114ED664-B360-49B1-A708-BB4F100E50C6}" destId="{FE64801E-2BC0-4804-83A0-5704EFFF7258}" srcOrd="0" destOrd="0" presId="urn:microsoft.com/office/officeart/2005/8/layout/pList1"/>
+    <dgm:cxn modelId="{E4D020FF-482D-40D8-914E-C841798167D8}" srcId="{A4427D19-0351-4103-A741-5E1795472167}" destId="{BB320F9D-90D8-4FF7-8271-4D384EA69FAC}" srcOrd="4" destOrd="0" parTransId="{0A93162B-5FF2-4232-8517-5CF8BAD177D7}" sibTransId="{15990759-E828-444F-984E-A0485A95FC91}"/>
+    <dgm:cxn modelId="{94FAA872-CE04-481D-879F-3E75E39B5E4F}" type="presOf" srcId="{9BD58285-9960-4F12-8D1A-4FEC0575A76B}" destId="{A9823F57-3C05-4D89-96AF-F4468731EED2}" srcOrd="0" destOrd="0" presId="urn:microsoft.com/office/officeart/2005/8/layout/pList1"/>
+    <dgm:cxn modelId="{125A7F45-7AD9-42EA-86CB-9624DC8D218C}" type="presOf" srcId="{7141F728-0956-47F8-BC33-2BDDC4739419}" destId="{B31CCF77-A941-449E-895F-29628667A553}" srcOrd="0" destOrd="0" presId="urn:microsoft.com/office/officeart/2005/8/layout/pList1"/>
+    <dgm:cxn modelId="{7F91F868-4FCC-44E5-BFBB-BC49C3FF422F}" type="presOf" srcId="{F8DDDF5F-D1CB-4E34-B065-0291043D749A}" destId="{DF4D0825-285F-4F61-B90E-3849784C22A5}" srcOrd="0" destOrd="0" presId="urn:microsoft.com/office/officeart/2005/8/layout/pList1"/>
+    <dgm:cxn modelId="{9B276A27-EB08-44D8-BA84-1D5187C15A2D}" srcId="{A4427D19-0351-4103-A741-5E1795472167}" destId="{6A4C5589-C362-4B72-9BF7-485EF1B860E6}" srcOrd="3" destOrd="0" parTransId="{BA386485-D751-473A-BC12-5A5FFEFC0C21}" sibTransId="{2B758CB9-4987-45CF-8564-6F9311133035}"/>
+    <dgm:cxn modelId="{BF050C95-7F28-4A58-8506-CBA422C77B59}" type="presOf" srcId="{15990759-E828-444F-984E-A0485A95FC91}" destId="{98404CA9-9B6F-467F-8BA0-33EEA3E815DB}" srcOrd="0" destOrd="0" presId="urn:microsoft.com/office/officeart/2005/8/layout/pList1"/>
+    <dgm:cxn modelId="{F262AB78-F05E-49EF-BC6C-A304D28F8032}" type="presOf" srcId="{2B758CB9-4987-45CF-8564-6F9311133035}" destId="{E3BB7490-7059-4D51-AED9-1E5FD3C13638}" srcOrd="0" destOrd="0" presId="urn:microsoft.com/office/officeart/2005/8/layout/pList1"/>
+    <dgm:cxn modelId="{A4500BC4-5A81-40B5-B058-DD693F2DDC1F}" srcId="{A4427D19-0351-4103-A741-5E1795472167}" destId="{F8DDDF5F-D1CB-4E34-B065-0291043D749A}" srcOrd="5" destOrd="0" parTransId="{16DD753F-9354-4687-A197-331A48B7A5EB}" sibTransId="{421C979D-BCF9-456F-8C9D-2311B3325342}"/>
+    <dgm:cxn modelId="{BC92A6FC-8E38-48F0-895D-A6263CAA0260}" type="presParOf" srcId="{674C8BBF-C822-436B-A0AE-28128444B4EC}" destId="{9D15CD82-9214-488A-8ECA-90532745F384}" srcOrd="0" destOrd="0" presId="urn:microsoft.com/office/officeart/2005/8/layout/pList1"/>
+    <dgm:cxn modelId="{290B8E59-84F2-4505-8D35-411EA246134E}" type="presParOf" srcId="{9D15CD82-9214-488A-8ECA-90532745F384}" destId="{8D2141B3-1484-482D-A600-98934361663E}" srcOrd="0" destOrd="0" presId="urn:microsoft.com/office/officeart/2005/8/layout/pList1"/>
+    <dgm:cxn modelId="{321B5610-BBE9-403B-9A46-976F63036957}" type="presParOf" srcId="{9D15CD82-9214-488A-8ECA-90532745F384}" destId="{AAD60625-DF95-4812-BDCA-1D1454074B43}" srcOrd="1" destOrd="0" presId="urn:microsoft.com/office/officeart/2005/8/layout/pList1"/>
+    <dgm:cxn modelId="{313C985A-D049-4195-ABC4-CDB96C72D453}" type="presParOf" srcId="{674C8BBF-C822-436B-A0AE-28128444B4EC}" destId="{A9823F57-3C05-4D89-96AF-F4468731EED2}" srcOrd="1" destOrd="0" presId="urn:microsoft.com/office/officeart/2005/8/layout/pList1"/>
+    <dgm:cxn modelId="{7CE5E390-46BD-4422-BA77-E603BD3FCD63}" type="presParOf" srcId="{674C8BBF-C822-436B-A0AE-28128444B4EC}" destId="{B060A1E4-9B54-49BF-A4A2-6B2EEF5AE53C}" srcOrd="2" destOrd="0" presId="urn:microsoft.com/office/officeart/2005/8/layout/pList1"/>
+    <dgm:cxn modelId="{57AF01AB-5996-46E7-A691-D44425C6D80E}" type="presParOf" srcId="{B060A1E4-9B54-49BF-A4A2-6B2EEF5AE53C}" destId="{925AF46F-BF3A-477A-A6A4-B47AE179854C}" srcOrd="0" destOrd="0" presId="urn:microsoft.com/office/officeart/2005/8/layout/pList1"/>
+    <dgm:cxn modelId="{057BCC96-47A2-4D0C-A347-F0FA15A7F558}" type="presParOf" srcId="{B060A1E4-9B54-49BF-A4A2-6B2EEF5AE53C}" destId="{C7F88B65-966B-4E8C-A32A-46B4FE48CC97}" srcOrd="1" destOrd="0" presId="urn:microsoft.com/office/officeart/2005/8/layout/pList1"/>
+    <dgm:cxn modelId="{AFA7F616-158A-4C69-B974-5D85BDDE807C}" type="presParOf" srcId="{674C8BBF-C822-436B-A0AE-28128444B4EC}" destId="{B31CCF77-A941-449E-895F-29628667A553}" srcOrd="3" destOrd="0" presId="urn:microsoft.com/office/officeart/2005/8/layout/pList1"/>
+    <dgm:cxn modelId="{19C4773B-A20C-47CD-847C-AA973C53EA03}" type="presParOf" srcId="{674C8BBF-C822-436B-A0AE-28128444B4EC}" destId="{F2B2100E-3ED2-4549-BD31-2586EC58FA93}" srcOrd="4" destOrd="0" presId="urn:microsoft.com/office/officeart/2005/8/layout/pList1"/>
+    <dgm:cxn modelId="{CAE0C9D3-41E7-4A40-B38B-80262EE964A1}" type="presParOf" srcId="{F2B2100E-3ED2-4549-BD31-2586EC58FA93}" destId="{0DA907F7-AFF0-46CB-B592-5DAF2CCCAE95}" srcOrd="0" destOrd="0" presId="urn:microsoft.com/office/officeart/2005/8/layout/pList1"/>
+    <dgm:cxn modelId="{E8DA6216-BFD1-47BF-A477-24A217369D7F}" type="presParOf" srcId="{F2B2100E-3ED2-4549-BD31-2586EC58FA93}" destId="{2ACA4B79-A1D0-4D2A-AF26-5DD772C94C7A}" srcOrd="1" destOrd="0" presId="urn:microsoft.com/office/officeart/2005/8/layout/pList1"/>
+    <dgm:cxn modelId="{C401983A-FD70-4759-B538-D6BB7F2D96E2}" type="presParOf" srcId="{674C8BBF-C822-436B-A0AE-28128444B4EC}" destId="{FE64801E-2BC0-4804-83A0-5704EFFF7258}" srcOrd="5" destOrd="0" presId="urn:microsoft.com/office/officeart/2005/8/layout/pList1"/>
+    <dgm:cxn modelId="{A5AB8FDD-402E-4781-A11C-DE32CE21C5D0}" type="presParOf" srcId="{674C8BBF-C822-436B-A0AE-28128444B4EC}" destId="{D1B6C1CA-3D96-4591-8A27-CC991A008A52}" srcOrd="6" destOrd="0" presId="urn:microsoft.com/office/officeart/2005/8/layout/pList1"/>
+    <dgm:cxn modelId="{F7CE111A-299B-46B3-B526-AB7C6CB9ED76}" type="presParOf" srcId="{D1B6C1CA-3D96-4591-8A27-CC991A008A52}" destId="{DFD27D65-BB59-4A3A-98AC-8150C4BC0ABC}" srcOrd="0" destOrd="0" presId="urn:microsoft.com/office/officeart/2005/8/layout/pList1"/>
+    <dgm:cxn modelId="{18613AD5-69D1-47DE-97D1-9B1B0A9DBA99}" type="presParOf" srcId="{D1B6C1CA-3D96-4591-8A27-CC991A008A52}" destId="{AC4AF204-8587-4FB2-9DCB-A0967B194FD6}" srcOrd="1" destOrd="0" presId="urn:microsoft.com/office/officeart/2005/8/layout/pList1"/>
+    <dgm:cxn modelId="{9A7059A6-EF53-4ED8-BB28-A61B57AC098D}" type="presParOf" srcId="{674C8BBF-C822-436B-A0AE-28128444B4EC}" destId="{E3BB7490-7059-4D51-AED9-1E5FD3C13638}" srcOrd="7" destOrd="0" presId="urn:microsoft.com/office/officeart/2005/8/layout/pList1"/>
+    <dgm:cxn modelId="{65CD7E37-C123-4012-B9C6-FEA40EE41744}" type="presParOf" srcId="{674C8BBF-C822-436B-A0AE-28128444B4EC}" destId="{91FB22D2-2C6C-4A75-A397-E8F7FD1E7599}" srcOrd="8" destOrd="0" presId="urn:microsoft.com/office/officeart/2005/8/layout/pList1"/>
+    <dgm:cxn modelId="{0E20A81F-6CDD-4F1C-ADDB-98212FD558BA}" type="presParOf" srcId="{91FB22D2-2C6C-4A75-A397-E8F7FD1E7599}" destId="{35F317AE-4F09-40DF-A7FB-E38F93381865}" srcOrd="0" destOrd="0" presId="urn:microsoft.com/office/officeart/2005/8/layout/pList1"/>
+    <dgm:cxn modelId="{66BE2053-43EC-4131-BD17-0B540EE4192A}" type="presParOf" srcId="{91FB22D2-2C6C-4A75-A397-E8F7FD1E7599}" destId="{4B61C367-C592-4116-8F63-8702012DEC65}" srcOrd="1" destOrd="0" presId="urn:microsoft.com/office/officeart/2005/8/layout/pList1"/>
+    <dgm:cxn modelId="{D8EB7E88-0423-4DC3-AA64-C6D32DF86623}" type="presParOf" srcId="{674C8BBF-C822-436B-A0AE-28128444B4EC}" destId="{98404CA9-9B6F-467F-8BA0-33EEA3E815DB}" srcOrd="9" destOrd="0" presId="urn:microsoft.com/office/officeart/2005/8/layout/pList1"/>
+    <dgm:cxn modelId="{002C77C0-6361-4EAF-9806-697B56F570D4}" type="presParOf" srcId="{674C8BBF-C822-436B-A0AE-28128444B4EC}" destId="{E12F05EE-E7FC-4687-BC8C-979B99E26358}" srcOrd="10" destOrd="0" presId="urn:microsoft.com/office/officeart/2005/8/layout/pList1"/>
+    <dgm:cxn modelId="{A487861B-229B-48EC-85A9-F401DEBB1F45}" type="presParOf" srcId="{E12F05EE-E7FC-4687-BC8C-979B99E26358}" destId="{0984BAB1-9720-4850-9A45-5D937532FF8E}" srcOrd="0" destOrd="0" presId="urn:microsoft.com/office/officeart/2005/8/layout/pList1"/>
+    <dgm:cxn modelId="{F4B5E871-E28A-45E5-99F0-9EB043AC89FA}" type="presParOf" srcId="{E12F05EE-E7FC-4687-BC8C-979B99E26358}" destId="{DF4D0825-285F-4F61-B90E-3849784C22A5}" srcOrd="1" destOrd="0" presId="urn:microsoft.com/office/officeart/2005/8/layout/pList1"/>
+  </dgm:cxnLst>
+  <dgm:bg/>
+  <dgm:whole/>
+  <dgm:extLst>
+    <a:ext uri="http://schemas.microsoft.com/office/drawing/2008/diagram">
+      <dsp:dataModelExt xmlns:dsp="http://schemas.microsoft.com/office/drawing/2008/diagram" relId="rId6" minVer="http://schemas.openxmlformats.org/drawingml/2006/diagram"/>
+    </a:ext>
+  </dgm:extLst>
+</dgm:dataModel>
+</file>
+
+<file path=ppt/diagrams/drawing1.xml><?xml version="1.0" encoding="utf-8"?>
+<dsp:drawing xmlns:dgm="http://schemas.openxmlformats.org/drawingml/2006/diagram" xmlns:dsp="http://schemas.microsoft.com/office/drawing/2008/diagram" xmlns:a="http://schemas.openxmlformats.org/drawingml/2006/main">
+  <dsp:spTree>
+    <dsp:nvGrpSpPr>
+      <dsp:cNvPr id="0" name=""/>
+      <dsp:cNvGrpSpPr/>
+    </dsp:nvGrpSpPr>
+    <dsp:grpSpPr/>
+    <dsp:sp modelId="{8D2141B3-1484-482D-A600-98934361663E}">
+      <dsp:nvSpPr>
+        <dsp:cNvPr id="0" name=""/>
+        <dsp:cNvSpPr/>
+      </dsp:nvSpPr>
+      <dsp:spPr>
+        <a:xfrm>
+          <a:off x="1092613" y="3880"/>
+          <a:ext cx="1343449" cy="1355370"/>
+        </a:xfrm>
+        <a:prstGeom prst="roundRect">
+          <a:avLst/>
+        </a:prstGeom>
+        <a:blipFill rotWithShape="0">
+          <a:blip xmlns:r="http://schemas.openxmlformats.org/officeDocument/2006/relationships" r:embed="rId1"/>
+          <a:stretch>
+            <a:fillRect/>
+          </a:stretch>
+        </a:blipFill>
+        <a:ln w="15875" cap="rnd" cmpd="sng" algn="ctr">
+          <a:solidFill>
+            <a:schemeClr val="lt1">
+              <a:hueOff val="0"/>
+              <a:satOff val="0"/>
+              <a:lumOff val="0"/>
+              <a:alphaOff val="0"/>
+            </a:schemeClr>
+          </a:solidFill>
+          <a:prstDash val="solid"/>
+        </a:ln>
+        <a:effectLst/>
+      </dsp:spPr>
+      <dsp:style>
+        <a:lnRef idx="2">
+          <a:scrgbClr r="0" g="0" b="0"/>
+        </a:lnRef>
+        <a:fillRef idx="1">
+          <a:scrgbClr r="0" g="0" b="0"/>
+        </a:fillRef>
+        <a:effectRef idx="0">
+          <a:scrgbClr r="0" g="0" b="0"/>
+        </a:effectRef>
+        <a:fontRef idx="minor">
+          <a:schemeClr val="lt1"/>
+        </a:fontRef>
+      </dsp:style>
+    </dsp:sp>
+    <dsp:sp modelId="{AAD60625-DF95-4812-BDCA-1D1454074B43}">
+      <dsp:nvSpPr>
+        <dsp:cNvPr id="0" name=""/>
+        <dsp:cNvSpPr/>
+      </dsp:nvSpPr>
+      <dsp:spPr>
+        <a:xfrm>
+          <a:off x="780760" y="1359251"/>
+          <a:ext cx="1967155" cy="729814"/>
+        </a:xfrm>
+        <a:prstGeom prst="rect">
+          <a:avLst/>
+        </a:prstGeom>
+        <a:noFill/>
+        <a:ln>
+          <a:noFill/>
+        </a:ln>
+        <a:effectLst/>
+      </dsp:spPr>
+      <dsp:style>
+        <a:lnRef idx="0">
+          <a:scrgbClr r="0" g="0" b="0"/>
+        </a:lnRef>
+        <a:fillRef idx="0">
+          <a:scrgbClr r="0" g="0" b="0"/>
+        </a:fillRef>
+        <a:effectRef idx="0">
+          <a:scrgbClr r="0" g="0" b="0"/>
+        </a:effectRef>
+        <a:fontRef idx="minor"/>
+      </dsp:style>
+      <dsp:txBody>
+        <a:bodyPr spcFirstLastPara="0" vert="horz" wrap="square" lIns="106680" tIns="106680" rIns="106680" bIns="0" numCol="1" spcCol="1270" anchor="t" anchorCtr="0">
+          <a:noAutofit/>
+        </a:bodyPr>
+        <a:lstStyle/>
+        <a:p>
+          <a:pPr lvl="0" algn="ctr" defTabSz="666750">
+            <a:lnSpc>
+              <a:spcPct val="90000"/>
+            </a:lnSpc>
+            <a:spcBef>
+              <a:spcPct val="0"/>
+            </a:spcBef>
+            <a:spcAft>
+              <a:spcPct val="35000"/>
+            </a:spcAft>
+          </a:pPr>
+          <a:r>
+            <a:rPr lang="en-US" sz="1500" kern="1200" dirty="0" smtClean="0"/>
+            <a:t>Google Authentication</a:t>
+          </a:r>
+          <a:endParaRPr lang="en-US" sz="1500" kern="1200" dirty="0"/>
+        </a:p>
+      </dsp:txBody>
+      <dsp:txXfrm>
+        <a:off x="780760" y="1359251"/>
+        <a:ext cx="1967155" cy="729814"/>
+      </dsp:txXfrm>
+    </dsp:sp>
+    <dsp:sp modelId="{925AF46F-BF3A-477A-A6A4-B47AE179854C}">
+      <dsp:nvSpPr>
+        <dsp:cNvPr id="0" name=""/>
+        <dsp:cNvSpPr/>
+      </dsp:nvSpPr>
+      <dsp:spPr>
+        <a:xfrm>
+          <a:off x="3186713" y="3880"/>
+          <a:ext cx="1483156" cy="1355370"/>
+        </a:xfrm>
+        <a:prstGeom prst="roundRect">
+          <a:avLst/>
+        </a:prstGeom>
+        <a:blipFill rotWithShape="0">
+          <a:blip xmlns:r="http://schemas.openxmlformats.org/officeDocument/2006/relationships" r:embed="rId2"/>
+          <a:stretch>
+            <a:fillRect/>
+          </a:stretch>
+        </a:blipFill>
+        <a:ln w="15875" cap="rnd" cmpd="sng" algn="ctr">
+          <a:solidFill>
+            <a:schemeClr val="lt1">
+              <a:hueOff val="0"/>
+              <a:satOff val="0"/>
+              <a:lumOff val="0"/>
+              <a:alphaOff val="0"/>
+            </a:schemeClr>
+          </a:solidFill>
+          <a:prstDash val="solid"/>
+        </a:ln>
+        <a:effectLst/>
+      </dsp:spPr>
+      <dsp:style>
+        <a:lnRef idx="2">
+          <a:scrgbClr r="0" g="0" b="0"/>
+        </a:lnRef>
+        <a:fillRef idx="1">
+          <a:scrgbClr r="0" g="0" b="0"/>
+        </a:fillRef>
+        <a:effectRef idx="0">
+          <a:scrgbClr r="0" g="0" b="0"/>
+        </a:effectRef>
+        <a:fontRef idx="minor">
+          <a:schemeClr val="lt1"/>
+        </a:fontRef>
+      </dsp:style>
+    </dsp:sp>
+    <dsp:sp modelId="{C7F88B65-966B-4E8C-A32A-46B4FE48CC97}">
+      <dsp:nvSpPr>
+        <dsp:cNvPr id="0" name=""/>
+        <dsp:cNvSpPr/>
+      </dsp:nvSpPr>
+      <dsp:spPr>
+        <a:xfrm>
+          <a:off x="2944713" y="1359251"/>
+          <a:ext cx="1967155" cy="729814"/>
+        </a:xfrm>
+        <a:prstGeom prst="rect">
+          <a:avLst/>
+        </a:prstGeom>
+        <a:noFill/>
+        <a:ln>
+          <a:noFill/>
+        </a:ln>
+        <a:effectLst/>
+      </dsp:spPr>
+      <dsp:style>
+        <a:lnRef idx="0">
+          <a:scrgbClr r="0" g="0" b="0"/>
+        </a:lnRef>
+        <a:fillRef idx="0">
+          <a:scrgbClr r="0" g="0" b="0"/>
+        </a:fillRef>
+        <a:effectRef idx="0">
+          <a:scrgbClr r="0" g="0" b="0"/>
+        </a:effectRef>
+        <a:fontRef idx="minor"/>
+      </dsp:style>
+      <dsp:txBody>
+        <a:bodyPr spcFirstLastPara="0" vert="horz" wrap="square" lIns="106680" tIns="106680" rIns="106680" bIns="0" numCol="1" spcCol="1270" anchor="t" anchorCtr="0">
+          <a:noAutofit/>
+        </a:bodyPr>
+        <a:lstStyle/>
+        <a:p>
+          <a:pPr lvl="0" algn="ctr" defTabSz="666750">
+            <a:lnSpc>
+              <a:spcPct val="90000"/>
+            </a:lnSpc>
+            <a:spcBef>
+              <a:spcPct val="0"/>
+            </a:spcBef>
+            <a:spcAft>
+              <a:spcPct val="35000"/>
+            </a:spcAft>
+          </a:pPr>
+          <a:r>
+            <a:rPr lang="en-US" sz="1500" kern="1200" dirty="0" smtClean="0"/>
+            <a:t>Credit Points</a:t>
+          </a:r>
+          <a:endParaRPr lang="en-US" sz="1500" kern="1200" dirty="0"/>
+        </a:p>
+      </dsp:txBody>
+      <dsp:txXfrm>
+        <a:off x="2944713" y="1359251"/>
+        <a:ext cx="1967155" cy="729814"/>
+      </dsp:txXfrm>
+    </dsp:sp>
+    <dsp:sp modelId="{0DA907F7-AFF0-46CB-B592-5DAF2CCCAE95}">
+      <dsp:nvSpPr>
+        <dsp:cNvPr id="0" name=""/>
+        <dsp:cNvSpPr/>
+      </dsp:nvSpPr>
+      <dsp:spPr>
+        <a:xfrm>
+          <a:off x="5400190" y="3880"/>
+          <a:ext cx="1384110" cy="1355370"/>
+        </a:xfrm>
+        <a:prstGeom prst="roundRect">
+          <a:avLst/>
+        </a:prstGeom>
+        <a:blipFill rotWithShape="0">
+          <a:blip xmlns:r="http://schemas.openxmlformats.org/officeDocument/2006/relationships" r:embed="rId3"/>
+          <a:stretch>
+            <a:fillRect/>
+          </a:stretch>
+        </a:blipFill>
+        <a:ln w="15875" cap="rnd" cmpd="sng" algn="ctr">
+          <a:solidFill>
+            <a:schemeClr val="lt1">
+              <a:hueOff val="0"/>
+              <a:satOff val="0"/>
+              <a:lumOff val="0"/>
+              <a:alphaOff val="0"/>
+            </a:schemeClr>
+          </a:solidFill>
+          <a:prstDash val="solid"/>
+        </a:ln>
+        <a:effectLst/>
+      </dsp:spPr>
+      <dsp:style>
+        <a:lnRef idx="2">
+          <a:scrgbClr r="0" g="0" b="0"/>
+        </a:lnRef>
+        <a:fillRef idx="1">
+          <a:scrgbClr r="0" g="0" b="0"/>
+        </a:fillRef>
+        <a:effectRef idx="0">
+          <a:scrgbClr r="0" g="0" b="0"/>
+        </a:effectRef>
+        <a:fontRef idx="minor">
+          <a:schemeClr val="lt1"/>
+        </a:fontRef>
+      </dsp:style>
+    </dsp:sp>
+    <dsp:sp modelId="{2ACA4B79-A1D0-4D2A-AF26-5DD772C94C7A}">
+      <dsp:nvSpPr>
+        <dsp:cNvPr id="0" name=""/>
+        <dsp:cNvSpPr/>
+      </dsp:nvSpPr>
+      <dsp:spPr>
+        <a:xfrm>
+          <a:off x="5108667" y="1359251"/>
+          <a:ext cx="1967155" cy="729814"/>
+        </a:xfrm>
+        <a:prstGeom prst="rect">
+          <a:avLst/>
+        </a:prstGeom>
+        <a:noFill/>
+        <a:ln>
+          <a:noFill/>
+        </a:ln>
+        <a:effectLst/>
+      </dsp:spPr>
+      <dsp:style>
+        <a:lnRef idx="0">
+          <a:scrgbClr r="0" g="0" b="0"/>
+        </a:lnRef>
+        <a:fillRef idx="0">
+          <a:scrgbClr r="0" g="0" b="0"/>
+        </a:fillRef>
+        <a:effectRef idx="0">
+          <a:scrgbClr r="0" g="0" b="0"/>
+        </a:effectRef>
+        <a:fontRef idx="minor"/>
+      </dsp:style>
+      <dsp:txBody>
+        <a:bodyPr spcFirstLastPara="0" vert="horz" wrap="square" lIns="106680" tIns="106680" rIns="106680" bIns="0" numCol="1" spcCol="1270" anchor="t" anchorCtr="0">
+          <a:noAutofit/>
+        </a:bodyPr>
+        <a:lstStyle/>
+        <a:p>
+          <a:pPr lvl="0" algn="ctr" defTabSz="666750">
+            <a:lnSpc>
+              <a:spcPct val="90000"/>
+            </a:lnSpc>
+            <a:spcBef>
+              <a:spcPct val="0"/>
+            </a:spcBef>
+            <a:spcAft>
+              <a:spcPct val="35000"/>
+            </a:spcAft>
+          </a:pPr>
+          <a:r>
+            <a:rPr lang="en-US" sz="1500" kern="1200" dirty="0" smtClean="0"/>
+            <a:t>Payment Request/ Response</a:t>
+          </a:r>
+          <a:endParaRPr lang="en-US" sz="1500" kern="1200" dirty="0"/>
+        </a:p>
+      </dsp:txBody>
+      <dsp:txXfrm>
+        <a:off x="5108667" y="1359251"/>
+        <a:ext cx="1967155" cy="729814"/>
+      </dsp:txXfrm>
+    </dsp:sp>
+    <dsp:sp modelId="{DFD27D65-BB59-4A3A-98AC-8150C4BC0ABC}">
+      <dsp:nvSpPr>
+        <dsp:cNvPr id="0" name=""/>
+        <dsp:cNvSpPr/>
+      </dsp:nvSpPr>
+      <dsp:spPr>
+        <a:xfrm>
+          <a:off x="1105685" y="2285781"/>
+          <a:ext cx="1317305" cy="1355370"/>
+        </a:xfrm>
+        <a:prstGeom prst="roundRect">
+          <a:avLst/>
+        </a:prstGeom>
+        <a:blipFill rotWithShape="0">
+          <a:blip xmlns:r="http://schemas.openxmlformats.org/officeDocument/2006/relationships" r:embed="rId4"/>
+          <a:stretch>
+            <a:fillRect/>
+          </a:stretch>
+        </a:blipFill>
+        <a:ln w="15875" cap="rnd" cmpd="sng" algn="ctr">
+          <a:solidFill>
+            <a:schemeClr val="lt1">
+              <a:hueOff val="0"/>
+              <a:satOff val="0"/>
+              <a:lumOff val="0"/>
+              <a:alphaOff val="0"/>
+            </a:schemeClr>
+          </a:solidFill>
+          <a:prstDash val="solid"/>
+        </a:ln>
+        <a:effectLst/>
+      </dsp:spPr>
+      <dsp:style>
+        <a:lnRef idx="2">
+          <a:scrgbClr r="0" g="0" b="0"/>
+        </a:lnRef>
+        <a:fillRef idx="1">
+          <a:scrgbClr r="0" g="0" b="0"/>
+        </a:fillRef>
+        <a:effectRef idx="0">
+          <a:scrgbClr r="0" g="0" b="0"/>
+        </a:effectRef>
+        <a:fontRef idx="minor">
+          <a:schemeClr val="lt1"/>
+        </a:fontRef>
+      </dsp:style>
+    </dsp:sp>
+    <dsp:sp modelId="{AC4AF204-8587-4FB2-9DCB-A0967B194FD6}">
+      <dsp:nvSpPr>
+        <dsp:cNvPr id="0" name=""/>
+        <dsp:cNvSpPr/>
+      </dsp:nvSpPr>
+      <dsp:spPr>
+        <a:xfrm>
+          <a:off x="780760" y="3641151"/>
+          <a:ext cx="1967155" cy="729814"/>
+        </a:xfrm>
+        <a:prstGeom prst="rect">
+          <a:avLst/>
+        </a:prstGeom>
+        <a:noFill/>
+        <a:ln>
+          <a:noFill/>
+        </a:ln>
+        <a:effectLst/>
+      </dsp:spPr>
+      <dsp:style>
+        <a:lnRef idx="0">
+          <a:scrgbClr r="0" g="0" b="0"/>
+        </a:lnRef>
+        <a:fillRef idx="0">
+          <a:scrgbClr r="0" g="0" b="0"/>
+        </a:fillRef>
+        <a:effectRef idx="0">
+          <a:scrgbClr r="0" g="0" b="0"/>
+        </a:effectRef>
+        <a:fontRef idx="minor"/>
+      </dsp:style>
+      <dsp:txBody>
+        <a:bodyPr spcFirstLastPara="0" vert="horz" wrap="square" lIns="106680" tIns="106680" rIns="106680" bIns="0" numCol="1" spcCol="1270" anchor="t" anchorCtr="0">
+          <a:noAutofit/>
+        </a:bodyPr>
+        <a:lstStyle/>
+        <a:p>
+          <a:pPr lvl="0" algn="ctr" defTabSz="666750">
+            <a:lnSpc>
+              <a:spcPct val="90000"/>
+            </a:lnSpc>
+            <a:spcBef>
+              <a:spcPct val="0"/>
+            </a:spcBef>
+            <a:spcAft>
+              <a:spcPct val="35000"/>
+            </a:spcAft>
+          </a:pPr>
+          <a:r>
+            <a:rPr lang="en-US" sz="1500" kern="1200" dirty="0" smtClean="0"/>
+            <a:t>Creating Survey and Sending</a:t>
+          </a:r>
+          <a:endParaRPr lang="en-US" sz="1500" kern="1200" dirty="0"/>
+        </a:p>
+      </dsp:txBody>
+      <dsp:txXfrm>
+        <a:off x="780760" y="3641151"/>
+        <a:ext cx="1967155" cy="729814"/>
+      </dsp:txXfrm>
+    </dsp:sp>
+    <dsp:sp modelId="{35F317AE-4F09-40DF-A7FB-E38F93381865}">
+      <dsp:nvSpPr>
+        <dsp:cNvPr id="0" name=""/>
+        <dsp:cNvSpPr/>
+      </dsp:nvSpPr>
+      <dsp:spPr>
+        <a:xfrm>
+          <a:off x="3212856" y="2285781"/>
+          <a:ext cx="1430869" cy="1355370"/>
+        </a:xfrm>
+        <a:prstGeom prst="roundRect">
+          <a:avLst/>
+        </a:prstGeom>
+        <a:blipFill rotWithShape="0">
+          <a:blip xmlns:r="http://schemas.openxmlformats.org/officeDocument/2006/relationships" r:embed="rId5"/>
+          <a:stretch>
+            <a:fillRect/>
+          </a:stretch>
+        </a:blipFill>
+        <a:ln w="15875" cap="rnd" cmpd="sng" algn="ctr">
+          <a:solidFill>
+            <a:schemeClr val="lt1">
+              <a:hueOff val="0"/>
+              <a:satOff val="0"/>
+              <a:lumOff val="0"/>
+              <a:alphaOff val="0"/>
+            </a:schemeClr>
+          </a:solidFill>
+          <a:prstDash val="solid"/>
+        </a:ln>
+        <a:effectLst/>
+      </dsp:spPr>
+      <dsp:style>
+        <a:lnRef idx="2">
+          <a:scrgbClr r="0" g="0" b="0"/>
+        </a:lnRef>
+        <a:fillRef idx="1">
+          <a:scrgbClr r="0" g="0" b="0"/>
+        </a:fillRef>
+        <a:effectRef idx="0">
+          <a:scrgbClr r="0" g="0" b="0"/>
+        </a:effectRef>
+        <a:fontRef idx="minor">
+          <a:schemeClr val="lt1"/>
+        </a:fontRef>
+      </dsp:style>
+    </dsp:sp>
+    <dsp:sp modelId="{4B61C367-C592-4116-8F63-8702012DEC65}">
+      <dsp:nvSpPr>
+        <dsp:cNvPr id="0" name=""/>
+        <dsp:cNvSpPr/>
+      </dsp:nvSpPr>
+      <dsp:spPr>
+        <a:xfrm>
+          <a:off x="2944713" y="3641151"/>
+          <a:ext cx="1967155" cy="729814"/>
+        </a:xfrm>
+        <a:prstGeom prst="rect">
+          <a:avLst/>
+        </a:prstGeom>
+        <a:noFill/>
+        <a:ln>
+          <a:noFill/>
+        </a:ln>
+        <a:effectLst/>
+      </dsp:spPr>
+      <dsp:style>
+        <a:lnRef idx="0">
+          <a:scrgbClr r="0" g="0" b="0"/>
+        </a:lnRef>
+        <a:fillRef idx="0">
+          <a:scrgbClr r="0" g="0" b="0"/>
+        </a:fillRef>
+        <a:effectRef idx="0">
+          <a:scrgbClr r="0" g="0" b="0"/>
+        </a:effectRef>
+        <a:fontRef idx="minor"/>
+      </dsp:style>
+      <dsp:txBody>
+        <a:bodyPr spcFirstLastPara="0" vert="horz" wrap="square" lIns="106680" tIns="106680" rIns="106680" bIns="0" numCol="1" spcCol="1270" anchor="t" anchorCtr="0">
+          <a:noAutofit/>
+        </a:bodyPr>
+        <a:lstStyle/>
+        <a:p>
+          <a:pPr lvl="0" algn="ctr" defTabSz="666750">
+            <a:lnSpc>
+              <a:spcPct val="90000"/>
+            </a:lnSpc>
+            <a:spcBef>
+              <a:spcPct val="0"/>
+            </a:spcBef>
+            <a:spcAft>
+              <a:spcPct val="35000"/>
+            </a:spcAft>
+          </a:pPr>
+          <a:r>
+            <a:rPr lang="en-US" sz="1500" kern="1200" dirty="0" smtClean="0"/>
+            <a:t>Survey Collection </a:t>
+          </a:r>
+          <a:endParaRPr lang="en-US" sz="1500" kern="1200" dirty="0"/>
+        </a:p>
+      </dsp:txBody>
+      <dsp:txXfrm>
+        <a:off x="2944713" y="3641151"/>
+        <a:ext cx="1967155" cy="729814"/>
+      </dsp:txXfrm>
+    </dsp:sp>
+    <dsp:sp modelId="{0984BAB1-9720-4850-9A45-5D937532FF8E}">
+      <dsp:nvSpPr>
+        <dsp:cNvPr id="0" name=""/>
+        <dsp:cNvSpPr/>
+      </dsp:nvSpPr>
+      <dsp:spPr>
+        <a:xfrm>
+          <a:off x="5463847" y="2285781"/>
+          <a:ext cx="1256795" cy="1355370"/>
+        </a:xfrm>
+        <a:prstGeom prst="roundRect">
+          <a:avLst/>
+        </a:prstGeom>
+        <a:blipFill rotWithShape="0">
+          <a:blip xmlns:r="http://schemas.openxmlformats.org/officeDocument/2006/relationships" r:embed="rId6"/>
+          <a:stretch>
+            <a:fillRect/>
+          </a:stretch>
+        </a:blipFill>
+        <a:ln w="15875" cap="rnd" cmpd="sng" algn="ctr">
+          <a:solidFill>
+            <a:schemeClr val="lt1">
+              <a:hueOff val="0"/>
+              <a:satOff val="0"/>
+              <a:lumOff val="0"/>
+              <a:alphaOff val="0"/>
+            </a:schemeClr>
+          </a:solidFill>
+          <a:prstDash val="solid"/>
+        </a:ln>
+        <a:effectLst/>
+      </dsp:spPr>
+      <dsp:style>
+        <a:lnRef idx="2">
+          <a:scrgbClr r="0" g="0" b="0"/>
+        </a:lnRef>
+        <a:fillRef idx="1">
+          <a:scrgbClr r="0" g="0" b="0"/>
+        </a:fillRef>
+        <a:effectRef idx="0">
+          <a:scrgbClr r="0" g="0" b="0"/>
+        </a:effectRef>
+        <a:fontRef idx="minor">
+          <a:schemeClr val="lt1"/>
+        </a:fontRef>
+      </dsp:style>
+    </dsp:sp>
+    <dsp:sp modelId="{DF4D0825-285F-4F61-B90E-3849784C22A5}">
+      <dsp:nvSpPr>
+        <dsp:cNvPr id="0" name=""/>
+        <dsp:cNvSpPr/>
+      </dsp:nvSpPr>
+      <dsp:spPr>
+        <a:xfrm>
+          <a:off x="5108667" y="3641151"/>
+          <a:ext cx="1967155" cy="729814"/>
+        </a:xfrm>
+        <a:prstGeom prst="rect">
+          <a:avLst/>
+        </a:prstGeom>
+        <a:noFill/>
+        <a:ln>
+          <a:noFill/>
+        </a:ln>
+        <a:effectLst/>
+      </dsp:spPr>
+      <dsp:style>
+        <a:lnRef idx="0">
+          <a:scrgbClr r="0" g="0" b="0"/>
+        </a:lnRef>
+        <a:fillRef idx="0">
+          <a:scrgbClr r="0" g="0" b="0"/>
+        </a:fillRef>
+        <a:effectRef idx="0">
+          <a:scrgbClr r="0" g="0" b="0"/>
+        </a:effectRef>
+        <a:fontRef idx="minor"/>
+      </dsp:style>
+      <dsp:txBody>
+        <a:bodyPr spcFirstLastPara="0" vert="horz" wrap="square" lIns="106680" tIns="106680" rIns="106680" bIns="0" numCol="1" spcCol="1270" anchor="t" anchorCtr="0">
+          <a:noAutofit/>
+        </a:bodyPr>
+        <a:lstStyle/>
+        <a:p>
+          <a:pPr lvl="0" algn="ctr" defTabSz="666750">
+            <a:lnSpc>
+              <a:spcPct val="90000"/>
+            </a:lnSpc>
+            <a:spcBef>
+              <a:spcPct val="0"/>
+            </a:spcBef>
+            <a:spcAft>
+              <a:spcPct val="35000"/>
+            </a:spcAft>
+          </a:pPr>
+          <a:r>
+            <a:rPr lang="en-US" sz="1500" kern="1200" dirty="0" smtClean="0"/>
+            <a:t>Visualization of Survey</a:t>
+          </a:r>
+          <a:endParaRPr lang="en-US" sz="1500" kern="1200" dirty="0"/>
+        </a:p>
+      </dsp:txBody>
+      <dsp:txXfrm>
+        <a:off x="5108667" y="3641151"/>
+        <a:ext cx="1967155" cy="729814"/>
+      </dsp:txXfrm>
+    </dsp:sp>
+  </dsp:spTree>
+</dsp:drawing>
+</file>
+
+<file path=ppt/diagrams/layout1.xml><?xml version="1.0" encoding="utf-8"?>
+<dgm:layoutDef xmlns:dgm="http://schemas.openxmlformats.org/drawingml/2006/diagram" xmlns:a="http://schemas.openxmlformats.org/drawingml/2006/main" uniqueId="urn:microsoft.com/office/officeart/2005/8/layout/pList1">
+  <dgm:title val=""/>
+  <dgm:desc val=""/>
+  <dgm:catLst>
+    <dgm:cat type="list" pri="2000"/>
+    <dgm:cat type="picture" pri="2500"/>
+    <dgm:cat type="pictureconvert" pri="2500"/>
+  </dgm:catLst>
+  <dgm:sampData>
+    <dgm:dataModel>
+      <dgm:ptLst>
+        <dgm:pt modelId="0" type="doc"/>
+        <dgm:pt modelId="1">
+          <dgm:prSet phldr="1"/>
+        </dgm:pt>
+        <dgm:pt modelId="2">
+          <dgm:prSet phldr="1"/>
+        </dgm:pt>
+        <dgm:pt modelId="3">
+          <dgm:prSet phldr="1"/>
+        </dgm:pt>
+        <dgm:pt modelId="4">
+          <dgm:prSet phldr="1"/>
+        </dgm:pt>
+      </dgm:ptLst>
+      <dgm:cxnLst>
+        <dgm:cxn modelId="7" srcId="0" destId="1" srcOrd="0" destOrd="0"/>
+        <dgm:cxn modelId="8" srcId="0" destId="2" srcOrd="1" destOrd="0"/>
+        <dgm:cxn modelId="9" srcId="0" destId="3" srcOrd="2" destOrd="0"/>
+        <dgm:cxn modelId="10" srcId="0" destId="4" srcOrd="3" destOrd="0"/>
+      </dgm:cxnLst>
+      <dgm:bg/>
+      <dgm:whole/>
+    </dgm:dataModel>
+  </dgm:sampData>
+  <dgm:styleData>
+    <dgm:dataModel>
+      <dgm:ptLst>
+        <dgm:pt modelId="0" type="doc"/>
+        <dgm:pt modelId="1"/>
+        <dgm:pt modelId="2"/>
+      </dgm:ptLst>
+      <dgm:cxnLst>
+        <dgm:cxn modelId="3" srcId="0" destId="1" srcOrd="0" destOrd="0"/>
+        <dgm:cxn modelId="4" srcId="0" destId="2" srcOrd="1" destOrd="0"/>
+      </dgm:cxnLst>
+      <dgm:bg/>
+      <dgm:whole/>
+    </dgm:dataModel>
+  </dgm:styleData>
+  <dgm:clrData useDef="1">
+    <dgm:dataModel>
+      <dgm:ptLst/>
+      <dgm:bg/>
+      <dgm:whole/>
+    </dgm:dataModel>
+  </dgm:clrData>
+  <dgm:layoutNode name="Name0">
+    <dgm:varLst>
+      <dgm:dir/>
+      <dgm:resizeHandles val="exact"/>
+    </dgm:varLst>
+    <dgm:choose name="Name1">
+      <dgm:if name="Name2" axis="self" func="var" arg="dir" op="equ" val="norm">
+        <dgm:alg type="snake">
+          <dgm:param type="grDir" val="tL"/>
+          <dgm:param type="flowDir" val="row"/>
+          <dgm:param type="contDir" val="sameDir"/>
+          <dgm:param type="off" val="ctr"/>
+          <dgm:param type="vertAlign" val="mid"/>
+          <dgm:param type="horzAlign" val="ctr"/>
+        </dgm:alg>
+      </dgm:if>
+      <dgm:else name="Name3">
+        <dgm:alg type="snake">
+          <dgm:param type="grDir" val="tR"/>
+          <dgm:param type="flowDir" val="row"/>
+          <dgm:param type="contDir" val="sameDir"/>
+          <dgm:param type="off" val="ctr"/>
+          <dgm:param type="vertAlign" val="mid"/>
+          <dgm:param type="horzAlign" val="ctr"/>
+        </dgm:alg>
+      </dgm:else>
+    </dgm:choose>
+    <dgm:shape xmlns:r="http://schemas.openxmlformats.org/officeDocument/2006/relationships" r:blip="">
+      <dgm:adjLst/>
+    </dgm:shape>
+    <dgm:presOf/>
+    <dgm:constrLst>
+      <dgm:constr type="w" for="ch" forName="compNode" refType="w"/>
+      <dgm:constr type="w" for="ch" ptType="sibTrans" refType="w" refFor="ch" refForName="compNode" op="equ" fact="0.1"/>
+      <dgm:constr type="sp" refType="w" refFor="ch" refForName="compNode" op="equ" fact="0.1"/>
+      <dgm:constr type="primFontSz" for="des" ptType="node" op="equ" val="65"/>
+    </dgm:constrLst>
+    <dgm:ruleLst/>
+    <dgm:forEach name="Name4" axis="ch" ptType="node">
+      <dgm:layoutNode name="compNode">
+        <dgm:alg type="composite">
+          <dgm:param type="ar" val="0.943"/>
+        </dgm:alg>
+        <dgm:shape xmlns:r="http://schemas.openxmlformats.org/officeDocument/2006/relationships" r:blip="">
+          <dgm:adjLst/>
+        </dgm:shape>
+        <dgm:presOf axis="self"/>
+        <dgm:constrLst>
+          <dgm:constr type="h" refType="w" fact="1.06"/>
+          <dgm:constr type="h" for="ch" forName="pictRect" refType="h" fact="0.65"/>
+          <dgm:constr type="w" for="ch" forName="pictRect" refType="w"/>
+          <dgm:constr type="l" for="ch" forName="pictRect"/>
+          <dgm:constr type="t" for="ch" forName="pictRect"/>
+          <dgm:constr type="w" for="ch" forName="textRect" refType="w"/>
+          <dgm:constr type="h" for="ch" forName="textRect" refType="h" fact="0.35"/>
+          <dgm:constr type="l" for="ch" forName="textRect"/>
+          <dgm:constr type="t" for="ch" forName="textRect" refType="b" refFor="ch" refForName="pictRect"/>
+        </dgm:constrLst>
+        <dgm:ruleLst/>
+        <dgm:layoutNode name="pictRect">
+          <dgm:alg type="sp"/>
+          <dgm:shape xmlns:r="http://schemas.openxmlformats.org/officeDocument/2006/relationships" type="roundRect" r:blip="" blipPhldr="1">
+            <dgm:adjLst/>
+          </dgm:shape>
+          <dgm:presOf/>
+          <dgm:constrLst/>
+          <dgm:ruleLst/>
+        </dgm:layoutNode>
+        <dgm:layoutNode name="textRect" styleLbl="revTx">
+          <dgm:varLst>
+            <dgm:bulletEnabled val="1"/>
+          </dgm:varLst>
+          <dgm:alg type="tx">
+            <dgm:param type="txAnchorVert" val="t"/>
+          </dgm:alg>
+          <dgm:shape xmlns:r="http://schemas.openxmlformats.org/officeDocument/2006/relationships" type="rect" r:blip="">
+            <dgm:adjLst/>
+          </dgm:shape>
+          <dgm:presOf axis="desOrSelf" ptType="node"/>
+          <dgm:constrLst>
+            <dgm:constr type="bMarg"/>
+          </dgm:constrLst>
+          <dgm:ruleLst>
+            <dgm:rule type="primFontSz" val="5" fact="NaN" max="NaN"/>
+          </dgm:ruleLst>
+        </dgm:layoutNode>
+      </dgm:layoutNode>
+      <dgm:forEach name="Name5" axis="followSib" ptType="sibTrans" cnt="1">
+        <dgm:layoutNode name="sibTrans">
+          <dgm:alg type="sp"/>
+          <dgm:shape xmlns:r="http://schemas.openxmlformats.org/officeDocument/2006/relationships" type="rect" r:blip="" hideGeom="1">
+            <dgm:adjLst/>
+          </dgm:shape>
+          <dgm:presOf axis="self"/>
+          <dgm:constrLst/>
+          <dgm:ruleLst/>
+        </dgm:layoutNode>
+      </dgm:forEach>
+    </dgm:forEach>
+  </dgm:layoutNode>
+</dgm:layoutDef>
+</file>
+
+<file path=ppt/diagrams/quickStyle1.xml><?xml version="1.0" encoding="utf-8"?>
+<dgm:styleDef xmlns:dgm="http://schemas.openxmlformats.org/drawingml/2006/diagram" xmlns:a="http://schemas.openxmlformats.org/drawingml/2006/main" uniqueId="urn:microsoft.com/office/officeart/2005/8/quickstyle/simple1">
+  <dgm:title val=""/>
+  <dgm:desc val=""/>
+  <dgm:catLst>
+    <dgm:cat type="simple" pri="10100"/>
+  </dgm:catLst>
+  <dgm:scene3d>
+    <a:camera prst="orthographicFront"/>
+    <a:lightRig rig="threePt" dir="t"/>
+  </dgm:scene3d>
+  <dgm:styleLbl name="node0">
+    <dgm:scene3d>
+      <a:camera prst="orthographicFront"/>
+      <a:lightRig rig="threePt" dir="t"/>
+    </dgm:scene3d>
+    <dgm:sp3d/>
+    <dgm:txPr/>
+    <dgm:style>
+      <a:lnRef idx="2">
+        <a:scrgbClr r="0" g="0" b="0"/>
+      </a:lnRef>
+      <a:fillRef idx="1">
+        <a:scrgbClr r="0" g="0" b="0"/>
+      </a:fillRef>
+      <a:effectRef idx="0">
+        <a:scrgbClr r="0" g="0" b="0"/>
+      </a:effectRef>
+      <a:fontRef idx="minor">
+        <a:schemeClr val="lt1"/>
+      </a:fontRef>
+    </dgm:style>
+  </dgm:styleLbl>
+  <dgm:styleLbl name="lnNode1">
+    <dgm:scene3d>
+      <a:camera prst="orthographicFront"/>
+      <a:lightRig rig="threePt" dir="t"/>
+    </dgm:scene3d>
+    <dgm:sp3d/>
+    <dgm:txPr/>
+    <dgm:style>
+      <a:lnRef idx="2">
+        <a:scrgbClr r="0" g="0" b="0"/>
+      </a:lnRef>
+      <a:fillRef idx="1">
+        <a:scrgbClr r="0" g="0" b="0"/>
+      </a:fillRef>
+      <a:effectRef idx="0">
+        <a:scrgbClr r="0" g="0" b="0"/>
+      </a:effectRef>
+      <a:fontRef idx="minor">
+        <a:schemeClr val="lt1"/>
+      </a:fontRef>
+    </dgm:style>
+  </dgm:styleLbl>
+  <dgm:styleLbl name="vennNode1">
+    <dgm:scene3d>
+      <a:camera prst="orthographicFront"/>
+      <a:lightRig rig="threePt" dir="t"/>
+    </dgm:scene3d>
+    <dgm:sp3d/>
+    <dgm:txPr/>
+    <dgm:style>
+      <a:lnRef idx="2">
+        <a:scrgbClr r="0" g="0" b="0"/>
+      </a:lnRef>
+      <a:fillRef idx="1">
+        <a:scrgbClr r="0" g="0" b="0"/>
+      </a:fillRef>
+      <a:effectRef idx="0">
+        <a:scrgbClr r="0" g="0" b="0"/>
+      </a:effectRef>
+      <a:fontRef idx="minor">
+        <a:schemeClr val="tx1"/>
+      </a:fontRef>
+    </dgm:style>
+  </dgm:styleLbl>
+  <dgm:styleLbl name="alignNode1">
+    <dgm:scene3d>
+      <a:camera prst="orthographicFront"/>
+      <a:lightRig rig="threePt" dir="t"/>
+    </dgm:scene3d>
+    <dgm:sp3d/>
+    <dgm:txPr/>
+    <dgm:style>
+      <a:lnRef idx="2">
+        <a:scrgbClr r="0" g="0" b="0"/>
+      </a:lnRef>
+      <a:fillRef idx="1">
+        <a:scrgbClr r="0" g="0" b="0"/>
+      </a:fillRef>
+      <a:effectRef idx="0">
+        <a:scrgbClr r="0" g="0" b="0"/>
+      </a:effectRef>
+      <a:fontRef idx="minor">
+        <a:schemeClr val="lt1"/>
+      </a:fontRef>
+    </dgm:style>
+  </dgm:styleLbl>
+  <dgm:styleLbl name="node1">
+    <dgm:scene3d>
+      <a:camera prst="orthographicFront"/>
+      <a:lightRig rig="threePt" dir="t"/>
+    </dgm:scene3d>
+    <dgm:sp3d/>
+    <dgm:txPr/>
+    <dgm:style>
+      <a:lnRef idx="2">
+        <a:scrgbClr r="0" g="0" b="0"/>
+      </a:lnRef>
+      <a:fillRef idx="1">
+        <a:scrgbClr r="0" g="0" b="0"/>
+      </a:fillRef>
+      <a:effectRef idx="0">
+        <a:scrgbClr r="0" g="0" b="0"/>
+      </a:effectRef>
+      <a:fontRef idx="minor">
+        <a:schemeClr val="lt1"/>
+      </a:fontRef>
+    </dgm:style>
+  </dgm:styleLbl>
+  <dgm:styleLbl name="node2">
+    <dgm:scene3d>
+      <a:camera prst="orthographicFront"/>
+      <a:lightRig rig="threePt" dir="t"/>
+    </dgm:scene3d>
+    <dgm:sp3d/>
+    <dgm:txPr/>
+    <dgm:style>
+      <a:lnRef idx="2">
+        <a:scrgbClr r="0" g="0" b="0"/>
+      </a:lnRef>
+      <a:fillRef idx="1">
+        <a:scrgbClr r="0" g="0" b="0"/>
+      </a:fillRef>
+      <a:effectRef idx="0">
+        <a:scrgbClr r="0" g="0" b="0"/>
+      </a:effectRef>
+      <a:fontRef idx="minor">
+        <a:schemeClr val="lt1"/>
+      </a:fontRef>
+    </dgm:style>
+  </dgm:styleLbl>
+  <dgm:styleLbl name="node3">
+    <dgm:scene3d>
+      <a:camera prst="orthographicFront"/>
+      <a:lightRig rig="threePt" dir="t"/>
+    </dgm:scene3d>
+    <dgm:sp3d/>
+    <dgm:txPr/>
+    <dgm:style>
+      <a:lnRef idx="2">
+        <a:scrgbClr r="0" g="0" b="0"/>
+      </a:lnRef>
+      <a:fillRef idx="1">
+        <a:scrgbClr r="0" g="0" b="0"/>
+      </a:fillRef>
+      <a:effectRef idx="0">
+        <a:scrgbClr r="0" g="0" b="0"/>
+      </a:effectRef>
+      <a:fontRef idx="minor">
+        <a:schemeClr val="lt1"/>
+      </a:fontRef>
+    </dgm:style>
+  </dgm:styleLbl>
+  <dgm:styleLbl name="node4">
+    <dgm:scene3d>
+      <a:camera prst="orthographicFront"/>
+      <a:lightRig rig="threePt" dir="t"/>
+    </dgm:scene3d>
+    <dgm:sp3d/>
+    <dgm:txPr/>
+    <dgm:style>
+      <a:lnRef idx="2">
+        <a:scrgbClr r="0" g="0" b="0"/>
+      </a:lnRef>
+      <a:fillRef idx="1">
+        <a:scrgbClr r="0" g="0" b="0"/>
+      </a:fillRef>
+      <a:effectRef idx="0">
+        <a:scrgbClr r="0" g="0" b="0"/>
+      </a:effectRef>
+      <a:fontRef idx="minor">
+        <a:schemeClr val="lt1"/>
+      </a:fontRef>
+    </dgm:style>
+  </dgm:styleLbl>
+  <dgm:styleLbl name="fgImgPlace1">
+    <dgm:scene3d>
+      <a:camera prst="orthographicFront"/>
+      <a:lightRig rig="threePt" dir="t"/>
+    </dgm:scene3d>
+    <dgm:sp3d/>
+    <dgm:txPr/>
+    <dgm:style>
+      <a:lnRef idx="2">
+        <a:scrgbClr r="0" g="0" b="0"/>
+      </a:lnRef>
+      <a:fillRef idx="1">
+        <a:scrgbClr r="0" g="0" b="0"/>
+      </a:fillRef>
+      <a:effectRef idx="0">
+        <a:scrgbClr r="0" g="0" b="0"/>
+      </a:effectRef>
+      <a:fontRef idx="minor"/>
+    </dgm:style>
+  </dgm:styleLbl>
+  <dgm:styleLbl name="alignImgPlace1">
+    <dgm:scene3d>
+      <a:camera prst="orthographicFront"/>
+      <a:lightRig rig="threePt" dir="t"/>
+    </dgm:scene3d>
+    <dgm:sp3d/>
+    <dgm:txPr/>
+    <dgm:style>
+      <a:lnRef idx="2">
+        <a:scrgbClr r="0" g="0" b="0"/>
+      </a:lnRef>
+      <a:fillRef idx="1">
+        <a:scrgbClr r="0" g="0" b="0"/>
+      </a:fillRef>
+      <a:effectRef idx="0">
+        <a:scrgbClr r="0" g="0" b="0"/>
+      </a:effectRef>
+      <a:fontRef idx="minor"/>
+    </dgm:style>
+  </dgm:styleLbl>
+  <dgm:styleLbl name="bgImgPlace1">
+    <dgm:scene3d>
+      <a:camera prst="orthographicFront"/>
+      <a:lightRig rig="threePt" dir="t"/>
+    </dgm:scene3d>
+    <dgm:sp3d/>
+    <dgm:txPr/>
+    <dgm:style>
+      <a:lnRef idx="2">
+        <a:scrgbClr r="0" g="0" b="0"/>
+      </a:lnRef>
+      <a:fillRef idx="1">
+        <a:scrgbClr r="0" g="0" b="0"/>
+      </a:fillRef>
+      <a:effectRef idx="0">
+        <a:scrgbClr r="0" g="0" b="0"/>
+      </a:effectRef>
+      <a:fontRef idx="minor"/>
+    </dgm:style>
+  </dgm:styleLbl>
+  <dgm:styleLbl name="sibTrans2D1">
+    <dgm:scene3d>
+      <a:camera prst="orthographicFront"/>
+      <a:lightRig rig="threePt" dir="t"/>
+    </dgm:scene3d>
+    <dgm:sp3d/>
+    <dgm:txPr/>
+    <dgm:style>
+      <a:lnRef idx="0">
+        <a:scrgbClr r="0" g="0" b="0"/>
+      </a:lnRef>
+      <a:fillRef idx="1">
+        <a:scrgbClr r="0" g="0" b="0"/>
+      </a:fillRef>
+      <a:effectRef idx="0">
+        <a:scrgbClr r="0" g="0" b="0"/>
+      </a:effectRef>
+      <a:fontRef idx="minor">
+        <a:schemeClr val="lt1"/>
+      </a:fontRef>
+    </dgm:style>
+  </dgm:styleLbl>
+  <dgm:styleLbl name="fgSibTrans2D1">
+    <dgm:scene3d>
+      <a:camera prst="orthographicFront"/>
+      <a:lightRig rig="threePt" dir="t"/>
+    </dgm:scene3d>
+    <dgm:sp3d/>
+    <dgm:txPr/>
+    <dgm:style>
+      <a:lnRef idx="0">
+        <a:scrgbClr r="0" g="0" b="0"/>
+      </a:lnRef>
+      <a:fillRef idx="1">
+        <a:scrgbClr r="0" g="0" b="0"/>
+      </a:fillRef>
+      <a:effectRef idx="0">
+        <a:scrgbClr r="0" g="0" b="0"/>
+      </a:effectRef>
+      <a:fontRef idx="minor">
+        <a:schemeClr val="lt1"/>
+      </a:fontRef>
+    </dgm:style>
+  </dgm:styleLbl>
+  <dgm:styleLbl name="bgSibTrans2D1">
+    <dgm:scene3d>
+      <a:camera prst="orthographicFront"/>
+      <a:lightRig rig="threePt" dir="t"/>
+    </dgm:scene3d>
+    <dgm:sp3d/>
+    <dgm:txPr/>
+    <dgm:style>
+      <a:lnRef idx="0">
+        <a:scrgbClr r="0" g="0" b="0"/>
+      </a:lnRef>
+      <a:fillRef idx="1">
+        <a:scrgbClr r="0" g="0" b="0"/>
+      </a:fillRef>
+      <a:effectRef idx="0">
+        <a:scrgbClr r="0" g="0" b="0"/>
+      </a:effectRef>
+      <a:fontRef idx="minor">
+        <a:schemeClr val="lt1"/>
+      </a:fontRef>
+    </dgm:style>
+  </dgm:styleLbl>
+  <dgm:styleLbl name="sibTrans1D1">
+    <dgm:scene3d>
+      <a:camera prst="orthographicFront"/>
+      <a:lightRig rig="threePt" dir="t"/>
+    </dgm:scene3d>
+    <dgm:sp3d/>
+    <dgm:txPr/>
+    <dgm:style>
+      <a:lnRef idx="1">
+        <a:scrgbClr r="0" g="0" b="0"/>
+      </a:lnRef>
+      <a:fillRef idx="0">
+        <a:scrgbClr r="0" g="0" b="0"/>
+      </a:fillRef>
+      <a:effectRef idx="0">
+        <a:scrgbClr r="0" g="0" b="0"/>
+      </a:effectRef>
+      <a:fontRef idx="minor"/>
+    </dgm:style>
+  </dgm:styleLbl>
+  <dgm:styleLbl name="callout">
+    <dgm:scene3d>
+      <a:camera prst="orthographicFront"/>
+      <a:lightRig rig="threePt" dir="t"/>
+    </dgm:scene3d>
+    <dgm:sp3d/>
+    <dgm:txPr/>
+    <dgm:style>
+      <a:lnRef idx="2">
+        <a:scrgbClr r="0" g="0" b="0"/>
+      </a:lnRef>
+      <a:fillRef idx="1">
+        <a:scrgbClr r="0" g="0" b="0"/>
+      </a:fillRef>
+      <a:effectRef idx="0">
+        <a:scrgbClr r="0" g="0" b="0"/>
+      </a:effectRef>
+      <a:fontRef idx="minor"/>
+    </dgm:style>
+  </dgm:styleLbl>
+  <dgm:styleLbl name="asst0">
+    <dgm:scene3d>
+      <a:camera prst="orthographicFront"/>
+      <a:lightRig rig="threePt" dir="t"/>
+    </dgm:scene3d>
+    <dgm:sp3d/>
+    <dgm:txPr/>
+    <dgm:style>
+      <a:lnRef idx="2">
+        <a:scrgbClr r="0" g="0" b="0"/>
+      </a:lnRef>
+      <a:fillRef idx="1">
+        <a:scrgbClr r="0" g="0" b="0"/>
+      </a:fillRef>
+      <a:effectRef idx="0">
+        <a:scrgbClr r="0" g="0" b="0"/>
+      </a:effectRef>
+      <a:fontRef idx="minor">
+        <a:schemeClr val="lt1"/>
+      </a:fontRef>
+    </dgm:style>
+  </dgm:styleLbl>
+  <dgm:styleLbl name="asst1">
+    <dgm:scene3d>
+      <a:camera prst="orthographicFront"/>
+      <a:lightRig rig="threePt" dir="t"/>
+    </dgm:scene3d>
+    <dgm:sp3d/>
+    <dgm:txPr/>
+    <dgm:style>
+      <a:lnRef idx="2">
+        <a:scrgbClr r="0" g="0" b="0"/>
+      </a:lnRef>
+      <a:fillRef idx="1">
+        <a:scrgbClr r="0" g="0" b="0"/>
+      </a:fillRef>
+      <a:effectRef idx="0">
+        <a:scrgbClr r="0" g="0" b="0"/>
+      </a:effectRef>
+      <a:fontRef idx="minor">
+        <a:schemeClr val="lt1"/>
+      </a:fontRef>
+    </dgm:style>
+  </dgm:styleLbl>
+  <dgm:styleLbl name="asst2">
+    <dgm:scene3d>
+      <a:camera prst="orthographicFront"/>
+      <a:lightRig rig="threePt" dir="t"/>
+    </dgm:scene3d>
+    <dgm:sp3d/>
+    <dgm:txPr/>
+    <dgm:style>
+      <a:lnRef idx="2">
+        <a:scrgbClr r="0" g="0" b="0"/>
+      </a:lnRef>
+      <a:fillRef idx="1">
+        <a:scrgbClr r="0" g="0" b="0"/>
+      </a:fillRef>
+      <a:effectRef idx="0">
+        <a:scrgbClr r="0" g="0" b="0"/>
+      </a:effectRef>
+      <a:fontRef idx="minor">
+        <a:schemeClr val="lt1"/>
+      </a:fontRef>
+    </dgm:style>
+  </dgm:styleLbl>
+  <dgm:styleLbl name="asst3">
+    <dgm:scene3d>
+      <a:camera prst="orthographicFront"/>
+      <a:lightRig rig="threePt" dir="t"/>
+    </dgm:scene3d>
+    <dgm:sp3d/>
+    <dgm:txPr/>
+    <dgm:style>
+      <a:lnRef idx="2">
+        <a:scrgbClr r="0" g="0" b="0"/>
+      </a:lnRef>
+      <a:fillRef idx="1">
+        <a:scrgbClr r="0" g="0" b="0"/>
+      </a:fillRef>
+      <a:effectRef idx="0">
+        <a:scrgbClr r="0" g="0" b="0"/>
+      </a:effectRef>
+      <a:fontRef idx="minor">
+        <a:schemeClr val="lt1"/>
+      </a:fontRef>
+    </dgm:style>
+  </dgm:styleLbl>
+  <dgm:styleLbl name="asst4">
+    <dgm:scene3d>
+      <a:camera prst="orthographicFront"/>
+      <a:lightRig rig="threePt" dir="t"/>
+    </dgm:scene3d>
+    <dgm:sp3d/>
+    <dgm:txPr/>
+    <dgm:style>
+      <a:lnRef idx="2">
+        <a:scrgbClr r="0" g="0" b="0"/>
+      </a:lnRef>
+      <a:fillRef idx="1">
+        <a:scrgbClr r="0" g="0" b="0"/>
+      </a:fillRef>
+      <a:effectRef idx="0">
+        <a:scrgbClr r="0" g="0" b="0"/>
+      </a:effectRef>
+      <a:fontRef idx="minor">
+        <a:schemeClr val="lt1"/>
+      </a:fontRef>
+    </dgm:style>
+  </dgm:styleLbl>
+  <dgm:styleLbl name="parChTrans2D1">
+    <dgm:scene3d>
+      <a:camera prst="orthographicFront"/>
+      <a:lightRig rig="threePt" dir="t"/>
+    </dgm:scene3d>
+    <dgm:sp3d/>
+    <dgm:txPr/>
+    <dgm:style>
+      <a:lnRef idx="2">
+        <a:scrgbClr r="0" g="0" b="0"/>
+      </a:lnRef>
+      <a:fillRef idx="1">
+        <a:scrgbClr r="0" g="0" b="0"/>
+      </a:fillRef>
+      <a:effectRef idx="0">
+        <a:scrgbClr r="0" g="0" b="0"/>
+      </a:effectRef>
+      <a:fontRef idx="minor">
+        <a:schemeClr val="lt1"/>
+      </a:fontRef>
+    </dgm:style>
+  </dgm:styleLbl>
+  <dgm:styleLbl name="parChTrans2D2">
+    <dgm:scene3d>
+      <a:camera prst="orthographicFront"/>
+      <a:lightRig rig="threePt" dir="t"/>
+    </dgm:scene3d>
+    <dgm:sp3d/>
+    <dgm:txPr/>
+    <dgm:style>
+      <a:lnRef idx="2">
+        <a:scrgbClr r="0" g="0" b="0"/>
+      </a:lnRef>
+      <a:fillRef idx="1">
+        <a:scrgbClr r="0" g="0" b="0"/>
+      </a:fillRef>
+      <a:effectRef idx="0">
+        <a:scrgbClr r="0" g="0" b="0"/>
+      </a:effectRef>
+      <a:fontRef idx="minor">
+        <a:schemeClr val="lt1"/>
+      </a:fontRef>
+    </dgm:style>
+  </dgm:styleLbl>
+  <dgm:styleLbl name="parChTrans2D3">
+    <dgm:scene3d>
+      <a:camera prst="orthographicFront"/>
+      <a:lightRig rig="threePt" dir="t"/>
+    </dgm:scene3d>
+    <dgm:sp3d/>
+    <dgm:txPr/>
+    <dgm:style>
+      <a:lnRef idx="2">
+        <a:scrgbClr r="0" g="0" b="0"/>
+      </a:lnRef>
+      <a:fillRef idx="1">
+        <a:scrgbClr r="0" g="0" b="0"/>
+      </a:fillRef>
+      <a:effectRef idx="0">
+        <a:scrgbClr r="0" g="0" b="0"/>
+      </a:effectRef>
+      <a:fontRef idx="minor">
+        <a:schemeClr val="lt1"/>
+      </a:fontRef>
+    </dgm:style>
+  </dgm:styleLbl>
+  <dgm:styleLbl name="parChTrans2D4">
+    <dgm:scene3d>
+      <a:camera prst="orthographicFront"/>
+      <a:lightRig rig="threePt" dir="t"/>
+    </dgm:scene3d>
+    <dgm:sp3d/>
+    <dgm:txPr/>
+    <dgm:style>
+      <a:lnRef idx="2">
+        <a:scrgbClr r="0" g="0" b="0"/>
+      </a:lnRef>
+      <a:fillRef idx="1">
+        <a:scrgbClr r="0" g="0" b="0"/>
+      </a:fillRef>
+      <a:effectRef idx="0">
+        <a:scrgbClr r="0" g="0" b="0"/>
+      </a:effectRef>
+      <a:fontRef idx="minor">
+        <a:schemeClr val="lt1"/>
+      </a:fontRef>
+    </dgm:style>
+  </dgm:styleLbl>
+  <dgm:styleLbl name="parChTrans1D1">
+    <dgm:scene3d>
+      <a:camera prst="orthographicFront"/>
+      <a:lightRig rig="threePt" dir="t"/>
+    </dgm:scene3d>
+    <dgm:sp3d/>
+    <dgm:txPr/>
+    <dgm:style>
+      <a:lnRef idx="2">
+        <a:scrgbClr r="0" g="0" b="0"/>
+      </a:lnRef>
+      <a:fillRef idx="0">
+        <a:scrgbClr r="0" g="0" b="0"/>
+      </a:fillRef>
+      <a:effectRef idx="0">
+        <a:scrgbClr r="0" g="0" b="0"/>
+      </a:effectRef>
+      <a:fontRef idx="minor"/>
+    </dgm:style>
+  </dgm:styleLbl>
+  <dgm:styleLbl name="parChTrans1D2">
+    <dgm:scene3d>
+      <a:camera prst="orthographicFront"/>
+      <a:lightRig rig="threePt" dir="t"/>
+    </dgm:scene3d>
+    <dgm:sp3d/>
+    <dgm:txPr/>
+    <dgm:style>
+      <a:lnRef idx="2">
+        <a:scrgbClr r="0" g="0" b="0"/>
+      </a:lnRef>
+      <a:fillRef idx="0">
+        <a:scrgbClr r="0" g="0" b="0"/>
+      </a:fillRef>
+      <a:effectRef idx="0">
+        <a:scrgbClr r="0" g="0" b="0"/>
+      </a:effectRef>
+      <a:fontRef idx="minor"/>
+    </dgm:style>
+  </dgm:styleLbl>
+  <dgm:styleLbl name="parChTrans1D3">
+    <dgm:scene3d>
+      <a:camera prst="orthographicFront"/>
+      <a:lightRig rig="threePt" dir="t"/>
+    </dgm:scene3d>
+    <dgm:sp3d/>
+    <dgm:txPr/>
+    <dgm:style>
+      <a:lnRef idx="2">
+        <a:scrgbClr r="0" g="0" b="0"/>
+      </a:lnRef>
+      <a:fillRef idx="0">
+        <a:scrgbClr r="0" g="0" b="0"/>
+      </a:fillRef>
+      <a:effectRef idx="0">
+        <a:scrgbClr r="0" g="0" b="0"/>
+      </a:effectRef>
+      <a:fontRef idx="minor"/>
+    </dgm:style>
+  </dgm:styleLbl>
+  <dgm:styleLbl name="parChTrans1D4">
+    <dgm:scene3d>
+      <a:camera prst="orthographicFront"/>
+      <a:lightRig rig="threePt" dir="t"/>
+    </dgm:scene3d>
+    <dgm:sp3d/>
+    <dgm:txPr/>
+    <dgm:style>
+      <a:lnRef idx="2">
+        <a:scrgbClr r="0" g="0" b="0"/>
+      </a:lnRef>
+      <a:fillRef idx="0">
+        <a:scrgbClr r="0" g="0" b="0"/>
+      </a:fillRef>
+      <a:effectRef idx="0">
+        <a:scrgbClr r="0" g="0" b="0"/>
+      </a:effectRef>
+      <a:fontRef idx="minor"/>
+    </dgm:style>
+  </dgm:styleLbl>
+  <dgm:styleLbl name="fgAcc1">
+    <dgm:scene3d>
+      <a:camera prst="orthographicFront"/>
+      <a:lightRig rig="threePt" dir="t"/>
+    </dgm:scene3d>
+    <dgm:sp3d/>
+    <dgm:txPr/>
+    <dgm:style>
+      <a:lnRef idx="2">
+        <a:scrgbClr r="0" g="0" b="0"/>
+      </a:lnRef>
+      <a:fillRef idx="1">
+        <a:scrgbClr r="0" g="0" b="0"/>
+      </a:fillRef>
+      <a:effectRef idx="0">
+        <a:scrgbClr r="0" g="0" b="0"/>
+      </a:effectRef>
+      <a:fontRef idx="minor"/>
+    </dgm:style>
+  </dgm:styleLbl>
+  <dgm:styleLbl name="conFgAcc1">
+    <dgm:scene3d>
+      <a:camera prst="orthographicFront"/>
+      <a:lightRig rig="threePt" dir="t"/>
+    </dgm:scene3d>
+    <dgm:sp3d/>
+    <dgm:txPr/>
+    <dgm:style>
+      <a:lnRef idx="2">
+        <a:scrgbClr r="0" g="0" b="0"/>
+      </a:lnRef>
+      <a:fillRef idx="1">
+        <a:scrgbClr r="0" g="0" b="0"/>
+      </a:fillRef>
+      <a:effectRef idx="0">
+        <a:scrgbClr r="0" g="0" b="0"/>
+      </a:effectRef>
+      <a:fontRef idx="minor"/>
+    </dgm:style>
+  </dgm:styleLbl>
+  <dgm:styleLbl name="alignAcc1">
+    <dgm:scene3d>
+      <a:camera prst="orthographicFront"/>
+      <a:lightRig rig="threePt" dir="t"/>
+    </dgm:scene3d>
+    <dgm:sp3d/>
+    <dgm:txPr/>
+    <dgm:style>
+      <a:lnRef idx="2">
+        <a:scrgbClr r="0" g="0" b="0"/>
+      </a:lnRef>
+      <a:fillRef idx="1">
+        <a:scrgbClr r="0" g="0" b="0"/>
+      </a:fillRef>
+      <a:effectRef idx="0">
+        <a:scrgbClr r="0" g="0" b="0"/>
+      </a:effectRef>
+      <a:fontRef idx="minor"/>
+    </dgm:style>
+  </dgm:styleLbl>
+  <dgm:styleLbl name="trAlignAcc1">
+    <dgm:scene3d>
+      <a:camera prst="orthographicFront"/>
+      <a:lightRig rig="threePt" dir="t"/>
+    </dgm:scene3d>
+    <dgm:sp3d/>
+    <dgm:txPr/>
+    <dgm:style>
+      <a:lnRef idx="1">
+        <a:scrgbClr r="0" g="0" b="0"/>
+      </a:lnRef>
+      <a:fillRef idx="1">
+        <a:scrgbClr r="0" g="0" b="0"/>
+      </a:fillRef>
+      <a:effectRef idx="0">
+        <a:scrgbClr r="0" g="0" b="0"/>
+      </a:effectRef>
+      <a:fontRef idx="minor"/>
+    </dgm:style>
+  </dgm:styleLbl>
+  <dgm:styleLbl name="bgAcc1">
+    <dgm:scene3d>
+      <a:camera prst="orthographicFront"/>
+      <a:lightRig rig="threePt" dir="t"/>
+    </dgm:scene3d>
+    <dgm:sp3d/>
+    <dgm:txPr/>
+    <dgm:style>
+      <a:lnRef idx="2">
+        <a:scrgbClr r="0" g="0" b="0"/>
+      </a:lnRef>
+      <a:fillRef idx="1">
+        <a:scrgbClr r="0" g="0" b="0"/>
+      </a:fillRef>
+      <a:effectRef idx="0">
+        <a:scrgbClr r="0" g="0" b="0"/>
+      </a:effectRef>
+      <a:fontRef idx="minor"/>
+    </dgm:style>
+  </dgm:styleLbl>
+  <dgm:styleLbl name="solidFgAcc1">
+    <dgm:scene3d>
+      <a:camera prst="orthographicFront"/>
+      <a:lightRig rig="threePt" dir="t"/>
+    </dgm:scene3d>
+    <dgm:sp3d/>
+    <dgm:txPr/>
+    <dgm:style>
+      <a:lnRef idx="2">
+        <a:scrgbClr r="0" g="0" b="0"/>
+      </a:lnRef>
+      <a:fillRef idx="1">
+        <a:scrgbClr r="0" g="0" b="0"/>
+      </a:fillRef>
+      <a:effectRef idx="0">
+        <a:scrgbClr r="0" g="0" b="0"/>
+      </a:effectRef>
+      <a:fontRef idx="minor"/>
+    </dgm:style>
+  </dgm:styleLbl>
+  <dgm:styleLbl name="solidAlignAcc1">
+    <dgm:scene3d>
+      <a:camera prst="orthographicFront"/>
+      <a:lightRig rig="threePt" dir="t"/>
+    </dgm:scene3d>
+    <dgm:sp3d/>
+    <dgm:txPr/>
+    <dgm:style>
+      <a:lnRef idx="2">
+        <a:scrgbClr r="0" g="0" b="0"/>
+      </a:lnRef>
+      <a:fillRef idx="1">
+        <a:scrgbClr r="0" g="0" b="0"/>
+      </a:fillRef>
+      <a:effectRef idx="0">
+        <a:scrgbClr r="0" g="0" b="0"/>
+      </a:effectRef>
+      <a:fontRef idx="minor"/>
+    </dgm:style>
+  </dgm:styleLbl>
+  <dgm:styleLbl name="solidBgAcc1">
+    <dgm:scene3d>
+      <a:camera prst="orthographicFront"/>
+      <a:lightRig rig="threePt" dir="t"/>
+    </dgm:scene3d>
+    <dgm:sp3d/>
+    <dgm:txPr/>
+    <dgm:style>
+      <a:lnRef idx="2">
+        <a:scrgbClr r="0" g="0" b="0"/>
+      </a:lnRef>
+      <a:fillRef idx="1">
+        <a:scrgbClr r="0" g="0" b="0"/>
+      </a:fillRef>
+      <a:effectRef idx="0">
+        <a:scrgbClr r="0" g="0" b="0"/>
+      </a:effectRef>
+      <a:fontRef idx="minor"/>
+    </dgm:style>
+  </dgm:styleLbl>
+  <dgm:styleLbl name="fgAccFollowNode1">
+    <dgm:scene3d>
+      <a:camera prst="orthographicFront"/>
+      <a:lightRig rig="threePt" dir="t"/>
+    </dgm:scene3d>
+    <dgm:sp3d/>
+    <dgm:txPr/>
+    <dgm:style>
+      <a:lnRef idx="2">
+        <a:scrgbClr r="0" g="0" b="0"/>
+      </a:lnRef>
+      <a:fillRef idx="1">
+        <a:scrgbClr r="0" g="0" b="0"/>
+      </a:fillRef>
+      <a:effectRef idx="0">
+        <a:scrgbClr r="0" g="0" b="0"/>
+      </a:effectRef>
+      <a:fontRef idx="minor"/>
+    </dgm:style>
+  </dgm:styleLbl>
+  <dgm:styleLbl name="alignAccFollowNode1">
+    <dgm:scene3d>
+      <a:camera prst="orthographicFront"/>
+      <a:lightRig rig="threePt" dir="t"/>
+    </dgm:scene3d>
+    <dgm:sp3d/>
+    <dgm:txPr/>
+    <dgm:style>
+      <a:lnRef idx="2">
+        <a:scrgbClr r="0" g="0" b="0"/>
+      </a:lnRef>
+      <a:fillRef idx="1">
+        <a:scrgbClr r="0" g="0" b="0"/>
+      </a:fillRef>
+      <a:effectRef idx="0">
+        <a:scrgbClr r="0" g="0" b="0"/>
+      </a:effectRef>
+      <a:fontRef idx="minor"/>
+    </dgm:style>
+  </dgm:styleLbl>
+  <dgm:styleLbl name="bgAccFollowNode1">
+    <dgm:scene3d>
+      <a:camera prst="orthographicFront"/>
+      <a:lightRig rig="threePt" dir="t"/>
+    </dgm:scene3d>
+    <dgm:sp3d/>
+    <dgm:txPr/>
+    <dgm:style>
+      <a:lnRef idx="2">
+        <a:scrgbClr r="0" g="0" b="0"/>
+      </a:lnRef>
+      <a:fillRef idx="1">
+        <a:scrgbClr r="0" g="0" b="0"/>
+      </a:fillRef>
+      <a:effectRef idx="0">
+        <a:scrgbClr r="0" g="0" b="0"/>
+      </a:effectRef>
+      <a:fontRef idx="minor"/>
+    </dgm:style>
+  </dgm:styleLbl>
+  <dgm:styleLbl name="fgAcc0">
+    <dgm:scene3d>
+      <a:camera prst="orthographicFront"/>
+      <a:lightRig rig="threePt" dir="t"/>
+    </dgm:scene3d>
+    <dgm:sp3d/>
+    <dgm:txPr/>
+    <dgm:style>
+      <a:lnRef idx="2">
+        <a:scrgbClr r="0" g="0" b="0"/>
+      </a:lnRef>
+      <a:fillRef idx="1">
+        <a:scrgbClr r="0" g="0" b="0"/>
+      </a:fillRef>
+      <a:effectRef idx="0">
+        <a:scrgbClr r="0" g="0" b="0"/>
+      </a:effectRef>
+      <a:fontRef idx="minor"/>
+    </dgm:style>
+  </dgm:styleLbl>
+  <dgm:styleLbl name="fgAcc2">
+    <dgm:scene3d>
+      <a:camera prst="orthographicFront"/>
+      <a:lightRig rig="threePt" dir="t"/>
+    </dgm:scene3d>
+    <dgm:sp3d/>
+    <dgm:txPr/>
+    <dgm:style>
+      <a:lnRef idx="2">
+        <a:scrgbClr r="0" g="0" b="0"/>
+      </a:lnRef>
+      <a:fillRef idx="1">
+        <a:scrgbClr r="0" g="0" b="0"/>
+      </a:fillRef>
+      <a:effectRef idx="0">
+        <a:scrgbClr r="0" g="0" b="0"/>
+      </a:effectRef>
+      <a:fontRef idx="minor"/>
+    </dgm:style>
+  </dgm:styleLbl>
+  <dgm:styleLbl name="fgAcc3">
+    <dgm:scene3d>
+      <a:camera prst="orthographicFront"/>
+      <a:lightRig rig="threePt" dir="t"/>
+    </dgm:scene3d>
+    <dgm:sp3d/>
+    <dgm:txPr/>
+    <dgm:style>
+      <a:lnRef idx="2">
+        <a:scrgbClr r="0" g="0" b="0"/>
+      </a:lnRef>
+      <a:fillRef idx="1">
+        <a:scrgbClr r="0" g="0" b="0"/>
+      </a:fillRef>
+      <a:effectRef idx="0">
+        <a:scrgbClr r="0" g="0" b="0"/>
+      </a:effectRef>
+      <a:fontRef idx="minor"/>
+    </dgm:style>
+  </dgm:styleLbl>
+  <dgm:styleLbl name="fgAcc4">
+    <dgm:scene3d>
+      <a:camera prst="orthographicFront"/>
+      <a:lightRig rig="threePt" dir="t"/>
+    </dgm:scene3d>
+    <dgm:sp3d/>
+    <dgm:txPr/>
+    <dgm:style>
+      <a:lnRef idx="2">
+        <a:scrgbClr r="0" g="0" b="0"/>
+      </a:lnRef>
+      <a:fillRef idx="1">
+        <a:scrgbClr r="0" g="0" b="0"/>
+      </a:fillRef>
+      <a:effectRef idx="0">
+        <a:scrgbClr r="0" g="0" b="0"/>
+      </a:effectRef>
+      <a:fontRef idx="minor"/>
+    </dgm:style>
+  </dgm:styleLbl>
+  <dgm:styleLbl name="bgShp">
+    <dgm:scene3d>
+      <a:camera prst="orthographicFront"/>
+      <a:lightRig rig="threePt" dir="t"/>
+    </dgm:scene3d>
+    <dgm:sp3d/>
+    <dgm:txPr/>
+    <dgm:style>
+      <a:lnRef idx="0">
+        <a:scrgbClr r="0" g="0" b="0"/>
+      </a:lnRef>
+      <a:fillRef idx="1">
+        <a:scrgbClr r="0" g="0" b="0"/>
+      </a:fillRef>
+      <a:effectRef idx="0">
+        <a:scrgbClr r="0" g="0" b="0"/>
+      </a:effectRef>
+      <a:fontRef idx="minor"/>
+    </dgm:style>
+  </dgm:styleLbl>
+  <dgm:styleLbl name="dkBgShp">
+    <dgm:scene3d>
+      <a:camera prst="orthographicFront"/>
+      <a:lightRig rig="threePt" dir="t"/>
+    </dgm:scene3d>
+    <dgm:sp3d/>
+    <dgm:txPr/>
+    <dgm:style>
+      <a:lnRef idx="0">
+        <a:scrgbClr r="0" g="0" b="0"/>
+      </a:lnRef>
+      <a:fillRef idx="1">
+        <a:scrgbClr r="0" g="0" b="0"/>
+      </a:fillRef>
+      <a:effectRef idx="0">
+        <a:scrgbClr r="0" g="0" b="0"/>
+      </a:effectRef>
+      <a:fontRef idx="minor"/>
+    </dgm:style>
+  </dgm:styleLbl>
+  <dgm:styleLbl name="trBgShp">
+    <dgm:scene3d>
+      <a:camera prst="orthographicFront"/>
+      <a:lightRig rig="threePt" dir="t"/>
+    </dgm:scene3d>
+    <dgm:sp3d/>
+    <dgm:txPr/>
+    <dgm:style>
+      <a:lnRef idx="0">
+        <a:scrgbClr r="0" g="0" b="0"/>
+      </a:lnRef>
+      <a:fillRef idx="1">
+        <a:scrgbClr r="0" g="0" b="0"/>
+      </a:fillRef>
+      <a:effectRef idx="0">
+        <a:scrgbClr r="0" g="0" b="0"/>
+      </a:effectRef>
+      <a:fontRef idx="minor"/>
+    </dgm:style>
+  </dgm:styleLbl>
+  <dgm:styleLbl name="fgShp">
+    <dgm:scene3d>
+      <a:camera prst="orthographicFront"/>
+      <a:lightRig rig="threePt" dir="t"/>
+    </dgm:scene3d>
+    <dgm:sp3d/>
+    <dgm:txPr/>
+    <dgm:style>
+      <a:lnRef idx="2">
+        <a:scrgbClr r="0" g="0" b="0"/>
+      </a:lnRef>
+      <a:fillRef idx="1">
+        <a:scrgbClr r="0" g="0" b="0"/>
+      </a:fillRef>
+      <a:effectRef idx="0">
+        <a:scrgbClr r="0" g="0" b="0"/>
+      </a:effectRef>
+      <a:fontRef idx="minor"/>
+    </dgm:style>
+  </dgm:styleLbl>
+  <dgm:styleLbl name="revTx">
+    <dgm:scene3d>
+      <a:camera prst="orthographicFront"/>
+      <a:lightRig rig="threePt" dir="t"/>
+    </dgm:scene3d>
+    <dgm:sp3d/>
+    <dgm:txPr/>
+    <dgm:style>
+      <a:lnRef idx="0">
+        <a:scrgbClr r="0" g="0" b="0"/>
+      </a:lnRef>
+      <a:fillRef idx="0">
+        <a:scrgbClr r="0" g="0" b="0"/>
+      </a:fillRef>
+      <a:effectRef idx="0">
+        <a:scrgbClr r="0" g="0" b="0"/>
+      </a:effectRef>
+      <a:fontRef idx="minor"/>
+    </dgm:style>
+  </dgm:styleLbl>
+</dgm:styleDef>
 </file>
 
 <file path=ppt/slideLayouts/slideLayout1.xml><?xml version="1.0" encoding="utf-8"?>
@@ -310,7 +3595,7 @@
             <a:fld id="{B61BEF0D-F0BB-DE4B-95CE-6DB70DBA9567}" type="datetimeFigureOut">
               <a:rPr lang="en-US" dirty="0"/>
               <a:pPr/>
-              <a:t>9/10/2019</a:t>
+              <a:t>10/21/2019</a:t>
             </a:fld>
             <a:endParaRPr lang="en-US" dirty="0"/>
           </a:p>
@@ -645,7 +3930,7 @@
             <a:fld id="{B61BEF0D-F0BB-DE4B-95CE-6DB70DBA9567}" type="datetimeFigureOut">
               <a:rPr lang="en-US" dirty="0"/>
               <a:pPr/>
-              <a:t>9/10/2019</a:t>
+              <a:t>10/21/2019</a:t>
             </a:fld>
             <a:endParaRPr lang="en-US" dirty="0"/>
           </a:p>
@@ -1043,7 +4328,7 @@
             <a:fld id="{B61BEF0D-F0BB-DE4B-95CE-6DB70DBA9567}" type="datetimeFigureOut">
               <a:rPr lang="en-US" dirty="0"/>
               <a:pPr/>
-              <a:t>9/10/2019</a:t>
+              <a:t>10/21/2019</a:t>
             </a:fld>
             <a:endParaRPr lang="en-US" dirty="0"/>
           </a:p>
@@ -1376,7 +4661,7 @@
             <a:fld id="{B61BEF0D-F0BB-DE4B-95CE-6DB70DBA9567}" type="datetimeFigureOut">
               <a:rPr lang="en-US" dirty="0"/>
               <a:pPr/>
-              <a:t>9/10/2019</a:t>
+              <a:t>10/21/2019</a:t>
             </a:fld>
             <a:endParaRPr lang="en-US" dirty="0"/>
           </a:p>
@@ -1693,7 +4978,7 @@
             <a:fld id="{B61BEF0D-F0BB-DE4B-95CE-6DB70DBA9567}" type="datetimeFigureOut">
               <a:rPr lang="en-US" dirty="0"/>
               <a:pPr/>
-              <a:t>9/10/2019</a:t>
+              <a:t>10/21/2019</a:t>
             </a:fld>
             <a:endParaRPr lang="en-US" dirty="0"/>
           </a:p>
@@ -2086,7 +5371,7 @@
             <a:fld id="{B61BEF0D-F0BB-DE4B-95CE-6DB70DBA9567}" type="datetimeFigureOut">
               <a:rPr lang="en-US" dirty="0"/>
               <a:pPr/>
-              <a:t>9/10/2019</a:t>
+              <a:t>10/21/2019</a:t>
             </a:fld>
             <a:endParaRPr lang="en-US" dirty="0"/>
           </a:p>
@@ -2340,7 +5625,7 @@
             <a:fld id="{B61BEF0D-F0BB-DE4B-95CE-6DB70DBA9567}" type="datetimeFigureOut">
               <a:rPr lang="en-US" dirty="0"/>
               <a:pPr/>
-              <a:t>9/10/2019</a:t>
+              <a:t>10/21/2019</a:t>
             </a:fld>
             <a:endParaRPr lang="en-US" dirty="0"/>
           </a:p>
@@ -2599,7 +5884,7 @@
             <a:fld id="{B61BEF0D-F0BB-DE4B-95CE-6DB70DBA9567}" type="datetimeFigureOut">
               <a:rPr lang="en-US" dirty="0"/>
               <a:pPr/>
-              <a:t>9/10/2019</a:t>
+              <a:t>10/21/2019</a:t>
             </a:fld>
             <a:endParaRPr lang="en-US" dirty="0"/>
           </a:p>
@@ -2858,7 +6143,7 @@
             <a:fld id="{B61BEF0D-F0BB-DE4B-95CE-6DB70DBA9567}" type="datetimeFigureOut">
               <a:rPr lang="en-US" dirty="0"/>
               <a:pPr/>
-              <a:t>9/10/2019</a:t>
+              <a:t>10/21/2019</a:t>
             </a:fld>
             <a:endParaRPr lang="en-US" dirty="0"/>
           </a:p>
@@ -3184,7 +6469,7 @@
             <a:fld id="{B61BEF0D-F0BB-DE4B-95CE-6DB70DBA9567}" type="datetimeFigureOut">
               <a:rPr lang="en-US" dirty="0"/>
               <a:pPr/>
-              <a:t>9/10/2019</a:t>
+              <a:t>10/21/2019</a:t>
             </a:fld>
             <a:endParaRPr lang="en-US" dirty="0"/>
           </a:p>
@@ -3504,7 +6789,7 @@
             <a:fld id="{B61BEF0D-F0BB-DE4B-95CE-6DB70DBA9567}" type="datetimeFigureOut">
               <a:rPr lang="en-US" dirty="0"/>
               <a:pPr/>
-              <a:t>9/10/2019</a:t>
+              <a:t>10/21/2019</a:t>
             </a:fld>
             <a:endParaRPr lang="en-US" dirty="0"/>
           </a:p>
@@ -3958,7 +7243,7 @@
             <a:fld id="{B61BEF0D-F0BB-DE4B-95CE-6DB70DBA9567}" type="datetimeFigureOut">
               <a:rPr lang="en-US" dirty="0"/>
               <a:pPr/>
-              <a:t>9/10/2019</a:t>
+              <a:t>10/21/2019</a:t>
             </a:fld>
             <a:endParaRPr lang="en-US" dirty="0"/>
           </a:p>
@@ -4160,7 +7445,7 @@
             <a:fld id="{B61BEF0D-F0BB-DE4B-95CE-6DB70DBA9567}" type="datetimeFigureOut">
               <a:rPr lang="en-US" dirty="0"/>
               <a:pPr/>
-              <a:t>9/10/2019</a:t>
+              <a:t>10/21/2019</a:t>
             </a:fld>
             <a:endParaRPr lang="en-US" dirty="0"/>
           </a:p>
@@ -4334,7 +7619,7 @@
             <a:fld id="{B61BEF0D-F0BB-DE4B-95CE-6DB70DBA9567}" type="datetimeFigureOut">
               <a:rPr lang="en-US" dirty="0"/>
               <a:pPr/>
-              <a:t>9/10/2019</a:t>
+              <a:t>10/21/2019</a:t>
             </a:fld>
             <a:endParaRPr lang="en-US" dirty="0"/>
           </a:p>
@@ -4664,7 +7949,7 @@
             <a:fld id="{B61BEF0D-F0BB-DE4B-95CE-6DB70DBA9567}" type="datetimeFigureOut">
               <a:rPr lang="en-US" dirty="0"/>
               <a:pPr/>
-              <a:t>9/10/2019</a:t>
+              <a:t>10/21/2019</a:t>
             </a:fld>
             <a:endParaRPr lang="en-US" dirty="0"/>
           </a:p>
@@ -5006,7 +8291,7 @@
             <a:fld id="{B61BEF0D-F0BB-DE4B-95CE-6DB70DBA9567}" type="datetimeFigureOut">
               <a:rPr lang="en-US" dirty="0"/>
               <a:pPr/>
-              <a:t>9/10/2019</a:t>
+              <a:t>10/21/2019</a:t>
             </a:fld>
             <a:endParaRPr lang="en-US" dirty="0"/>
           </a:p>
@@ -7120,7 +10405,7 @@
             <a:fld id="{B61BEF0D-F0BB-DE4B-95CE-6DB70DBA9567}" type="datetimeFigureOut">
               <a:rPr lang="en-US" dirty="0"/>
               <a:pPr/>
-              <a:t>9/10/2019</a:t>
+              <a:t>10/21/2019</a:t>
             </a:fld>
             <a:endParaRPr lang="en-US" dirty="0"/>
           </a:p>
@@ -7662,7 +10947,7 @@
                 <a:latin typeface="Times New Roman" panose="02020603050405020304" pitchFamily="18" charset="0"/>
                 <a:cs typeface="Times New Roman" panose="02020603050405020304" pitchFamily="18" charset="0"/>
               </a:rPr>
-              <a:t>FEEDYBACK</a:t>
+              <a:t>BULK EMAIL AGGREGATOR</a:t>
             </a:r>
             <a:endParaRPr lang="en-IN" sz="4400" dirty="0">
               <a:latin typeface="Times New Roman" panose="02020603050405020304" pitchFamily="18" charset="0"/>
@@ -7781,23 +11066,7 @@
                   <a:schemeClr val="tx1"/>
                 </a:solidFill>
               </a:rPr>
-              <a:t> </a:t>
-            </a:r>
-            <a:r>
-              <a:rPr lang="en-IN" sz="2000" dirty="0" smtClean="0">
-                <a:solidFill>
-                  <a:schemeClr val="tx1"/>
-                </a:solidFill>
-              </a:rPr>
-              <a:t>Chairperson</a:t>
-            </a:r>
-            <a:r>
-              <a:rPr lang="en-IN" sz="2000" dirty="0" smtClean="0">
-                <a:solidFill>
-                  <a:schemeClr val="tx1"/>
-                </a:solidFill>
-              </a:rPr>
-              <a:t>, Dept. of CA					</a:t>
+              <a:t> Chairperson, Dept. of CA					</a:t>
             </a:r>
             <a:r>
               <a:rPr lang="en-IN" sz="2000" dirty="0" err="1" smtClean="0">
@@ -7847,23 +11116,7 @@
                   <a:schemeClr val="tx1"/>
                 </a:solidFill>
               </a:rPr>
-              <a:t>		   </a:t>
-            </a:r>
-            <a:r>
-              <a:rPr lang="en-IN" sz="2000" dirty="0" smtClean="0">
-                <a:solidFill>
-                  <a:schemeClr val="tx1"/>
-                </a:solidFill>
-              </a:rPr>
-              <a:t>  PES </a:t>
-            </a:r>
-            <a:r>
-              <a:rPr lang="en-IN" sz="2000" dirty="0" smtClean="0">
-                <a:solidFill>
-                  <a:schemeClr val="tx1"/>
-                </a:solidFill>
-              </a:rPr>
-              <a:t>University								</a:t>
+              <a:t>		     PES University								</a:t>
             </a:r>
             <a:r>
               <a:rPr lang="en-IN" sz="2000" dirty="0" err="1" smtClean="0">
@@ -7879,15 +11132,7 @@
                   <a:schemeClr val="tx1"/>
                 </a:solidFill>
               </a:rPr>
-              <a:t> </a:t>
-            </a:r>
-            <a:r>
-              <a:rPr lang="en-IN" sz="2000" dirty="0" smtClean="0">
-                <a:solidFill>
-                  <a:schemeClr val="tx1"/>
-                </a:solidFill>
-              </a:rPr>
-              <a:t>Singh – PES1201801830</a:t>
+              <a:t> Singh – PES1201801830</a:t>
             </a:r>
             <a:endParaRPr lang="en-IN" sz="2000" dirty="0">
               <a:solidFill>
@@ -7907,6 +11152,13 @@
   <p:clrMapOvr>
     <a:masterClrMapping/>
   </p:clrMapOvr>
+  <p:timing>
+    <p:tnLst>
+      <p:par>
+        <p:cTn id="1" dur="indefinite" restart="never" nodeType="tmRoot"/>
+      </p:par>
+    </p:tnLst>
+  </p:timing>
 </p:sld>
 </file>
 
@@ -7929,6 +11181,443 @@
       </p:grpSpPr>
       <p:sp>
         <p:nvSpPr>
+          <p:cNvPr id="2" name="Title 1"/>
+          <p:cNvSpPr>
+            <a:spLocks noGrp="1"/>
+          </p:cNvSpPr>
+          <p:nvPr>
+            <p:ph type="title"/>
+          </p:nvPr>
+        </p:nvSpPr>
+        <p:spPr>
+          <a:xfrm>
+            <a:off x="1785818" y="380269"/>
+            <a:ext cx="8641131" cy="804096"/>
+          </a:xfrm>
+        </p:spPr>
+        <p:txBody>
+          <a:bodyPr/>
+          <a:lstStyle/>
+          <a:p>
+            <a:r>
+              <a:rPr lang="en-IN" b="1" dirty="0" smtClean="0">
+                <a:latin typeface="Times New Roman" panose="02020603050405020304" pitchFamily="18" charset="0"/>
+                <a:cs typeface="Times New Roman" panose="02020603050405020304" pitchFamily="18" charset="0"/>
+              </a:rPr>
+              <a:t>NON – FUNCTIONAL REQUIREMENTS</a:t>
+            </a:r>
+            <a:endParaRPr lang="en-IN" b="1" dirty="0">
+              <a:latin typeface="Times New Roman" panose="02020603050405020304" pitchFamily="18" charset="0"/>
+              <a:cs typeface="Times New Roman" panose="02020603050405020304" pitchFamily="18" charset="0"/>
+            </a:endParaRPr>
+          </a:p>
+        </p:txBody>
+      </p:sp>
+      <p:sp>
+        <p:nvSpPr>
+          <p:cNvPr id="3" name="Content Placeholder 2"/>
+          <p:cNvSpPr>
+            <a:spLocks noGrp="1"/>
+          </p:cNvSpPr>
+          <p:nvPr>
+            <p:ph idx="1"/>
+          </p:nvPr>
+        </p:nvSpPr>
+        <p:spPr>
+          <a:xfrm>
+            <a:off x="1648684" y="1898468"/>
+            <a:ext cx="8915400" cy="2307772"/>
+          </a:xfrm>
+        </p:spPr>
+        <p:txBody>
+          <a:bodyPr>
+            <a:noAutofit/>
+          </a:bodyPr>
+          <a:lstStyle/>
+          <a:p>
+            <a:r>
+              <a:rPr lang="en-IN" sz="2800" dirty="0" smtClean="0">
+                <a:latin typeface="Times New Roman" panose="02020603050405020304" pitchFamily="18" charset="0"/>
+                <a:cs typeface="Times New Roman" panose="02020603050405020304" pitchFamily="18" charset="0"/>
+              </a:rPr>
+              <a:t>Availability</a:t>
+            </a:r>
+          </a:p>
+          <a:p>
+            <a:r>
+              <a:rPr lang="en-IN" sz="2800" dirty="0" smtClean="0">
+                <a:latin typeface="Times New Roman" panose="02020603050405020304" pitchFamily="18" charset="0"/>
+                <a:cs typeface="Times New Roman" panose="02020603050405020304" pitchFamily="18" charset="0"/>
+              </a:rPr>
+              <a:t>Maintainability</a:t>
+            </a:r>
+          </a:p>
+          <a:p>
+            <a:r>
+              <a:rPr lang="en-IN" sz="2800" dirty="0" smtClean="0">
+                <a:latin typeface="Times New Roman" panose="02020603050405020304" pitchFamily="18" charset="0"/>
+                <a:cs typeface="Times New Roman" panose="02020603050405020304" pitchFamily="18" charset="0"/>
+              </a:rPr>
+              <a:t>Performance</a:t>
+            </a:r>
+          </a:p>
+          <a:p>
+            <a:r>
+              <a:rPr lang="en-IN" sz="2800" dirty="0" smtClean="0">
+                <a:latin typeface="Times New Roman" panose="02020603050405020304" pitchFamily="18" charset="0"/>
+                <a:cs typeface="Times New Roman" panose="02020603050405020304" pitchFamily="18" charset="0"/>
+              </a:rPr>
+              <a:t>Simplicity</a:t>
+            </a:r>
+          </a:p>
+          <a:p>
+            <a:endParaRPr lang="en-IN" sz="2800" dirty="0">
+              <a:latin typeface="Times New Roman" panose="02020603050405020304" pitchFamily="18" charset="0"/>
+              <a:cs typeface="Times New Roman" panose="02020603050405020304" pitchFamily="18" charset="0"/>
+            </a:endParaRPr>
+          </a:p>
+        </p:txBody>
+      </p:sp>
+    </p:spTree>
+    <p:extLst>
+      <p:ext uri="{BB962C8B-B14F-4D97-AF65-F5344CB8AC3E}">
+        <p14:creationId xmlns:p14="http://schemas.microsoft.com/office/powerpoint/2010/main" val="129223238"/>
+      </p:ext>
+    </p:extLst>
+  </p:cSld>
+  <p:clrMapOvr>
+    <a:masterClrMapping/>
+  </p:clrMapOvr>
+  <p:timing>
+    <p:tnLst>
+      <p:par>
+        <p:cTn id="1" dur="indefinite" restart="never" nodeType="tmRoot"/>
+      </p:par>
+    </p:tnLst>
+  </p:timing>
+</p:sld>
+</file>
+
+<file path=ppt/slides/slide11.xml><?xml version="1.0" encoding="utf-8"?>
+<p:sld xmlns:a="http://schemas.openxmlformats.org/drawingml/2006/main" xmlns:r="http://schemas.openxmlformats.org/officeDocument/2006/relationships" xmlns:p="http://schemas.openxmlformats.org/presentationml/2006/main">
+  <p:cSld>
+    <p:spTree>
+      <p:nvGrpSpPr>
+        <p:cNvPr id="1" name=""/>
+        <p:cNvGrpSpPr/>
+        <p:nvPr/>
+      </p:nvGrpSpPr>
+      <p:grpSpPr>
+        <a:xfrm>
+          <a:off x="0" y="0"/>
+          <a:ext cx="0" cy="0"/>
+          <a:chOff x="0" y="0"/>
+          <a:chExt cx="0" cy="0"/>
+        </a:xfrm>
+      </p:grpSpPr>
+      <p:sp>
+        <p:nvSpPr>
+          <p:cNvPr id="2" name="Title 1"/>
+          <p:cNvSpPr>
+            <a:spLocks noGrp="1"/>
+          </p:cNvSpPr>
+          <p:nvPr>
+            <p:ph type="title"/>
+          </p:nvPr>
+        </p:nvSpPr>
+        <p:spPr>
+          <a:xfrm>
+            <a:off x="1678525" y="310600"/>
+            <a:ext cx="8911687" cy="838930"/>
+          </a:xfrm>
+        </p:spPr>
+        <p:txBody>
+          <a:bodyPr/>
+          <a:lstStyle/>
+          <a:p>
+            <a:pPr algn="ctr"/>
+            <a:r>
+              <a:rPr lang="en-US" b="1" dirty="0" smtClean="0"/>
+              <a:t>HERE the live deployment of Web App</a:t>
+            </a:r>
+            <a:endParaRPr lang="en-US" b="1" dirty="0"/>
+          </a:p>
+        </p:txBody>
+      </p:sp>
+      <p:sp>
+        <p:nvSpPr>
+          <p:cNvPr id="3" name="Content Placeholder 2"/>
+          <p:cNvSpPr>
+            <a:spLocks noGrp="1"/>
+          </p:cNvSpPr>
+          <p:nvPr>
+            <p:ph idx="1"/>
+          </p:nvPr>
+        </p:nvSpPr>
+        <p:spPr>
+          <a:xfrm>
+            <a:off x="1814150" y="3348447"/>
+            <a:ext cx="8915400" cy="400594"/>
+          </a:xfrm>
+        </p:spPr>
+        <p:txBody>
+          <a:bodyPr/>
+          <a:lstStyle/>
+          <a:p>
+            <a:pPr algn="ctr">
+              <a:buNone/>
+            </a:pPr>
+            <a:r>
+              <a:rPr lang="en-US" dirty="0" smtClean="0">
+                <a:hlinkClick r:id="rId2"/>
+              </a:rPr>
+              <a:t>https://sheltered-reef-50053.herokuapp.com</a:t>
+            </a:r>
+            <a:endParaRPr lang="en-US" dirty="0"/>
+          </a:p>
+        </p:txBody>
+      </p:sp>
+    </p:spTree>
+  </p:cSld>
+  <p:clrMapOvr>
+    <a:masterClrMapping/>
+  </p:clrMapOvr>
+  <p:timing>
+    <p:tnLst>
+      <p:par>
+        <p:cTn id="1" dur="indefinite" restart="never" nodeType="tmRoot"/>
+      </p:par>
+    </p:tnLst>
+  </p:timing>
+</p:sld>
+</file>
+
+<file path=ppt/slides/slide12.xml><?xml version="1.0" encoding="utf-8"?>
+<p:sld xmlns:a="http://schemas.openxmlformats.org/drawingml/2006/main" xmlns:r="http://schemas.openxmlformats.org/officeDocument/2006/relationships" xmlns:p="http://schemas.openxmlformats.org/presentationml/2006/main">
+  <p:cSld>
+    <p:spTree>
+      <p:nvGrpSpPr>
+        <p:cNvPr id="1" name=""/>
+        <p:cNvGrpSpPr/>
+        <p:nvPr/>
+      </p:nvGrpSpPr>
+      <p:grpSpPr>
+        <a:xfrm>
+          <a:off x="0" y="0"/>
+          <a:ext cx="0" cy="0"/>
+          <a:chOff x="0" y="0"/>
+          <a:chExt cx="0" cy="0"/>
+        </a:xfrm>
+      </p:grpSpPr>
+      <p:sp>
+        <p:nvSpPr>
+          <p:cNvPr id="2" name="Title 1"/>
+          <p:cNvSpPr>
+            <a:spLocks noGrp="1"/>
+          </p:cNvSpPr>
+          <p:nvPr>
+            <p:ph type="title"/>
+          </p:nvPr>
+        </p:nvSpPr>
+        <p:spPr>
+          <a:xfrm>
+            <a:off x="5104605" y="267058"/>
+            <a:ext cx="2264818" cy="708301"/>
+          </a:xfrm>
+        </p:spPr>
+        <p:txBody>
+          <a:bodyPr>
+            <a:normAutofit/>
+          </a:bodyPr>
+          <a:lstStyle/>
+          <a:p>
+            <a:pPr algn="ctr"/>
+            <a:r>
+              <a:rPr lang="en-IN" b="1" dirty="0" smtClean="0">
+                <a:latin typeface="Times New Roman" panose="02020603050405020304" pitchFamily="18" charset="0"/>
+                <a:cs typeface="Times New Roman" panose="02020603050405020304" pitchFamily="18" charset="0"/>
+              </a:rPr>
+              <a:t>USERS</a:t>
+            </a:r>
+            <a:endParaRPr lang="en-IN" b="1" dirty="0">
+              <a:latin typeface="Times New Roman" panose="02020603050405020304" pitchFamily="18" charset="0"/>
+              <a:cs typeface="Times New Roman" panose="02020603050405020304" pitchFamily="18" charset="0"/>
+            </a:endParaRPr>
+          </a:p>
+        </p:txBody>
+      </p:sp>
+      <p:sp>
+        <p:nvSpPr>
+          <p:cNvPr id="3" name="Content Placeholder 2"/>
+          <p:cNvSpPr>
+            <a:spLocks noGrp="1"/>
+          </p:cNvSpPr>
+          <p:nvPr>
+            <p:ph idx="1"/>
+          </p:nvPr>
+        </p:nvSpPr>
+        <p:spPr>
+          <a:xfrm>
+            <a:off x="1779314" y="2473234"/>
+            <a:ext cx="8915400" cy="1628504"/>
+          </a:xfrm>
+        </p:spPr>
+        <p:txBody>
+          <a:bodyPr>
+            <a:normAutofit/>
+          </a:bodyPr>
+          <a:lstStyle/>
+          <a:p>
+            <a:r>
+              <a:rPr lang="en-IN" sz="2800" dirty="0" smtClean="0">
+                <a:latin typeface="Times New Roman" panose="02020603050405020304" pitchFamily="18" charset="0"/>
+                <a:cs typeface="Times New Roman" panose="02020603050405020304" pitchFamily="18" charset="0"/>
+              </a:rPr>
+              <a:t>CRM</a:t>
+            </a:r>
+          </a:p>
+          <a:p>
+            <a:r>
+              <a:rPr lang="en-IN" sz="2800" dirty="0" smtClean="0">
+                <a:latin typeface="Times New Roman" panose="02020603050405020304" pitchFamily="18" charset="0"/>
+                <a:cs typeface="Times New Roman" panose="02020603050405020304" pitchFamily="18" charset="0"/>
+              </a:rPr>
+              <a:t>Customers who buys products from different electronic companies.</a:t>
+            </a:r>
+            <a:endParaRPr lang="en-IN" sz="2800" dirty="0">
+              <a:latin typeface="Times New Roman" panose="02020603050405020304" pitchFamily="18" charset="0"/>
+              <a:cs typeface="Times New Roman" panose="02020603050405020304" pitchFamily="18" charset="0"/>
+            </a:endParaRPr>
+          </a:p>
+        </p:txBody>
+      </p:sp>
+    </p:spTree>
+    <p:extLst>
+      <p:ext uri="{BB962C8B-B14F-4D97-AF65-F5344CB8AC3E}">
+        <p14:creationId xmlns:p14="http://schemas.microsoft.com/office/powerpoint/2010/main" val="3401210128"/>
+      </p:ext>
+    </p:extLst>
+  </p:cSld>
+  <p:clrMapOvr>
+    <a:masterClrMapping/>
+  </p:clrMapOvr>
+  <p:timing>
+    <p:tnLst>
+      <p:par>
+        <p:cTn id="1" dur="indefinite" restart="never" nodeType="tmRoot"/>
+      </p:par>
+    </p:tnLst>
+  </p:timing>
+</p:sld>
+</file>
+
+<file path=ppt/slides/slide13.xml><?xml version="1.0" encoding="utf-8"?>
+<p:sld xmlns:a="http://schemas.openxmlformats.org/drawingml/2006/main" xmlns:r="http://schemas.openxmlformats.org/officeDocument/2006/relationships" xmlns:p="http://schemas.openxmlformats.org/presentationml/2006/main">
+  <p:cSld>
+    <p:spTree>
+      <p:nvGrpSpPr>
+        <p:cNvPr id="1" name=""/>
+        <p:cNvGrpSpPr/>
+        <p:nvPr/>
+      </p:nvGrpSpPr>
+      <p:grpSpPr>
+        <a:xfrm>
+          <a:off x="0" y="0"/>
+          <a:ext cx="0" cy="0"/>
+          <a:chOff x="0" y="0"/>
+          <a:chExt cx="0" cy="0"/>
+        </a:xfrm>
+      </p:grpSpPr>
+      <p:sp>
+        <p:nvSpPr>
+          <p:cNvPr id="2" name="Title 1"/>
+          <p:cNvSpPr>
+            <a:spLocks noGrp="1"/>
+          </p:cNvSpPr>
+          <p:nvPr>
+            <p:ph type="title"/>
+          </p:nvPr>
+        </p:nvSpPr>
+        <p:spPr>
+          <a:xfrm>
+            <a:off x="4712720" y="293183"/>
+            <a:ext cx="2891835" cy="777970"/>
+          </a:xfrm>
+        </p:spPr>
+        <p:txBody>
+          <a:bodyPr/>
+          <a:lstStyle/>
+          <a:p>
+            <a:pPr algn="ctr"/>
+            <a:r>
+              <a:rPr lang="en-IN" b="1" dirty="0" smtClean="0">
+                <a:latin typeface="Times New Roman" panose="02020603050405020304" pitchFamily="18" charset="0"/>
+                <a:cs typeface="Times New Roman" panose="02020603050405020304" pitchFamily="18" charset="0"/>
+              </a:rPr>
+              <a:t>MODULES</a:t>
+            </a:r>
+            <a:endParaRPr lang="en-IN" b="1" dirty="0">
+              <a:latin typeface="Times New Roman" panose="02020603050405020304" pitchFamily="18" charset="0"/>
+              <a:cs typeface="Times New Roman" panose="02020603050405020304" pitchFamily="18" charset="0"/>
+            </a:endParaRPr>
+          </a:p>
+        </p:txBody>
+      </p:sp>
+      <p:graphicFrame>
+        <p:nvGraphicFramePr>
+          <p:cNvPr id="18" name="Diagram 17"/>
+          <p:cNvGraphicFramePr/>
+          <p:nvPr/>
+        </p:nvGraphicFramePr>
+        <p:xfrm>
+          <a:off x="2685142" y="1319349"/>
+          <a:ext cx="7856583" cy="4374847"/>
+        </p:xfrm>
+        <a:graphic>
+          <a:graphicData uri="http://schemas.openxmlformats.org/drawingml/2006/diagram">
+            <dgm:relIds xmlns:dgm="http://schemas.openxmlformats.org/drawingml/2006/diagram" xmlns:r="http://schemas.openxmlformats.org/officeDocument/2006/relationships" r:dm="rId2" r:lo="rId3" r:qs="rId4" r:cs="rId5"/>
+          </a:graphicData>
+        </a:graphic>
+      </p:graphicFrame>
+    </p:spTree>
+    <p:extLst>
+      <p:ext uri="{BB962C8B-B14F-4D97-AF65-F5344CB8AC3E}">
+        <p14:creationId xmlns:p14="http://schemas.microsoft.com/office/powerpoint/2010/main" val="2216055911"/>
+      </p:ext>
+    </p:extLst>
+  </p:cSld>
+  <p:clrMapOvr>
+    <a:masterClrMapping/>
+  </p:clrMapOvr>
+  <p:timing>
+    <p:tnLst>
+      <p:par>
+        <p:cTn id="1" dur="indefinite" restart="never" nodeType="tmRoot"/>
+      </p:par>
+    </p:tnLst>
+  </p:timing>
+</p:sld>
+</file>
+
+<file path=ppt/slides/slide14.xml><?xml version="1.0" encoding="utf-8"?>
+<p:sld xmlns:a="http://schemas.openxmlformats.org/drawingml/2006/main" xmlns:r="http://schemas.openxmlformats.org/officeDocument/2006/relationships" xmlns:p="http://schemas.openxmlformats.org/presentationml/2006/main">
+  <p:cSld>
+    <p:spTree>
+      <p:nvGrpSpPr>
+        <p:cNvPr id="1" name=""/>
+        <p:cNvGrpSpPr/>
+        <p:nvPr/>
+      </p:nvGrpSpPr>
+      <p:grpSpPr>
+        <a:xfrm>
+          <a:off x="0" y="0"/>
+          <a:ext cx="0" cy="0"/>
+          <a:chOff x="0" y="0"/>
+          <a:chExt cx="0" cy="0"/>
+        </a:xfrm>
+      </p:grpSpPr>
+      <p:sp>
+        <p:nvSpPr>
           <p:cNvPr id="4" name="Rectangle 3"/>
           <p:cNvSpPr/>
           <p:nvPr/>
@@ -7988,6 +11677,13 @@
   <p:clrMapOvr>
     <a:masterClrMapping/>
   </p:clrMapOvr>
+  <p:timing>
+    <p:tnLst>
+      <p:par>
+        <p:cTn id="1" dur="indefinite" restart="never" nodeType="tmRoot"/>
+      </p:par>
+    </p:tnLst>
+  </p:timing>
 </p:sld>
 </file>
 
@@ -8020,7 +11716,7 @@
         </p:nvSpPr>
         <p:spPr>
           <a:xfrm>
-            <a:off x="4336867" y="301893"/>
+            <a:off x="4336866" y="206099"/>
             <a:ext cx="4058783" cy="690884"/>
           </a:xfrm>
         </p:spPr>
@@ -8055,46 +11751,47 @@
         </p:nvSpPr>
         <p:spPr>
           <a:xfrm>
-            <a:off x="1628795" y="2246811"/>
-            <a:ext cx="9474926" cy="2960916"/>
+            <a:off x="1628795" y="1114697"/>
+            <a:ext cx="9474926" cy="5347064"/>
           </a:xfrm>
         </p:spPr>
         <p:txBody>
           <a:bodyPr>
-            <a:normAutofit/>
+            <a:normAutofit fontScale="92500" lnSpcReduction="10000"/>
           </a:bodyPr>
           <a:lstStyle/>
           <a:p>
-            <a:pPr marL="0" indent="0" algn="just">
-              <a:buNone/>
+            <a:pPr marL="514350" indent="-514350" algn="just">
+              <a:buFont typeface="+mj-lt"/>
+              <a:buAutoNum type="arabicPeriod"/>
             </a:pPr>
             <a:r>
               <a:rPr lang="en-IN" sz="2800" dirty="0" smtClean="0">
                 <a:latin typeface="Times New Roman" panose="02020603050405020304" pitchFamily="18" charset="0"/>
                 <a:cs typeface="Times New Roman" panose="02020603050405020304" pitchFamily="18" charset="0"/>
               </a:rPr>
-              <a:t>A </a:t>
-            </a:r>
-            <a:r>
-              <a:rPr lang="en-IN" sz="2800" b="1" dirty="0">
-                <a:latin typeface="Times New Roman" panose="02020603050405020304" pitchFamily="18" charset="0"/>
-                <a:cs typeface="Times New Roman" panose="02020603050405020304" pitchFamily="18" charset="0"/>
-              </a:rPr>
-              <a:t>Software as a service (SaaS) </a:t>
+              <a:t>Bulk Email Aggregator is a web </a:t>
             </a:r>
             <a:r>
               <a:rPr lang="en-IN" sz="2800" dirty="0">
                 <a:latin typeface="Times New Roman" panose="02020603050405020304" pitchFamily="18" charset="0"/>
                 <a:cs typeface="Times New Roman" panose="02020603050405020304" pitchFamily="18" charset="0"/>
               </a:rPr>
-              <a:t>web application that </a:t>
+              <a:t>application that is </a:t>
+            </a:r>
+            <a:r>
+              <a:rPr lang="en-IN" sz="2800" dirty="0" smtClean="0">
+                <a:latin typeface="Times New Roman" panose="02020603050405020304" pitchFamily="18" charset="0"/>
+                <a:cs typeface="Times New Roman" panose="02020603050405020304" pitchFamily="18" charset="0"/>
+              </a:rPr>
+              <a:t>used to </a:t>
             </a:r>
             <a:r>
               <a:rPr lang="en-IN" sz="2800" dirty="0">
                 <a:latin typeface="Times New Roman" panose="02020603050405020304" pitchFamily="18" charset="0"/>
                 <a:cs typeface="Times New Roman" panose="02020603050405020304" pitchFamily="18" charset="0"/>
               </a:rPr>
-              <a:t>is to provide a paid service to the end user, which will enable them to send bulk emails for </a:t>
+              <a:t>provide a paid service to the end user, which will enable them to send bulk emails for </a:t>
             </a:r>
             <a:r>
               <a:rPr lang="en-IN" sz="2800" dirty="0" smtClean="0">
@@ -8108,15 +11805,21 @@
                 <a:latin typeface="Times New Roman" panose="02020603050405020304" pitchFamily="18" charset="0"/>
                 <a:cs typeface="Times New Roman" panose="02020603050405020304" pitchFamily="18" charset="0"/>
               </a:rPr>
-              <a:t>of their own </a:t>
+              <a:t>of their </a:t>
             </a:r>
             <a:r>
               <a:rPr lang="en-IN" sz="2800" dirty="0" smtClean="0">
                 <a:latin typeface="Times New Roman" panose="02020603050405020304" pitchFamily="18" charset="0"/>
                 <a:cs typeface="Times New Roman" panose="02020603050405020304" pitchFamily="18" charset="0"/>
               </a:rPr>
-              <a:t>product. </a:t>
-            </a:r>
+              <a:t>own electronic products once they do any payment through the Stripe payment gateway which we have used in our application. With the help of session, the user details will be stored in the database.</a:t>
+            </a:r>
+          </a:p>
+          <a:p>
+            <a:pPr marL="514350" indent="-514350" algn="just">
+              <a:buFont typeface="+mj-lt"/>
+              <a:buAutoNum type="arabicPeriod"/>
+            </a:pPr>
             <a:r>
               <a:rPr lang="en-IN" sz="2800" dirty="0" smtClean="0">
                 <a:latin typeface="Times New Roman" panose="02020603050405020304" pitchFamily="18" charset="0"/>
@@ -8129,7 +11832,62 @@
                 <a:latin typeface="Times New Roman" panose="02020603050405020304" pitchFamily="18" charset="0"/>
                 <a:cs typeface="Times New Roman" panose="02020603050405020304" pitchFamily="18" charset="0"/>
               </a:rPr>
-              <a:t>service will be provided on usage of assigned credit points to user. With the use of Google OAuth authentication, we will enhance the authentication flow in the app. </a:t>
+              <a:t>service will be provided on usage of assigned credit points to user. </a:t>
+            </a:r>
+            <a:r>
+              <a:rPr lang="en-IN" sz="2800" dirty="0" smtClean="0">
+                <a:latin typeface="Times New Roman" panose="02020603050405020304" pitchFamily="18" charset="0"/>
+                <a:cs typeface="Times New Roman" panose="02020603050405020304" pitchFamily="18" charset="0"/>
+              </a:rPr>
+              <a:t>So once the CRM who will be using the application does payment, 5 credit will be incremented to the person’s account and he can send emails with this credit. </a:t>
+            </a:r>
+          </a:p>
+          <a:p>
+            <a:pPr marL="514350" indent="-514350" algn="just">
+              <a:buFont typeface="+mj-lt"/>
+              <a:buAutoNum type="arabicPeriod"/>
+            </a:pPr>
+            <a:r>
+              <a:rPr lang="en-IN" sz="2800" dirty="0" smtClean="0">
+                <a:latin typeface="Times New Roman" panose="02020603050405020304" pitchFamily="18" charset="0"/>
+                <a:cs typeface="Times New Roman" panose="02020603050405020304" pitchFamily="18" charset="0"/>
+              </a:rPr>
+              <a:t>Each and every time the person sends a mail, 1 credit point gets deduced. With </a:t>
+            </a:r>
+            <a:r>
+              <a:rPr lang="en-IN" sz="2800" dirty="0">
+                <a:latin typeface="Times New Roman" panose="02020603050405020304" pitchFamily="18" charset="0"/>
+                <a:cs typeface="Times New Roman" panose="02020603050405020304" pitchFamily="18" charset="0"/>
+              </a:rPr>
+              <a:t>the use of </a:t>
+            </a:r>
+            <a:r>
+              <a:rPr lang="en-IN" sz="2800" b="1" dirty="0">
+                <a:latin typeface="Times New Roman" panose="02020603050405020304" pitchFamily="18" charset="0"/>
+                <a:cs typeface="Times New Roman" panose="02020603050405020304" pitchFamily="18" charset="0"/>
+              </a:rPr>
+              <a:t>Google OAuth authentication</a:t>
+            </a:r>
+            <a:r>
+              <a:rPr lang="en-IN" sz="2800" dirty="0">
+                <a:latin typeface="Times New Roman" panose="02020603050405020304" pitchFamily="18" charset="0"/>
+                <a:cs typeface="Times New Roman" panose="02020603050405020304" pitchFamily="18" charset="0"/>
+              </a:rPr>
+              <a:t>, we will enhance the </a:t>
+            </a:r>
+            <a:r>
+              <a:rPr lang="en-IN" sz="2800" dirty="0" smtClean="0">
+                <a:latin typeface="Times New Roman" panose="02020603050405020304" pitchFamily="18" charset="0"/>
+                <a:cs typeface="Times New Roman" panose="02020603050405020304" pitchFamily="18" charset="0"/>
+              </a:rPr>
+              <a:t>authentication in </a:t>
+            </a:r>
+            <a:r>
+              <a:rPr lang="en-IN" sz="2800" dirty="0">
+                <a:latin typeface="Times New Roman" panose="02020603050405020304" pitchFamily="18" charset="0"/>
+                <a:cs typeface="Times New Roman" panose="02020603050405020304" pitchFamily="18" charset="0"/>
+              </a:rPr>
+              <a:t>the app. </a:t>
             </a:r>
           </a:p>
         </p:txBody>
@@ -8144,6 +11902,13 @@
   <p:clrMapOvr>
     <a:masterClrMapping/>
   </p:clrMapOvr>
+  <p:timing>
+    <p:tnLst>
+      <p:par>
+        <p:cTn id="1" dur="indefinite" restart="never" nodeType="tmRoot"/>
+      </p:par>
+    </p:tnLst>
+  </p:timing>
 </p:sld>
 </file>
 
@@ -8211,31 +11976,45 @@
         </p:nvSpPr>
         <p:spPr>
           <a:xfrm>
-            <a:off x="1525381" y="1402081"/>
-            <a:ext cx="9876109" cy="4937759"/>
+            <a:off x="1595050" y="1750425"/>
+            <a:ext cx="9876109" cy="4101736"/>
           </a:xfrm>
         </p:spPr>
         <p:txBody>
           <a:bodyPr>
-            <a:normAutofit/>
+            <a:normAutofit lnSpcReduction="10000"/>
           </a:bodyPr>
           <a:lstStyle/>
           <a:p>
+            <a:r>
+              <a:rPr lang="en-IN" sz="2800" dirty="0">
+                <a:latin typeface="Times New Roman" panose="02020603050405020304" pitchFamily="18" charset="0"/>
+                <a:cs typeface="Times New Roman" panose="02020603050405020304" pitchFamily="18" charset="0"/>
+              </a:rPr>
+              <a:t>S</a:t>
+            </a:r>
             <a:r>
               <a:rPr lang="en-IN" sz="2800" dirty="0" smtClean="0">
                 <a:latin typeface="Times New Roman" panose="02020603050405020304" pitchFamily="18" charset="0"/>
                 <a:cs typeface="Times New Roman" panose="02020603050405020304" pitchFamily="18" charset="0"/>
               </a:rPr>
-              <a:t>The objective of the project is to build an application that can be used to send mass emails to a big list of users for the purpose of collecting feedback.</a:t>
-            </a:r>
-          </a:p>
-          <a:p>
+              <a:t>end mass emails to a big list of users for the purpose of collecting feedback.</a:t>
+            </a:r>
+          </a:p>
+          <a:p>
+            <a:r>
+              <a:rPr lang="en-IN" sz="2800" dirty="0">
+                <a:latin typeface="Times New Roman" panose="02020603050405020304" pitchFamily="18" charset="0"/>
+                <a:cs typeface="Times New Roman" panose="02020603050405020304" pitchFamily="18" charset="0"/>
+              </a:rPr>
+              <a:t>F</a:t>
+            </a:r>
             <a:r>
               <a:rPr lang="en-IN" sz="2800" dirty="0" smtClean="0">
                 <a:latin typeface="Times New Roman" panose="02020603050405020304" pitchFamily="18" charset="0"/>
                 <a:cs typeface="Times New Roman" panose="02020603050405020304" pitchFamily="18" charset="0"/>
               </a:rPr>
-              <a:t>The application of ours will include the full </a:t>
+              <a:t>ull </a:t>
             </a:r>
             <a:r>
               <a:rPr lang="en-IN" sz="2800" b="1" dirty="0" smtClean="0">
@@ -8254,32 +12033,48 @@
           </a:p>
           <a:p>
             <a:r>
+              <a:rPr lang="en-IN" sz="2800" dirty="0">
+                <a:latin typeface="Times New Roman" panose="02020603050405020304" pitchFamily="18" charset="0"/>
+                <a:cs typeface="Times New Roman" panose="02020603050405020304" pitchFamily="18" charset="0"/>
+              </a:rPr>
+              <a:t>H</a:t>
+            </a:r>
+            <a:r>
               <a:rPr lang="en-IN" sz="2800" dirty="0" smtClean="0">
                 <a:latin typeface="Times New Roman" panose="02020603050405020304" pitchFamily="18" charset="0"/>
                 <a:cs typeface="Times New Roman" panose="02020603050405020304" pitchFamily="18" charset="0"/>
               </a:rPr>
-              <a:t>Along with the ability to send bulk emails, our app will also be able to handle credit cards and receive payments from the users with </a:t>
+              <a:t>andle credit cards and receive payments from the users with </a:t>
             </a:r>
             <a:r>
               <a:rPr lang="en-IN" sz="2800" b="1" dirty="0" smtClean="0">
                 <a:latin typeface="Times New Roman" panose="02020603050405020304" pitchFamily="18" charset="0"/>
                 <a:cs typeface="Times New Roman" panose="02020603050405020304" pitchFamily="18" charset="0"/>
               </a:rPr>
-              <a:t>Stripe</a:t>
+              <a:t>Stripe gateway</a:t>
             </a:r>
             <a:r>
               <a:rPr lang="en-IN" sz="2800" dirty="0" smtClean="0">
                 <a:latin typeface="Times New Roman" panose="02020603050405020304" pitchFamily="18" charset="0"/>
                 <a:cs typeface="Times New Roman" panose="02020603050405020304" pitchFamily="18" charset="0"/>
               </a:rPr>
-              <a:t>. It can also engage the users with automated </a:t>
+              <a:t>. Stripe is payment gateway offered by an US Company which is free for students for development.</a:t>
+            </a:r>
+          </a:p>
+          <a:p>
+            <a:r>
+              <a:rPr lang="en-IN" sz="2800" dirty="0" smtClean="0">
+                <a:latin typeface="Times New Roman" panose="02020603050405020304" pitchFamily="18" charset="0"/>
+                <a:cs typeface="Times New Roman" panose="02020603050405020304" pitchFamily="18" charset="0"/>
+              </a:rPr>
+              <a:t>We will also be enhancing the authentication flows in our app with the use of </a:t>
             </a:r>
             <a:r>
               <a:rPr lang="en-IN" sz="2800" b="1" dirty="0" smtClean="0">
                 <a:latin typeface="Times New Roman" panose="02020603050405020304" pitchFamily="18" charset="0"/>
                 <a:cs typeface="Times New Roman" panose="02020603050405020304" pitchFamily="18" charset="0"/>
               </a:rPr>
-              <a:t>emails</a:t>
+              <a:t>Google Oauth authentication</a:t>
             </a:r>
             <a:r>
               <a:rPr lang="en-IN" sz="2800" dirty="0" smtClean="0">
@@ -8288,35 +12083,6 @@
               </a:rPr>
               <a:t>.</a:t>
             </a:r>
-          </a:p>
-          <a:p>
-            <a:r>
-              <a:rPr lang="en-IN" sz="2800" dirty="0" smtClean="0">
-                <a:latin typeface="Times New Roman" panose="02020603050405020304" pitchFamily="18" charset="0"/>
-                <a:cs typeface="Times New Roman" panose="02020603050405020304" pitchFamily="18" charset="0"/>
-              </a:rPr>
-              <a:t>We will also be enhancing the authentication flows in our app with the use of </a:t>
-            </a:r>
-            <a:r>
-              <a:rPr lang="en-IN" sz="2800" b="1" dirty="0" smtClean="0">
-                <a:latin typeface="Times New Roman" panose="02020603050405020304" pitchFamily="18" charset="0"/>
-                <a:cs typeface="Times New Roman" panose="02020603050405020304" pitchFamily="18" charset="0"/>
-              </a:rPr>
-              <a:t>Google Oauth authentication</a:t>
-            </a:r>
-            <a:r>
-              <a:rPr lang="en-IN" sz="2800" dirty="0" smtClean="0">
-                <a:latin typeface="Times New Roman" panose="02020603050405020304" pitchFamily="18" charset="0"/>
-                <a:cs typeface="Times New Roman" panose="02020603050405020304" pitchFamily="18" charset="0"/>
-              </a:rPr>
-              <a:t>.</a:t>
-            </a:r>
-          </a:p>
-          <a:p>
-            <a:endParaRPr lang="en-IN" sz="2800" dirty="0" smtClean="0">
-              <a:latin typeface="Times New Roman" panose="02020603050405020304" pitchFamily="18" charset="0"/>
-              <a:cs typeface="Times New Roman" panose="02020603050405020304" pitchFamily="18" charset="0"/>
-            </a:endParaRPr>
           </a:p>
         </p:txBody>
       </p:sp>
@@ -8330,6 +12096,13 @@
   <p:clrMapOvr>
     <a:masterClrMapping/>
   </p:clrMapOvr>
+  <p:timing>
+    <p:tnLst>
+      <p:par>
+        <p:cTn id="1" dur="indefinite" restart="never" nodeType="tmRoot"/>
+      </p:par>
+    </p:tnLst>
+  </p:timing>
 </p:sld>
 </file>
 
@@ -8362,7 +12135,7 @@
         </p:nvSpPr>
         <p:spPr>
           <a:xfrm>
-            <a:off x="3152503" y="249643"/>
+            <a:off x="3152503" y="293186"/>
             <a:ext cx="5870166" cy="812804"/>
           </a:xfrm>
         </p:spPr>
@@ -8397,15 +12170,48 @@
         </p:nvSpPr>
         <p:spPr>
           <a:xfrm>
-            <a:off x="1629886" y="1515291"/>
-            <a:ext cx="8915400" cy="4990011"/>
+            <a:off x="1629886" y="1306284"/>
+            <a:ext cx="8915400" cy="4894218"/>
           </a:xfrm>
         </p:spPr>
         <p:txBody>
-          <a:bodyPr/>
+          <a:bodyPr>
+            <a:noAutofit/>
+          </a:bodyPr>
           <a:lstStyle/>
           <a:p>
-            <a:endParaRPr lang="en-IN" dirty="0"/>
+            <a:pPr algn="just"/>
+            <a:r>
+              <a:rPr lang="en-IN" sz="2800" dirty="0" smtClean="0">
+                <a:latin typeface="Times New Roman" panose="02020603050405020304" pitchFamily="18" charset="0"/>
+                <a:cs typeface="Times New Roman" panose="02020603050405020304" pitchFamily="18" charset="0"/>
+              </a:rPr>
+              <a:t>Electronic product companies assign the task of collecting feedback to the CRM’s.</a:t>
+            </a:r>
+          </a:p>
+          <a:p>
+            <a:pPr algn="just"/>
+            <a:r>
+              <a:rPr lang="en-IN" sz="2800" dirty="0" smtClean="0">
+                <a:latin typeface="Times New Roman" panose="02020603050405020304" pitchFamily="18" charset="0"/>
+                <a:cs typeface="Times New Roman" panose="02020603050405020304" pitchFamily="18" charset="0"/>
+              </a:rPr>
+              <a:t>Companies like Croma send text messages to customers to collect feedback where they have to send individual messages to each and every person.</a:t>
+            </a:r>
+          </a:p>
+          <a:p>
+            <a:pPr algn="just"/>
+            <a:r>
+              <a:rPr lang="en-IN" sz="2800" dirty="0" smtClean="0">
+                <a:latin typeface="Times New Roman" panose="02020603050405020304" pitchFamily="18" charset="0"/>
+                <a:cs typeface="Times New Roman" panose="02020603050405020304" pitchFamily="18" charset="0"/>
+              </a:rPr>
+              <a:t>Therefore, with this system we are trying to send emails to collect feedback from the customers who had purchased products from their company much more efficiently and getting abstract of performance of the electronics in the market.</a:t>
+            </a:r>
+            <a:endParaRPr lang="en-IN" sz="2800" dirty="0">
+              <a:latin typeface="Times New Roman" panose="02020603050405020304" pitchFamily="18" charset="0"/>
+              <a:cs typeface="Times New Roman" panose="02020603050405020304" pitchFamily="18" charset="0"/>
+            </a:endParaRPr>
           </a:p>
         </p:txBody>
       </p:sp>
@@ -8419,6 +12225,13 @@
   <p:clrMapOvr>
     <a:masterClrMapping/>
   </p:clrMapOvr>
+  <p:timing>
+    <p:tnLst>
+      <p:par>
+        <p:cTn id="1" dur="indefinite" restart="never" nodeType="tmRoot"/>
+      </p:par>
+    </p:tnLst>
+  </p:timing>
 </p:sld>
 </file>
 
@@ -8451,7 +12264,7 @@
         </p:nvSpPr>
         <p:spPr>
           <a:xfrm>
-            <a:off x="2917371" y="328016"/>
+            <a:off x="2647405" y="267056"/>
             <a:ext cx="6845526" cy="725719"/>
           </a:xfrm>
         </p:spPr>
@@ -8486,8 +12299,8 @@
         </p:nvSpPr>
         <p:spPr>
           <a:xfrm>
-            <a:off x="1882434" y="1384664"/>
-            <a:ext cx="8915400" cy="5007427"/>
+            <a:off x="1612468" y="1828803"/>
+            <a:ext cx="8915400" cy="3431175"/>
           </a:xfrm>
         </p:spPr>
         <p:txBody>
@@ -8513,47 +12326,11 @@
               </a:rPr>
               <a:t> </a:t>
             </a:r>
-          </a:p>
-          <a:p>
-            <a:pPr lvl="1"/>
-            <a:r>
-              <a:rPr lang="en-US" sz="1800" dirty="0">
-                <a:latin typeface="Times New Roman" panose="02020603050405020304" pitchFamily="18" charset="0"/>
-                <a:ea typeface="Verdana" panose="020B0604030504040204" pitchFamily="34" charset="0"/>
-                <a:cs typeface="Times New Roman" panose="02020603050405020304" pitchFamily="18" charset="0"/>
-              </a:rPr>
-              <a:t>HTML5</a:t>
-            </a:r>
-          </a:p>
-          <a:p>
-            <a:pPr lvl="1"/>
-            <a:r>
-              <a:rPr lang="en-US" sz="1800" dirty="0">
-                <a:latin typeface="Times New Roman" panose="02020603050405020304" pitchFamily="18" charset="0"/>
-                <a:ea typeface="Verdana" panose="020B0604030504040204" pitchFamily="34" charset="0"/>
-                <a:cs typeface="Times New Roman" panose="02020603050405020304" pitchFamily="18" charset="0"/>
-              </a:rPr>
-              <a:t>CSS3</a:t>
-            </a:r>
-          </a:p>
-          <a:p>
-            <a:pPr lvl="1"/>
-            <a:r>
-              <a:rPr lang="en-US" sz="1800" dirty="0">
-                <a:latin typeface="Times New Roman" panose="02020603050405020304" pitchFamily="18" charset="0"/>
-                <a:ea typeface="Verdana" panose="020B0604030504040204" pitchFamily="34" charset="0"/>
-                <a:cs typeface="Times New Roman" panose="02020603050405020304" pitchFamily="18" charset="0"/>
-              </a:rPr>
-              <a:t>Bootstrap  </a:t>
-            </a:r>
-            <a:r>
-              <a:rPr lang="en-IN" sz="1800" b="1" dirty="0">
-                <a:latin typeface="Times New Roman" panose="02020603050405020304" pitchFamily="18" charset="0"/>
-                <a:ea typeface="Verdana" panose="020B0604030504040204" pitchFamily="34" charset="0"/>
-                <a:cs typeface="Times New Roman" panose="02020603050405020304" pitchFamily="18" charset="0"/>
-              </a:rPr>
-              <a:t>v4.2.1</a:t>
-            </a:r>
+            <a:endParaRPr lang="en-IN" sz="1800" b="1" dirty="0">
+              <a:latin typeface="Times New Roman" panose="02020603050405020304" pitchFamily="18" charset="0"/>
+              <a:ea typeface="Verdana" panose="020B0604030504040204" pitchFamily="34" charset="0"/>
+              <a:cs typeface="Times New Roman" panose="02020603050405020304" pitchFamily="18" charset="0"/>
+            </a:endParaRPr>
           </a:p>
           <a:p>
             <a:pPr lvl="1"/>
@@ -8607,7 +12384,7 @@
                 <a:ea typeface="Verdana" panose="020B0604030504040204" pitchFamily="34" charset="0"/>
                 <a:cs typeface="Times New Roman" panose="02020603050405020304" pitchFamily="18" charset="0"/>
               </a:rPr>
-              <a:t>MongoDB  v4.0.1</a:t>
+              <a:t>MongoDB Atlas</a:t>
             </a:r>
           </a:p>
           <a:p>
@@ -8628,18 +12405,7 @@
                 <a:ea typeface="Verdana" panose="020B0604030504040204" pitchFamily="34" charset="0"/>
                 <a:cs typeface="Times New Roman" panose="02020603050405020304" pitchFamily="18" charset="0"/>
               </a:rPr>
-              <a:t>Heroku Deployment</a:t>
-            </a:r>
-          </a:p>
-          <a:p>
-            <a:pPr lvl="1"/>
-            <a:r>
-              <a:rPr lang="en-US" sz="1800" smtClean="0">
-                <a:latin typeface="Times New Roman" panose="02020603050405020304" pitchFamily="18" charset="0"/>
-                <a:ea typeface="Verdana" panose="020B0604030504040204" pitchFamily="34" charset="0"/>
-                <a:cs typeface="Times New Roman" panose="02020603050405020304" pitchFamily="18" charset="0"/>
-              </a:rPr>
-              <a:t>MongoDB Altas</a:t>
+              <a:t>Heroku </a:t>
             </a:r>
             <a:r>
               <a:rPr lang="en-US" sz="1800" dirty="0" smtClean="0">
@@ -8647,16 +12413,16 @@
                 <a:ea typeface="Verdana" panose="020B0604030504040204" pitchFamily="34" charset="0"/>
                 <a:cs typeface="Times New Roman" panose="02020603050405020304" pitchFamily="18" charset="0"/>
               </a:rPr>
-              <a:t> </a:t>
-            </a:r>
-            <a:r>
-              <a:rPr lang="en-US" sz="1800" dirty="0">
-                <a:latin typeface="Times New Roman" panose="02020603050405020304" pitchFamily="18" charset="0"/>
-                <a:ea typeface="Verdana" panose="020B0604030504040204" pitchFamily="34" charset="0"/>
-                <a:cs typeface="Times New Roman" panose="02020603050405020304" pitchFamily="18" charset="0"/>
-              </a:rPr>
-              <a:t>Deployment </a:t>
-            </a:r>
+              <a:t>Deployment</a:t>
+            </a:r>
+          </a:p>
+          <a:p>
+            <a:pPr lvl="1"/>
+            <a:endParaRPr lang="en-US" sz="1800" dirty="0">
+              <a:latin typeface="Times New Roman" panose="02020603050405020304" pitchFamily="18" charset="0"/>
+              <a:ea typeface="Verdana" panose="020B0604030504040204" pitchFamily="34" charset="0"/>
+              <a:cs typeface="Times New Roman" panose="02020603050405020304" pitchFamily="18" charset="0"/>
+            </a:endParaRPr>
           </a:p>
           <a:p>
             <a:endParaRPr lang="en-IN" sz="2000" b="1" dirty="0" smtClean="0">
@@ -8676,6 +12442,13 @@
   <p:clrMapOvr>
     <a:masterClrMapping/>
   </p:clrMapOvr>
+  <p:timing>
+    <p:tnLst>
+      <p:par>
+        <p:cTn id="1" dur="indefinite" restart="never" nodeType="tmRoot"/>
+      </p:par>
+    </p:tnLst>
+  </p:timing>
 </p:sld>
 </file>
 
@@ -8747,8 +12520,8 @@
         </p:nvSpPr>
         <p:spPr>
           <a:xfrm>
-            <a:off x="1708262" y="1898470"/>
-            <a:ext cx="8915400" cy="3544388"/>
+            <a:off x="1708261" y="1715589"/>
+            <a:ext cx="8915400" cy="3953691"/>
           </a:xfrm>
         </p:spPr>
         <p:txBody>
@@ -8758,106 +12531,178 @@
           <a:lstStyle/>
           <a:p>
             <a:r>
-              <a:rPr lang="en-IN" sz="2800" b="1" dirty="0" smtClean="0">
-                <a:latin typeface="Times New Roman" panose="02020603050405020304" pitchFamily="18" charset="0"/>
-                <a:cs typeface="Times New Roman" panose="02020603050405020304" pitchFamily="18" charset="0"/>
-              </a:rPr>
-              <a:t>Large feedback-collection app </a:t>
-            </a:r>
-            <a:r>
-              <a:rPr lang="en-IN" sz="2800" dirty="0" smtClean="0">
-                <a:latin typeface="Times New Roman" panose="02020603050405020304" pitchFamily="18" charset="0"/>
-                <a:cs typeface="Times New Roman" panose="02020603050405020304" pitchFamily="18" charset="0"/>
-              </a:rPr>
-              <a:t>with the ability to send </a:t>
-            </a:r>
-            <a:r>
-              <a:rPr lang="en-IN" sz="2800" b="1" dirty="0" smtClean="0">
-                <a:latin typeface="Times New Roman" panose="02020603050405020304" pitchFamily="18" charset="0"/>
-                <a:cs typeface="Times New Roman" panose="02020603050405020304" pitchFamily="18" charset="0"/>
-              </a:rPr>
-              <a:t>bulk emails</a:t>
-            </a:r>
-            <a:r>
-              <a:rPr lang="en-IN" sz="2800" dirty="0" smtClean="0">
-                <a:latin typeface="Times New Roman" panose="02020603050405020304" pitchFamily="18" charset="0"/>
-                <a:cs typeface="Times New Roman" panose="02020603050405020304" pitchFamily="18" charset="0"/>
-              </a:rPr>
+              <a:rPr lang="en-IN" sz="2000" dirty="0" smtClean="0"/>
+              <a:t>CRM </a:t>
+            </a:r>
+            <a:r>
+              <a:rPr lang="en-IN" sz="2000" dirty="0"/>
+              <a:t>Signs Up via </a:t>
+            </a:r>
+            <a:r>
+              <a:rPr lang="en-IN" sz="2000" b="1" dirty="0"/>
+              <a:t>Google </a:t>
+            </a:r>
+            <a:r>
+              <a:rPr lang="en-IN" sz="2000" b="1" dirty="0" smtClean="0"/>
+              <a:t>OAuth.</a:t>
+            </a:r>
+          </a:p>
+          <a:p>
+            <a:r>
+              <a:rPr lang="en-IN" sz="2000" dirty="0" smtClean="0"/>
+              <a:t>CRM </a:t>
+            </a:r>
+            <a:r>
+              <a:rPr lang="en-IN" sz="2000" b="1" dirty="0" smtClean="0"/>
+              <a:t>Pays </a:t>
+            </a:r>
+            <a:r>
+              <a:rPr lang="en-IN" sz="2000" b="1" dirty="0"/>
+              <a:t>for email credits</a:t>
+            </a:r>
+            <a:r>
+              <a:rPr lang="en-IN" sz="2000" dirty="0"/>
+              <a:t> via </a:t>
+            </a:r>
+            <a:r>
+              <a:rPr lang="en-IN" sz="2000" dirty="0" smtClean="0"/>
+              <a:t>Stripe.</a:t>
+            </a:r>
+          </a:p>
+          <a:p>
+            <a:r>
+              <a:rPr lang="en-IN" sz="2000" dirty="0" smtClean="0"/>
+              <a:t>CRM </a:t>
+            </a:r>
+            <a:r>
+              <a:rPr lang="en-IN" sz="2000" b="1" dirty="0" smtClean="0"/>
+              <a:t>creates </a:t>
+            </a:r>
+            <a:r>
+              <a:rPr lang="en-IN" sz="2000" b="1" dirty="0"/>
+              <a:t>a new </a:t>
+            </a:r>
+            <a:r>
+              <a:rPr lang="en-IN" sz="2000" b="1" dirty="0" smtClean="0"/>
+              <a:t>campaigns.</a:t>
+            </a:r>
+          </a:p>
+          <a:p>
+            <a:r>
+              <a:rPr lang="en-IN" sz="2000" dirty="0" smtClean="0"/>
+              <a:t>CRM </a:t>
+            </a:r>
+            <a:r>
+              <a:rPr lang="en-IN" sz="2000" b="1" dirty="0" smtClean="0"/>
+              <a:t>enters </a:t>
+            </a:r>
+            <a:r>
+              <a:rPr lang="en-IN" sz="2000" b="1" dirty="0"/>
+              <a:t>list of </a:t>
+            </a:r>
+            <a:r>
+              <a:rPr lang="en-IN" sz="2000" b="1" dirty="0" smtClean="0"/>
+              <a:t>emails </a:t>
+            </a:r>
+            <a:r>
+              <a:rPr lang="en-IN" sz="2000" b="1" dirty="0"/>
+              <a:t>to </a:t>
+            </a:r>
+            <a:r>
+              <a:rPr lang="en-IN" sz="2000" b="1" dirty="0" smtClean="0"/>
+              <a:t>collect feedback.</a:t>
+            </a:r>
+          </a:p>
+          <a:p>
+            <a:r>
+              <a:rPr lang="en-IN" sz="2000" dirty="0" smtClean="0"/>
+              <a:t>Application </a:t>
+            </a:r>
+            <a:r>
+              <a:rPr lang="en-IN" sz="2000" b="1" dirty="0"/>
+              <a:t>send </a:t>
+            </a:r>
+            <a:r>
+              <a:rPr lang="en-IN" sz="2000" b="1" dirty="0" smtClean="0"/>
+              <a:t>emails </a:t>
+            </a:r>
+            <a:r>
+              <a:rPr lang="en-IN" sz="2000" b="1" dirty="0"/>
+              <a:t>to list of </a:t>
+            </a:r>
+            <a:r>
+              <a:rPr lang="en-IN" sz="2000" b="1" dirty="0" smtClean="0"/>
+              <a:t>customer.</a:t>
+            </a:r>
+          </a:p>
+          <a:p>
+            <a:r>
+              <a:rPr lang="en-IN" sz="2000" b="1" dirty="0" smtClean="0"/>
+              <a:t>Customers </a:t>
+            </a:r>
+            <a:r>
+              <a:rPr lang="en-IN" sz="2000" b="1" dirty="0"/>
+              <a:t>click on the link </a:t>
+            </a:r>
+            <a:r>
+              <a:rPr lang="en-IN" sz="2000" b="1" dirty="0" smtClean="0"/>
+              <a:t>provided in the email </a:t>
+            </a:r>
+            <a:r>
+              <a:rPr lang="en-IN" sz="2000" b="1" dirty="0"/>
+              <a:t>to </a:t>
+            </a:r>
+            <a:r>
+              <a:rPr lang="en-IN" sz="2000" b="1" dirty="0" smtClean="0"/>
+              <a:t>send feedback.</a:t>
+            </a:r>
+          </a:p>
+          <a:p>
+            <a:r>
+              <a:rPr lang="en-IN" sz="2000" dirty="0"/>
+              <a:t>Application will </a:t>
+            </a:r>
+            <a:r>
+              <a:rPr lang="en-IN" sz="2000" b="1" dirty="0"/>
+              <a:t>tabulate feedback received</a:t>
+            </a:r>
+            <a:r>
+              <a:rPr lang="en-IN" sz="2000" dirty="0" smtClean="0"/>
               <a:t>.</a:t>
             </a:r>
           </a:p>
           <a:p>
             <a:r>
-              <a:rPr lang="en-IN" sz="2800" dirty="0" smtClean="0">
-                <a:latin typeface="Times New Roman" panose="02020603050405020304" pitchFamily="18" charset="0"/>
-                <a:cs typeface="Times New Roman" panose="02020603050405020304" pitchFamily="18" charset="0"/>
-              </a:rPr>
-              <a:t>Handle credit cards and receive payments from the users with </a:t>
-            </a:r>
-            <a:r>
-              <a:rPr lang="en-IN" sz="2800" b="1" dirty="0" smtClean="0">
-                <a:latin typeface="Times New Roman" panose="02020603050405020304" pitchFamily="18" charset="0"/>
-                <a:cs typeface="Times New Roman" panose="02020603050405020304" pitchFamily="18" charset="0"/>
-              </a:rPr>
-              <a:t>Stripe</a:t>
-            </a:r>
-            <a:r>
-              <a:rPr lang="en-IN" sz="2800" dirty="0" smtClean="0">
-                <a:latin typeface="Times New Roman" panose="02020603050405020304" pitchFamily="18" charset="0"/>
-                <a:cs typeface="Times New Roman" panose="02020603050405020304" pitchFamily="18" charset="0"/>
-              </a:rPr>
-              <a:t>.</a:t>
-            </a:r>
-          </a:p>
-          <a:p>
-            <a:r>
-              <a:rPr lang="en-IN" sz="2800" dirty="0" smtClean="0">
-                <a:latin typeface="Times New Roman" panose="02020603050405020304" pitchFamily="18" charset="0"/>
-                <a:cs typeface="Times New Roman" panose="02020603050405020304" pitchFamily="18" charset="0"/>
-              </a:rPr>
-              <a:t>Engage users with automated </a:t>
-            </a:r>
-            <a:r>
-              <a:rPr lang="en-IN" sz="2800" b="1" dirty="0" smtClean="0">
-                <a:latin typeface="Times New Roman" panose="02020603050405020304" pitchFamily="18" charset="0"/>
-                <a:cs typeface="Times New Roman" panose="02020603050405020304" pitchFamily="18" charset="0"/>
-              </a:rPr>
-              <a:t>emails</a:t>
-            </a:r>
-            <a:r>
-              <a:rPr lang="en-IN" sz="2800" dirty="0" smtClean="0">
-                <a:latin typeface="Times New Roman" panose="02020603050405020304" pitchFamily="18" charset="0"/>
-                <a:cs typeface="Times New Roman" panose="02020603050405020304" pitchFamily="18" charset="0"/>
-              </a:rPr>
-              <a:t>.</a:t>
-            </a:r>
-          </a:p>
-          <a:p>
-            <a:r>
-              <a:rPr lang="en-IN" sz="2800" dirty="0" smtClean="0">
-                <a:latin typeface="Times New Roman" panose="02020603050405020304" pitchFamily="18" charset="0"/>
-                <a:cs typeface="Times New Roman" panose="02020603050405020304" pitchFamily="18" charset="0"/>
-              </a:rPr>
-              <a:t>Enhance authentication flows in our app with </a:t>
-            </a:r>
-            <a:r>
-              <a:rPr lang="en-IN" sz="2800" b="1" dirty="0" smtClean="0">
-                <a:latin typeface="Times New Roman" panose="02020603050405020304" pitchFamily="18" charset="0"/>
-                <a:cs typeface="Times New Roman" panose="02020603050405020304" pitchFamily="18" charset="0"/>
-              </a:rPr>
-              <a:t>Google OAuth authentication</a:t>
-            </a:r>
-            <a:r>
-              <a:rPr lang="en-IN" sz="2800" dirty="0" smtClean="0">
-                <a:latin typeface="Times New Roman" panose="02020603050405020304" pitchFamily="18" charset="0"/>
-                <a:cs typeface="Times New Roman" panose="02020603050405020304" pitchFamily="18" charset="0"/>
-              </a:rPr>
-              <a:t>. </a:t>
-            </a:r>
-            <a:endParaRPr lang="en-IN" sz="2800" dirty="0">
-              <a:latin typeface="Times New Roman" panose="02020603050405020304" pitchFamily="18" charset="0"/>
-              <a:cs typeface="Times New Roman" panose="02020603050405020304" pitchFamily="18" charset="0"/>
-            </a:endParaRPr>
+              <a:rPr lang="en-IN" sz="2000" dirty="0" smtClean="0"/>
+              <a:t>CRM </a:t>
+            </a:r>
+            <a:r>
+              <a:rPr lang="en-IN" sz="2000" b="1" dirty="0" smtClean="0"/>
+              <a:t>can </a:t>
+            </a:r>
+            <a:r>
+              <a:rPr lang="en-IN" sz="2000" b="1" dirty="0"/>
+              <a:t>see </a:t>
+            </a:r>
+            <a:r>
+              <a:rPr lang="en-IN" sz="2000" b="1" dirty="0" smtClean="0"/>
+              <a:t>list </a:t>
+            </a:r>
+            <a:r>
+              <a:rPr lang="en-IN" sz="2000" b="1" dirty="0"/>
+              <a:t>of all </a:t>
+            </a:r>
+            <a:r>
+              <a:rPr lang="en-IN" sz="2000" b="1" dirty="0" smtClean="0"/>
+              <a:t>feedback responses.</a:t>
+            </a:r>
+          </a:p>
+          <a:p>
+            <a:r>
+              <a:rPr lang="en-IN" sz="2000" dirty="0" smtClean="0"/>
+              <a:t>Logout</a:t>
+            </a:r>
+            <a:endParaRPr lang="en-IN" sz="2000" b="1" dirty="0" smtClean="0"/>
           </a:p>
         </p:txBody>
       </p:sp>
@@ -8871,6 +12716,13 @@
   <p:clrMapOvr>
     <a:masterClrMapping/>
   </p:clrMapOvr>
+  <p:timing>
+    <p:tnLst>
+      <p:par>
+        <p:cTn id="1" dur="indefinite" restart="never" nodeType="tmRoot"/>
+      </p:par>
+    </p:tnLst>
+  </p:timing>
 </p:sld>
 </file>
 
@@ -8903,20 +12755,21 @@
         </p:nvSpPr>
         <p:spPr>
           <a:xfrm>
-            <a:off x="1785818" y="345435"/>
-            <a:ext cx="8641131" cy="804096"/>
+            <a:off x="1811651" y="197391"/>
+            <a:ext cx="8911687" cy="708301"/>
           </a:xfrm>
         </p:spPr>
         <p:txBody>
           <a:bodyPr/>
           <a:lstStyle/>
           <a:p>
+            <a:pPr algn="ctr"/>
             <a:r>
               <a:rPr lang="en-IN" b="1" dirty="0" smtClean="0">
                 <a:latin typeface="Times New Roman" panose="02020603050405020304" pitchFamily="18" charset="0"/>
                 <a:cs typeface="Times New Roman" panose="02020603050405020304" pitchFamily="18" charset="0"/>
               </a:rPr>
-              <a:t>NON – FUNCTIONAL REQUIREMENTS</a:t>
+              <a:t>Google Oauth Flow Diagram</a:t>
             </a:r>
             <a:endParaRPr lang="en-IN" b="1" dirty="0">
               <a:latin typeface="Times New Roman" panose="02020603050405020304" pitchFamily="18" charset="0"/>
@@ -8925,81 +12778,64 @@
           </a:p>
         </p:txBody>
       </p:sp>
-      <p:sp>
-        <p:nvSpPr>
-          <p:cNvPr id="3" name="Content Placeholder 2"/>
-          <p:cNvSpPr>
-            <a:spLocks noGrp="1"/>
-          </p:cNvSpPr>
-          <p:nvPr>
-            <p:ph idx="1"/>
-          </p:nvPr>
-        </p:nvSpPr>
-        <p:spPr>
+      <p:pic>
+        <p:nvPicPr>
+          <p:cNvPr id="1026" name="Picture 2" descr="https://lh4.googleusercontent.com/SYeWerrPIqKms8kasycx69eyHeTs1M7pMOO0Ja5UZ3GAvXMBrrgUKL-01OMRrOqTMs7mtV3U5wGfdHVdXFRRonGz0xDi6SvjTp_PfeemuLPWbQzUpf_cfYv_0Ts_bU6AEioFuQLI"/>
+          <p:cNvPicPr>
+            <a:picLocks noChangeAspect="1" noChangeArrowheads="1"/>
+          </p:cNvPicPr>
+          <p:nvPr/>
+        </p:nvPicPr>
+        <p:blipFill>
+          <a:blip r:embed="rId2">
+            <a:extLst>
+              <a:ext uri="{28A0092B-C50C-407E-A947-70E740481C1C}">
+                <a14:useLocalDpi xmlns:a14="http://schemas.microsoft.com/office/drawing/2010/main" val="0"/>
+              </a:ext>
+            </a:extLst>
+          </a:blip>
+          <a:srcRect/>
+          <a:stretch>
+            <a:fillRect/>
+          </a:stretch>
+        </p:blipFill>
+        <p:spPr bwMode="auto">
           <a:xfrm>
-            <a:off x="1648684" y="1898468"/>
-            <a:ext cx="8915400" cy="2307772"/>
+            <a:off x="3782693" y="1207226"/>
+            <a:ext cx="4943475" cy="5000625"/>
           </a:xfrm>
+          <a:prstGeom prst="rect">
+            <a:avLst/>
+          </a:prstGeom>
+          <a:noFill/>
+          <a:extLst>
+            <a:ext uri="{909E8E84-426E-40DD-AFC4-6F175D3DCCD1}">
+              <a14:hiddenFill xmlns:a14="http://schemas.microsoft.com/office/drawing/2010/main">
+                <a:solidFill>
+                  <a:srgbClr val="FFFFFF"/>
+                </a:solidFill>
+              </a14:hiddenFill>
+            </a:ext>
+          </a:extLst>
         </p:spPr>
-        <p:txBody>
-          <a:bodyPr>
-            <a:noAutofit/>
-          </a:bodyPr>
-          <a:lstStyle/>
-          <a:p>
-            <a:r>
-              <a:rPr lang="en-IN" sz="2800" dirty="0" smtClean="0">
-                <a:latin typeface="Times New Roman" panose="02020603050405020304" pitchFamily="18" charset="0"/>
-                <a:cs typeface="Times New Roman" panose="02020603050405020304" pitchFamily="18" charset="0"/>
-              </a:rPr>
-              <a:t>Availability</a:t>
-            </a:r>
-          </a:p>
-          <a:p>
-            <a:r>
-              <a:rPr lang="en-IN" sz="2800" dirty="0" smtClean="0">
-                <a:latin typeface="Times New Roman" panose="02020603050405020304" pitchFamily="18" charset="0"/>
-                <a:cs typeface="Times New Roman" panose="02020603050405020304" pitchFamily="18" charset="0"/>
-              </a:rPr>
-              <a:t>Maintainability</a:t>
-            </a:r>
-          </a:p>
-          <a:p>
-            <a:r>
-              <a:rPr lang="en-IN" sz="2800" dirty="0" smtClean="0">
-                <a:latin typeface="Times New Roman" panose="02020603050405020304" pitchFamily="18" charset="0"/>
-                <a:cs typeface="Times New Roman" panose="02020603050405020304" pitchFamily="18" charset="0"/>
-              </a:rPr>
-              <a:t>Performance</a:t>
-            </a:r>
-          </a:p>
-          <a:p>
-            <a:r>
-              <a:rPr lang="en-IN" sz="2800" dirty="0" smtClean="0">
-                <a:latin typeface="Times New Roman" panose="02020603050405020304" pitchFamily="18" charset="0"/>
-                <a:cs typeface="Times New Roman" panose="02020603050405020304" pitchFamily="18" charset="0"/>
-              </a:rPr>
-              <a:t>Simplicity</a:t>
-            </a:r>
-          </a:p>
-          <a:p>
-            <a:endParaRPr lang="en-IN" sz="2800" dirty="0">
-              <a:latin typeface="Times New Roman" panose="02020603050405020304" pitchFamily="18" charset="0"/>
-              <a:cs typeface="Times New Roman" panose="02020603050405020304" pitchFamily="18" charset="0"/>
-            </a:endParaRPr>
-          </a:p>
-        </p:txBody>
-      </p:sp>
+      </p:pic>
     </p:spTree>
     <p:extLst>
       <p:ext uri="{BB962C8B-B14F-4D97-AF65-F5344CB8AC3E}">
-        <p14:creationId xmlns:p14="http://schemas.microsoft.com/office/powerpoint/2010/main" val="129223238"/>
+        <p14:creationId xmlns:p14="http://schemas.microsoft.com/office/powerpoint/2010/main" val="2150654846"/>
       </p:ext>
     </p:extLst>
   </p:cSld>
   <p:clrMapOvr>
     <a:masterClrMapping/>
   </p:clrMapOvr>
+  <p:timing>
+    <p:tnLst>
+      <p:par>
+        <p:cTn id="1" dur="indefinite" restart="never" nodeType="tmRoot"/>
+      </p:par>
+    </p:tnLst>
+  </p:timing>
 </p:sld>
 </file>
 
@@ -9032,86 +12868,58 @@
         </p:nvSpPr>
         <p:spPr>
           <a:xfrm>
-            <a:off x="5104605" y="267058"/>
-            <a:ext cx="2264818" cy="708301"/>
+            <a:off x="1574021" y="182880"/>
+            <a:ext cx="8911687" cy="734427"/>
           </a:xfrm>
         </p:spPr>
         <p:txBody>
-          <a:bodyPr>
-            <a:normAutofit/>
-          </a:bodyPr>
+          <a:bodyPr/>
           <a:lstStyle/>
           <a:p>
             <a:pPr algn="ctr"/>
             <a:r>
-              <a:rPr lang="en-IN" b="1" dirty="0" smtClean="0">
-                <a:latin typeface="Times New Roman" panose="02020603050405020304" pitchFamily="18" charset="0"/>
-                <a:cs typeface="Times New Roman" panose="02020603050405020304" pitchFamily="18" charset="0"/>
-              </a:rPr>
-              <a:t>USERS</a:t>
-            </a:r>
-            <a:endParaRPr lang="en-IN" b="1" dirty="0">
-              <a:latin typeface="Times New Roman" panose="02020603050405020304" pitchFamily="18" charset="0"/>
-              <a:cs typeface="Times New Roman" panose="02020603050405020304" pitchFamily="18" charset="0"/>
-            </a:endParaRPr>
+              <a:rPr lang="en-US" b="1" dirty="0" smtClean="0"/>
+              <a:t>FLOW Diagram Of System</a:t>
+            </a:r>
+            <a:endParaRPr lang="en-US" b="1" dirty="0"/>
           </a:p>
         </p:txBody>
       </p:sp>
-      <p:sp>
-        <p:nvSpPr>
-          <p:cNvPr id="3" name="Content Placeholder 2"/>
-          <p:cNvSpPr>
-            <a:spLocks noGrp="1"/>
-          </p:cNvSpPr>
+      <p:pic>
+        <p:nvPicPr>
+          <p:cNvPr id="4" name="Content Placeholder 3" descr="Flow_daigram.png"/>
+          <p:cNvPicPr>
+            <a:picLocks noGrp="1" noChangeAspect="1"/>
+          </p:cNvPicPr>
           <p:nvPr>
             <p:ph idx="1"/>
           </p:nvPr>
-        </p:nvSpPr>
+        </p:nvPicPr>
+        <p:blipFill>
+          <a:blip r:embed="rId2"/>
+          <a:stretch>
+            <a:fillRect/>
+          </a:stretch>
+        </p:blipFill>
         <p:spPr>
           <a:xfrm>
-            <a:off x="1779314" y="2473234"/>
-            <a:ext cx="8915400" cy="1314994"/>
+            <a:off x="2769325" y="992777"/>
+            <a:ext cx="6727371" cy="5630091"/>
           </a:xfrm>
         </p:spPr>
-        <p:txBody>
-          <a:bodyPr>
-            <a:normAutofit/>
-          </a:bodyPr>
-          <a:lstStyle/>
-          <a:p>
-            <a:r>
-              <a:rPr lang="en-IN" sz="2800" dirty="0" smtClean="0">
-                <a:latin typeface="Times New Roman" panose="02020603050405020304" pitchFamily="18" charset="0"/>
-                <a:cs typeface="Times New Roman" panose="02020603050405020304" pitchFamily="18" charset="0"/>
-              </a:rPr>
-              <a:t>Customer relationship managers</a:t>
-            </a:r>
-          </a:p>
-          <a:p>
-            <a:r>
-              <a:rPr lang="en-IN" sz="2800" dirty="0" smtClean="0">
-                <a:latin typeface="Times New Roman" panose="02020603050405020304" pitchFamily="18" charset="0"/>
-                <a:cs typeface="Times New Roman" panose="02020603050405020304" pitchFamily="18" charset="0"/>
-              </a:rPr>
-              <a:t>Customers who buys products from different companies.</a:t>
-            </a:r>
-            <a:endParaRPr lang="en-IN" sz="2800" dirty="0">
-              <a:latin typeface="Times New Roman" panose="02020603050405020304" pitchFamily="18" charset="0"/>
-              <a:cs typeface="Times New Roman" panose="02020603050405020304" pitchFamily="18" charset="0"/>
-            </a:endParaRPr>
-          </a:p>
-        </p:txBody>
-      </p:sp>
+      </p:pic>
     </p:spTree>
-    <p:extLst>
-      <p:ext uri="{BB962C8B-B14F-4D97-AF65-F5344CB8AC3E}">
-        <p14:creationId xmlns:p14="http://schemas.microsoft.com/office/powerpoint/2010/main" val="3401210128"/>
-      </p:ext>
-    </p:extLst>
   </p:cSld>
   <p:clrMapOvr>
     <a:masterClrMapping/>
   </p:clrMapOvr>
+  <p:timing>
+    <p:tnLst>
+      <p:par>
+        <p:cTn id="1" dur="indefinite" restart="never" nodeType="tmRoot"/>
+      </p:par>
+    </p:tnLst>
+  </p:timing>
 </p:sld>
 </file>
 
@@ -9144,8 +12952,8 @@
         </p:nvSpPr>
         <p:spPr>
           <a:xfrm>
-            <a:off x="4712720" y="293183"/>
-            <a:ext cx="2891835" cy="777970"/>
+            <a:off x="1717713" y="193036"/>
+            <a:ext cx="8911687" cy="642987"/>
           </a:xfrm>
         </p:spPr>
         <p:txBody>
@@ -9154,303 +12962,48 @@
           <a:p>
             <a:pPr algn="ctr"/>
             <a:r>
-              <a:rPr lang="en-IN" b="1" dirty="0" smtClean="0">
-                <a:latin typeface="Times New Roman" panose="02020603050405020304" pitchFamily="18" charset="0"/>
-                <a:cs typeface="Times New Roman" panose="02020603050405020304" pitchFamily="18" charset="0"/>
-              </a:rPr>
-              <a:t>MODULES</a:t>
-            </a:r>
-            <a:endParaRPr lang="en-IN" b="1" dirty="0">
-              <a:latin typeface="Times New Roman" panose="02020603050405020304" pitchFamily="18" charset="0"/>
-              <a:cs typeface="Times New Roman" panose="02020603050405020304" pitchFamily="18" charset="0"/>
-            </a:endParaRPr>
+              <a:rPr lang="en-US" b="1" dirty="0" smtClean="0"/>
+              <a:t>Use Case Diagram</a:t>
+            </a:r>
+            <a:endParaRPr lang="en-US" b="1" dirty="0"/>
           </a:p>
         </p:txBody>
       </p:sp>
-      <p:grpSp>
-        <p:nvGrpSpPr>
-          <p:cNvPr id="9" name="Group 8"/>
-          <p:cNvGrpSpPr/>
-          <p:nvPr/>
-        </p:nvGrpSpPr>
-        <p:grpSpPr>
+      <p:pic>
+        <p:nvPicPr>
+          <p:cNvPr id="4" name="Content Placeholder 3" descr="UseCaseBulkEmailAggregator.jpg"/>
+          <p:cNvPicPr>
+            <a:picLocks noGrp="1" noChangeAspect="1"/>
+          </p:cNvPicPr>
+          <p:nvPr>
+            <p:ph idx="1"/>
+          </p:nvPr>
+        </p:nvPicPr>
+        <p:blipFill>
+          <a:blip r:embed="rId2"/>
+          <a:stretch>
+            <a:fillRect/>
+          </a:stretch>
+        </p:blipFill>
+        <p:spPr>
           <a:xfrm>
-            <a:off x="2744877" y="2061831"/>
-            <a:ext cx="6827520" cy="1476000"/>
-            <a:chOff x="1276385" y="376069"/>
-            <a:chExt cx="6827520" cy="1476000"/>
+            <a:off x="1698172" y="1214849"/>
+            <a:ext cx="8895806" cy="5264331"/>
           </a:xfrm>
-        </p:grpSpPr>
-        <p:sp>
-          <p:nvSpPr>
-            <p:cNvPr id="10" name="Rounded Rectangle 9"/>
-            <p:cNvSpPr/>
-            <p:nvPr/>
-          </p:nvSpPr>
-          <p:spPr>
-            <a:xfrm>
-              <a:off x="1276385" y="376069"/>
-              <a:ext cx="6827520" cy="1476000"/>
-            </a:xfrm>
-            <a:prstGeom prst="roundRect">
-              <a:avLst/>
-            </a:prstGeom>
-            <a:solidFill>
-              <a:srgbClr val="ED7D31">
-                <a:hueOff val="0"/>
-                <a:satOff val="0"/>
-                <a:lumOff val="0"/>
-                <a:alphaOff val="0"/>
-              </a:srgbClr>
-            </a:solidFill>
-            <a:ln w="10795" cap="flat" cmpd="sng" algn="ctr">
-              <a:solidFill>
-                <a:sysClr val="window" lastClr="FFFFFF">
-                  <a:hueOff val="0"/>
-                  <a:satOff val="0"/>
-                  <a:lumOff val="0"/>
-                  <a:alphaOff val="0"/>
-                </a:sysClr>
-              </a:solidFill>
-              <a:prstDash val="solid"/>
-            </a:ln>
-            <a:effectLst/>
-          </p:spPr>
-        </p:sp>
-        <p:sp>
-          <p:nvSpPr>
-            <p:cNvPr id="11" name="Rounded Rectangle 4"/>
-            <p:cNvSpPr txBox="1"/>
-            <p:nvPr/>
-          </p:nvSpPr>
-          <p:spPr>
-            <a:xfrm>
-              <a:off x="1348437" y="448121"/>
-              <a:ext cx="6683416" cy="1331896"/>
-            </a:xfrm>
-            <a:prstGeom prst="rect">
-              <a:avLst/>
-            </a:prstGeom>
-            <a:noFill/>
-            <a:ln>
-              <a:noFill/>
-            </a:ln>
-            <a:effectLst/>
-          </p:spPr>
-          <p:txBody>
-            <a:bodyPr spcFirstLastPara="0" vert="horz" wrap="square" lIns="258064" tIns="0" rIns="258064" bIns="0" numCol="1" spcCol="1270" anchor="ctr" anchorCtr="0">
-              <a:noAutofit/>
-            </a:bodyPr>
-            <a:lstStyle/>
-            <a:p>
-              <a:pPr marL="0" marR="0" lvl="0" indent="0" algn="ctr" defTabSz="1511300" eaLnBrk="1" fontAlgn="auto" latinLnBrk="0" hangingPunct="1">
-                <a:lnSpc>
-                  <a:spcPct val="90000"/>
-                </a:lnSpc>
-                <a:spcBef>
-                  <a:spcPct val="0"/>
-                </a:spcBef>
-                <a:spcAft>
-                  <a:spcPct val="35000"/>
-                </a:spcAft>
-                <a:buClrTx/>
-                <a:buSzTx/>
-                <a:buFontTx/>
-                <a:buNone/>
-                <a:tabLst/>
-                <a:defRPr/>
-              </a:pPr>
-              <a:r>
-                <a:rPr lang="en-US" sz="3400" dirty="0" smtClean="0">
-                  <a:solidFill>
-                    <a:sysClr val="window" lastClr="FFFFFF"/>
-                  </a:solidFill>
-                  <a:latin typeface="Calibri" panose="020F0502020204030204"/>
-                </a:rPr>
-                <a:t>USER</a:t>
-              </a:r>
-              <a:r>
-                <a:rPr kumimoji="0" lang="en-US" sz="3400" b="0" i="0" u="none" strike="noStrike" kern="1200" cap="none" spc="0" normalizeH="0" baseline="0" noProof="0" dirty="0" smtClean="0">
-                  <a:ln>
-                    <a:noFill/>
-                  </a:ln>
-                  <a:solidFill>
-                    <a:sysClr val="window" lastClr="FFFFFF"/>
-                  </a:solidFill>
-                  <a:effectLst/>
-                  <a:uLnTx/>
-                  <a:uFillTx/>
-                  <a:latin typeface="Calibri" panose="020F0502020204030204"/>
-                  <a:ea typeface="+mn-ea"/>
-                  <a:cs typeface="+mn-cs"/>
-                </a:rPr>
-                <a:t> PANEL</a:t>
-              </a:r>
-              <a:endParaRPr kumimoji="0" lang="en-US" sz="3400" b="0" i="0" u="none" strike="noStrike" kern="1200" cap="none" spc="0" normalizeH="0" baseline="0" noProof="0" dirty="0">
-                <a:ln>
-                  <a:noFill/>
-                </a:ln>
-                <a:solidFill>
-                  <a:sysClr val="window" lastClr="FFFFFF"/>
-                </a:solidFill>
-                <a:effectLst/>
-                <a:uLnTx/>
-                <a:uFillTx/>
-                <a:latin typeface="Calibri" panose="020F0502020204030204"/>
-                <a:ea typeface="+mn-ea"/>
-                <a:cs typeface="+mn-cs"/>
-              </a:endParaRPr>
-            </a:p>
-          </p:txBody>
-        </p:sp>
-      </p:grpSp>
-      <p:grpSp>
-        <p:nvGrpSpPr>
-          <p:cNvPr id="15" name="Group 14"/>
-          <p:cNvGrpSpPr/>
-          <p:nvPr/>
-        </p:nvGrpSpPr>
-        <p:grpSpPr>
-          <a:xfrm>
-            <a:off x="2744877" y="4328211"/>
-            <a:ext cx="6827520" cy="1476000"/>
-            <a:chOff x="1348415" y="2680319"/>
-            <a:chExt cx="6827520" cy="1476000"/>
-          </a:xfrm>
-        </p:grpSpPr>
-        <p:sp>
-          <p:nvSpPr>
-            <p:cNvPr id="16" name="Rounded Rectangle 15"/>
-            <p:cNvSpPr/>
-            <p:nvPr/>
-          </p:nvSpPr>
-          <p:spPr>
-            <a:xfrm>
-              <a:off x="1348415" y="2680319"/>
-              <a:ext cx="6827520" cy="1476000"/>
-            </a:xfrm>
-            <a:prstGeom prst="roundRect">
-              <a:avLst/>
-            </a:prstGeom>
-            <a:solidFill>
-              <a:srgbClr val="ED7D31">
-                <a:hueOff val="-1455363"/>
-                <a:satOff val="-83928"/>
-                <a:lumOff val="8628"/>
-                <a:alphaOff val="0"/>
-              </a:srgbClr>
-            </a:solidFill>
-            <a:ln w="10795" cap="flat" cmpd="sng" algn="ctr">
-              <a:solidFill>
-                <a:sysClr val="window" lastClr="FFFFFF">
-                  <a:hueOff val="0"/>
-                  <a:satOff val="0"/>
-                  <a:lumOff val="0"/>
-                  <a:alphaOff val="0"/>
-                </a:sysClr>
-              </a:solidFill>
-              <a:prstDash val="solid"/>
-            </a:ln>
-            <a:effectLst/>
-          </p:spPr>
-        </p:sp>
-        <p:sp>
-          <p:nvSpPr>
-            <p:cNvPr id="17" name="Rounded Rectangle 4"/>
-            <p:cNvSpPr txBox="1"/>
-            <p:nvPr/>
-          </p:nvSpPr>
-          <p:spPr>
-            <a:xfrm>
-              <a:off x="1420467" y="2752371"/>
-              <a:ext cx="6683416" cy="1331896"/>
-            </a:xfrm>
-            <a:prstGeom prst="rect">
-              <a:avLst/>
-            </a:prstGeom>
-            <a:noFill/>
-            <a:ln>
-              <a:noFill/>
-            </a:ln>
-            <a:effectLst/>
-          </p:spPr>
-          <p:txBody>
-            <a:bodyPr spcFirstLastPara="0" vert="horz" wrap="square" lIns="258064" tIns="0" rIns="258064" bIns="0" numCol="1" spcCol="1270" anchor="ctr" anchorCtr="0">
-              <a:noAutofit/>
-            </a:bodyPr>
-            <a:lstStyle/>
-            <a:p>
-              <a:pPr marL="0" marR="0" lvl="0" indent="0" algn="ctr" defTabSz="1511300" eaLnBrk="1" fontAlgn="auto" latinLnBrk="0" hangingPunct="1">
-                <a:lnSpc>
-                  <a:spcPct val="90000"/>
-                </a:lnSpc>
-                <a:spcBef>
-                  <a:spcPct val="0"/>
-                </a:spcBef>
-                <a:spcAft>
-                  <a:spcPct val="35000"/>
-                </a:spcAft>
-                <a:buClrTx/>
-                <a:buSzTx/>
-                <a:buFontTx/>
-                <a:buNone/>
-                <a:tabLst/>
-                <a:defRPr/>
-              </a:pPr>
-              <a:r>
-                <a:rPr lang="en-US" sz="3400" dirty="0" smtClean="0">
-                  <a:solidFill>
-                    <a:sysClr val="window" lastClr="FFFFFF"/>
-                  </a:solidFill>
-                  <a:latin typeface="Calibri" panose="020F0502020204030204"/>
-                </a:rPr>
-                <a:t>CUSTOMER RELATIONSHIP MANAGER’S</a:t>
-              </a:r>
-              <a:r>
-                <a:rPr kumimoji="0" lang="en-US" sz="3400" b="0" i="0" u="none" strike="noStrike" kern="1200" cap="none" spc="0" normalizeH="0" baseline="0" noProof="0" dirty="0" smtClean="0">
-                  <a:ln>
-                    <a:noFill/>
-                  </a:ln>
-                  <a:solidFill>
-                    <a:sysClr val="window" lastClr="FFFFFF"/>
-                  </a:solidFill>
-                  <a:effectLst/>
-                  <a:uLnTx/>
-                  <a:uFillTx/>
-                  <a:latin typeface="Calibri" panose="020F0502020204030204"/>
-                  <a:ea typeface="+mn-ea"/>
-                  <a:cs typeface="+mn-cs"/>
-                </a:rPr>
-                <a:t> PANEL </a:t>
-              </a:r>
-              <a:endParaRPr kumimoji="0" lang="en-US" sz="3400" b="0" i="0" u="none" strike="noStrike" kern="1200" cap="none" spc="0" normalizeH="0" baseline="0" noProof="0" dirty="0">
-                <a:ln>
-                  <a:noFill/>
-                </a:ln>
-                <a:solidFill>
-                  <a:sysClr val="window" lastClr="FFFFFF"/>
-                </a:solidFill>
-                <a:effectLst/>
-                <a:uLnTx/>
-                <a:uFillTx/>
-                <a:latin typeface="Calibri" panose="020F0502020204030204"/>
-                <a:ea typeface="+mn-ea"/>
-                <a:cs typeface="+mn-cs"/>
-              </a:endParaRPr>
-            </a:p>
-          </p:txBody>
-        </p:sp>
-      </p:grpSp>
+        </p:spPr>
+      </p:pic>
     </p:spTree>
-    <p:extLst>
-      <p:ext uri="{BB962C8B-B14F-4D97-AF65-F5344CB8AC3E}">
-        <p14:creationId xmlns:p14="http://schemas.microsoft.com/office/powerpoint/2010/main" val="2216055911"/>
-      </p:ext>
-    </p:extLst>
   </p:cSld>
   <p:clrMapOvr>
     <a:masterClrMapping/>
   </p:clrMapOvr>
+  <p:timing>
+    <p:tnLst>
+      <p:par>
+        <p:cTn id="1" dur="indefinite" restart="never" nodeType="tmRoot"/>
+      </p:par>
+    </p:tnLst>
+  </p:timing>
 </p:sld>
 </file>
 
@@ -9497,7 +13050,7 @@
     </a:clrScheme>
     <a:fontScheme name="Wisp">
       <a:majorFont>
-        <a:latin typeface="Century Gothic" panose="020B0502020202020204"/>
+        <a:latin typeface="Century Gothic"/>
         <a:ea typeface=""/>
         <a:cs typeface=""/>
         <a:font script="Jpan" typeface="メイリオ"/>
@@ -9532,7 +13085,7 @@
         <a:font script="Geor" typeface="Sylfaen"/>
       </a:majorFont>
       <a:minorFont>
-        <a:latin typeface="Century Gothic" panose="020B0502020202020204"/>
+        <a:latin typeface="Century Gothic"/>
         <a:ea typeface=""/>
         <a:cs typeface=""/>
         <a:font script="Jpan" typeface="メイリオ"/>

--- a/5thSem/Project/Bulk Email Aggregtor.pptx
+++ b/5thSem/Project/Bulk Email Aggregtor.pptx
@@ -3595,7 +3595,7 @@
             <a:fld id="{B61BEF0D-F0BB-DE4B-95CE-6DB70DBA9567}" type="datetimeFigureOut">
               <a:rPr lang="en-US" dirty="0"/>
               <a:pPr/>
-              <a:t>10/21/2019</a:t>
+              <a:t>11/15/2019</a:t>
             </a:fld>
             <a:endParaRPr lang="en-US" dirty="0"/>
           </a:p>
@@ -3930,7 +3930,7 @@
             <a:fld id="{B61BEF0D-F0BB-DE4B-95CE-6DB70DBA9567}" type="datetimeFigureOut">
               <a:rPr lang="en-US" dirty="0"/>
               <a:pPr/>
-              <a:t>10/21/2019</a:t>
+              <a:t>11/15/2019</a:t>
             </a:fld>
             <a:endParaRPr lang="en-US" dirty="0"/>
           </a:p>
@@ -4328,7 +4328,7 @@
             <a:fld id="{B61BEF0D-F0BB-DE4B-95CE-6DB70DBA9567}" type="datetimeFigureOut">
               <a:rPr lang="en-US" dirty="0"/>
               <a:pPr/>
-              <a:t>10/21/2019</a:t>
+              <a:t>11/15/2019</a:t>
             </a:fld>
             <a:endParaRPr lang="en-US" dirty="0"/>
           </a:p>
@@ -4661,7 +4661,7 @@
             <a:fld id="{B61BEF0D-F0BB-DE4B-95CE-6DB70DBA9567}" type="datetimeFigureOut">
               <a:rPr lang="en-US" dirty="0"/>
               <a:pPr/>
-              <a:t>10/21/2019</a:t>
+              <a:t>11/15/2019</a:t>
             </a:fld>
             <a:endParaRPr lang="en-US" dirty="0"/>
           </a:p>
@@ -4978,7 +4978,7 @@
             <a:fld id="{B61BEF0D-F0BB-DE4B-95CE-6DB70DBA9567}" type="datetimeFigureOut">
               <a:rPr lang="en-US" dirty="0"/>
               <a:pPr/>
-              <a:t>10/21/2019</a:t>
+              <a:t>11/15/2019</a:t>
             </a:fld>
             <a:endParaRPr lang="en-US" dirty="0"/>
           </a:p>
@@ -5371,7 +5371,7 @@
             <a:fld id="{B61BEF0D-F0BB-DE4B-95CE-6DB70DBA9567}" type="datetimeFigureOut">
               <a:rPr lang="en-US" dirty="0"/>
               <a:pPr/>
-              <a:t>10/21/2019</a:t>
+              <a:t>11/15/2019</a:t>
             </a:fld>
             <a:endParaRPr lang="en-US" dirty="0"/>
           </a:p>
@@ -5625,7 +5625,7 @@
             <a:fld id="{B61BEF0D-F0BB-DE4B-95CE-6DB70DBA9567}" type="datetimeFigureOut">
               <a:rPr lang="en-US" dirty="0"/>
               <a:pPr/>
-              <a:t>10/21/2019</a:t>
+              <a:t>11/15/2019</a:t>
             </a:fld>
             <a:endParaRPr lang="en-US" dirty="0"/>
           </a:p>
@@ -5884,7 +5884,7 @@
             <a:fld id="{B61BEF0D-F0BB-DE4B-95CE-6DB70DBA9567}" type="datetimeFigureOut">
               <a:rPr lang="en-US" dirty="0"/>
               <a:pPr/>
-              <a:t>10/21/2019</a:t>
+              <a:t>11/15/2019</a:t>
             </a:fld>
             <a:endParaRPr lang="en-US" dirty="0"/>
           </a:p>
@@ -6143,7 +6143,7 @@
             <a:fld id="{B61BEF0D-F0BB-DE4B-95CE-6DB70DBA9567}" type="datetimeFigureOut">
               <a:rPr lang="en-US" dirty="0"/>
               <a:pPr/>
-              <a:t>10/21/2019</a:t>
+              <a:t>11/15/2019</a:t>
             </a:fld>
             <a:endParaRPr lang="en-US" dirty="0"/>
           </a:p>
@@ -6469,7 +6469,7 @@
             <a:fld id="{B61BEF0D-F0BB-DE4B-95CE-6DB70DBA9567}" type="datetimeFigureOut">
               <a:rPr lang="en-US" dirty="0"/>
               <a:pPr/>
-              <a:t>10/21/2019</a:t>
+              <a:t>11/15/2019</a:t>
             </a:fld>
             <a:endParaRPr lang="en-US" dirty="0"/>
           </a:p>
@@ -6789,7 +6789,7 @@
             <a:fld id="{B61BEF0D-F0BB-DE4B-95CE-6DB70DBA9567}" type="datetimeFigureOut">
               <a:rPr lang="en-US" dirty="0"/>
               <a:pPr/>
-              <a:t>10/21/2019</a:t>
+              <a:t>11/15/2019</a:t>
             </a:fld>
             <a:endParaRPr lang="en-US" dirty="0"/>
           </a:p>
@@ -7243,7 +7243,7 @@
             <a:fld id="{B61BEF0D-F0BB-DE4B-95CE-6DB70DBA9567}" type="datetimeFigureOut">
               <a:rPr lang="en-US" dirty="0"/>
               <a:pPr/>
-              <a:t>10/21/2019</a:t>
+              <a:t>11/15/2019</a:t>
             </a:fld>
             <a:endParaRPr lang="en-US" dirty="0"/>
           </a:p>
@@ -7445,7 +7445,7 @@
             <a:fld id="{B61BEF0D-F0BB-DE4B-95CE-6DB70DBA9567}" type="datetimeFigureOut">
               <a:rPr lang="en-US" dirty="0"/>
               <a:pPr/>
-              <a:t>10/21/2019</a:t>
+              <a:t>11/15/2019</a:t>
             </a:fld>
             <a:endParaRPr lang="en-US" dirty="0"/>
           </a:p>
@@ -7619,7 +7619,7 @@
             <a:fld id="{B61BEF0D-F0BB-DE4B-95CE-6DB70DBA9567}" type="datetimeFigureOut">
               <a:rPr lang="en-US" dirty="0"/>
               <a:pPr/>
-              <a:t>10/21/2019</a:t>
+              <a:t>11/15/2019</a:t>
             </a:fld>
             <a:endParaRPr lang="en-US" dirty="0"/>
           </a:p>
@@ -7949,7 +7949,7 @@
             <a:fld id="{B61BEF0D-F0BB-DE4B-95CE-6DB70DBA9567}" type="datetimeFigureOut">
               <a:rPr lang="en-US" dirty="0"/>
               <a:pPr/>
-              <a:t>10/21/2019</a:t>
+              <a:t>11/15/2019</a:t>
             </a:fld>
             <a:endParaRPr lang="en-US" dirty="0"/>
           </a:p>
@@ -8291,7 +8291,7 @@
             <a:fld id="{B61BEF0D-F0BB-DE4B-95CE-6DB70DBA9567}" type="datetimeFigureOut">
               <a:rPr lang="en-US" dirty="0"/>
               <a:pPr/>
-              <a:t>10/21/2019</a:t>
+              <a:t>11/15/2019</a:t>
             </a:fld>
             <a:endParaRPr lang="en-US" dirty="0"/>
           </a:p>
@@ -10405,7 +10405,7 @@
             <a:fld id="{B61BEF0D-F0BB-DE4B-95CE-6DB70DBA9567}" type="datetimeFigureOut">
               <a:rPr lang="en-US" dirty="0"/>
               <a:pPr/>
-              <a:t>10/21/2019</a:t>
+              <a:t>11/15/2019</a:t>
             </a:fld>
             <a:endParaRPr lang="en-US" dirty="0"/>
           </a:p>
@@ -12362,8 +12362,21 @@
                 <a:ea typeface="Verdana" panose="020B0604030504040204" pitchFamily="34" charset="0"/>
                 <a:cs typeface="Times New Roman" panose="02020603050405020304" pitchFamily="18" charset="0"/>
               </a:rPr>
-              <a:t>Node.js 11.8.0</a:t>
-            </a:r>
+              <a:t>Node.js </a:t>
+            </a:r>
+            <a:r>
+              <a:rPr lang="en-US" sz="1800" dirty="0" smtClean="0">
+                <a:latin typeface="Times New Roman" panose="02020603050405020304" pitchFamily="18" charset="0"/>
+                <a:ea typeface="Verdana" panose="020B0604030504040204" pitchFamily="34" charset="0"/>
+                <a:cs typeface="Times New Roman" panose="02020603050405020304" pitchFamily="18" charset="0"/>
+              </a:rPr>
+              <a:t>11.x</a:t>
+            </a:r>
+            <a:endParaRPr lang="en-US" sz="1800" dirty="0">
+              <a:latin typeface="Times New Roman" panose="02020603050405020304" pitchFamily="18" charset="0"/>
+              <a:ea typeface="Verdana" panose="020B0604030504040204" pitchFamily="34" charset="0"/>
+              <a:cs typeface="Times New Roman" panose="02020603050405020304" pitchFamily="18" charset="0"/>
+            </a:endParaRPr>
           </a:p>
           <a:p>
             <a:pPr lvl="0"/>
@@ -12628,12 +12641,17 @@
             </a:r>
             <a:r>
               <a:rPr lang="en-IN" sz="2000" b="1" dirty="0"/>
-              <a:t>to list of </a:t>
-            </a:r>
-            <a:r>
-              <a:rPr lang="en-IN" sz="2000" b="1" dirty="0" smtClean="0"/>
-              <a:t>customer.</a:t>
-            </a:r>
+              <a:t>to list </a:t>
+            </a:r>
+            <a:r>
+              <a:rPr lang="en-IN" sz="2000" b="1"/>
+              <a:t>of </a:t>
+            </a:r>
+            <a:r>
+              <a:rPr lang="en-IN" sz="2000" b="1" smtClean="0"/>
+              <a:t>customers.</a:t>
+            </a:r>
+            <a:endParaRPr lang="en-IN" sz="2000" b="1" dirty="0" smtClean="0"/>
           </a:p>
           <a:p>
             <a:r>
